--- a/NationaleKohorte/NationaleKohortePraes.pptx
+++ b/NationaleKohorte/NationaleKohortePraes.pptx
@@ -5,32 +5,17 @@
     <p:sldMasterId id="2147483685" r:id="rId1"/>
   </p:sldMasterIdLst>
   <p:notesMasterIdLst>
-    <p:notesMasterId r:id="rId25"/>
+    <p:notesMasterId r:id="rId10"/>
   </p:notesMasterIdLst>
   <p:sldIdLst>
-    <p:sldId id="256" r:id="rId2"/>
-    <p:sldId id="257" r:id="rId3"/>
-    <p:sldId id="258" r:id="rId4"/>
-    <p:sldId id="259" r:id="rId5"/>
-    <p:sldId id="260" r:id="rId6"/>
-    <p:sldId id="261" r:id="rId7"/>
-    <p:sldId id="262" r:id="rId8"/>
-    <p:sldId id="263" r:id="rId9"/>
-    <p:sldId id="264" r:id="rId10"/>
-    <p:sldId id="265" r:id="rId11"/>
-    <p:sldId id="266" r:id="rId12"/>
-    <p:sldId id="267" r:id="rId13"/>
-    <p:sldId id="268" r:id="rId14"/>
-    <p:sldId id="269" r:id="rId15"/>
-    <p:sldId id="270" r:id="rId16"/>
-    <p:sldId id="278" r:id="rId17"/>
-    <p:sldId id="271" r:id="rId18"/>
-    <p:sldId id="272" r:id="rId19"/>
-    <p:sldId id="273" r:id="rId20"/>
-    <p:sldId id="274" r:id="rId21"/>
-    <p:sldId id="275" r:id="rId22"/>
-    <p:sldId id="276" r:id="rId23"/>
-    <p:sldId id="277" r:id="rId24"/>
+    <p:sldId id="279" r:id="rId2"/>
+    <p:sldId id="280" r:id="rId3"/>
+    <p:sldId id="282" r:id="rId4"/>
+    <p:sldId id="281" r:id="rId5"/>
+    <p:sldId id="283" r:id="rId6"/>
+    <p:sldId id="284" r:id="rId7"/>
+    <p:sldId id="285" r:id="rId8"/>
+    <p:sldId id="286" r:id="rId9"/>
   </p:sldIdLst>
   <p:sldSz cx="12192000" cy="6858000"/>
   <p:notesSz cx="6858000" cy="9144000"/>
@@ -131,7 +116,7 @@
   </p:defaultTextStyle>
   <p:extLst>
     <p:ext uri="{EFAFB233-063F-42B5-8137-9DF3F51BA10A}">
-      <p15:sldGuideLst xmlns:p15="http://schemas.microsoft.com/office/powerpoint/2012/main" xmlns=""/>
+      <p15:sldGuideLst xmlns="" xmlns:p15="http://schemas.microsoft.com/office/powerpoint/2012/main"/>
     </p:ext>
   </p:extLst>
 </p:presentation>
@@ -225,7 +210,7 @@
           <a:p>
             <a:fld id="{FD0E5214-A780-45B3-8C91-E131831524A4}" type="datetimeFigureOut">
               <a:rPr lang="de-DE" smtClean="0"/>
-              <a:t>16.03.2015</a:t>
+              <a:t>28.03.2015</a:t>
             </a:fld>
             <a:endParaRPr lang="de-DE"/>
           </a:p>
@@ -537,6 +522,33 @@
           <a:bodyPr/>
           <a:lstStyle/>
           <a:p>
+            <a:r>
+              <a:rPr lang="de-DE" dirty="0" smtClean="0"/>
+              <a:t>Helmholtz: deutsche Gesellschaft</a:t>
+            </a:r>
+            <a:r>
+              <a:rPr lang="de-DE" baseline="0" dirty="0" smtClean="0"/>
+              <a:t> zur Förderung und Finanzierung der Forschung</a:t>
+            </a:r>
+          </a:p>
+          <a:p>
+            <a:r>
+              <a:rPr lang="de-DE" baseline="0" dirty="0" smtClean="0"/>
+              <a:t>Uni Bsp.: Charité Berlin, Uniklinikum Freiburg, Uni HD</a:t>
+            </a:r>
+          </a:p>
+          <a:p>
+            <a:r>
+              <a:rPr lang="de-DE" baseline="0" dirty="0" smtClean="0"/>
+              <a:t>Leibniz: Zusammenschluss deutscher Forschungsinstitute unterschiedlicher </a:t>
+            </a:r>
+            <a:r>
+              <a:rPr lang="de-DE" baseline="0" dirty="0" err="1" smtClean="0"/>
+              <a:t>Fachrichtunge</a:t>
+            </a:r>
+            <a:endParaRPr lang="de-DE" baseline="0" dirty="0" smtClean="0"/>
+          </a:p>
+          <a:p>
             <a:endParaRPr lang="de-DE" dirty="0"/>
           </a:p>
         </p:txBody>
@@ -558,7 +570,7 @@
           <a:p>
             <a:fld id="{291A2AE1-9A89-46FB-B262-609F9F6D1590}" type="slidenum">
               <a:rPr lang="de-DE" smtClean="0"/>
-              <a:t>1</a:t>
+              <a:t>6</a:t>
             </a:fld>
             <a:endParaRPr lang="de-DE"/>
           </a:p>
@@ -567,1069 +579,7 @@
     </p:spTree>
     <p:extLst>
       <p:ext uri="{BB962C8B-B14F-4D97-AF65-F5344CB8AC3E}">
-        <p14:creationId xmlns:p14="http://schemas.microsoft.com/office/powerpoint/2010/main" val="3149365186"/>
-      </p:ext>
-    </p:extLst>
-  </p:cSld>
-  <p:clrMapOvr>
-    <a:masterClrMapping/>
-  </p:clrMapOvr>
-</p:notes>
-</file>
-
-<file path=ppt/notesSlides/notesSlide10.xml><?xml version="1.0" encoding="utf-8"?>
-<p:notes xmlns:a="http://schemas.openxmlformats.org/drawingml/2006/main" xmlns:r="http://schemas.openxmlformats.org/officeDocument/2006/relationships" xmlns:p="http://schemas.openxmlformats.org/presentationml/2006/main">
-  <p:cSld>
-    <p:spTree>
-      <p:nvGrpSpPr>
-        <p:cNvPr id="1" name=""/>
-        <p:cNvGrpSpPr/>
-        <p:nvPr/>
-      </p:nvGrpSpPr>
-      <p:grpSpPr>
-        <a:xfrm>
-          <a:off x="0" y="0"/>
-          <a:ext cx="0" cy="0"/>
-          <a:chOff x="0" y="0"/>
-          <a:chExt cx="0" cy="0"/>
-        </a:xfrm>
-      </p:grpSpPr>
-      <p:sp>
-        <p:nvSpPr>
-          <p:cNvPr id="2" name="Folienbildplatzhalter 1"/>
-          <p:cNvSpPr>
-            <a:spLocks noGrp="1" noRot="1" noChangeAspect="1"/>
-          </p:cNvSpPr>
-          <p:nvPr>
-            <p:ph type="sldImg"/>
-          </p:nvPr>
-        </p:nvSpPr>
-        <p:spPr/>
-      </p:sp>
-      <p:sp>
-        <p:nvSpPr>
-          <p:cNvPr id="3" name="Notizenplatzhalter 2"/>
-          <p:cNvSpPr>
-            <a:spLocks noGrp="1"/>
-          </p:cNvSpPr>
-          <p:nvPr>
-            <p:ph type="body" idx="1"/>
-          </p:nvPr>
-        </p:nvSpPr>
-        <p:spPr/>
-        <p:txBody>
-          <a:bodyPr/>
-          <a:lstStyle/>
-          <a:p>
-            <a:r>
-              <a:rPr lang="de-DE" dirty="0" err="1"/>
-              <a:t>Neugeborenenscreening</a:t>
-            </a:r>
-            <a:r>
-              <a:rPr lang="de-DE" dirty="0"/>
-              <a:t>, Mütterberatung, Impfberatung, Hör- und Sehbehindertenberatung, Einschulungsuntersuchungen, </a:t>
-            </a:r>
-            <a:r>
-              <a:rPr lang="de-DE" dirty="0" smtClean="0"/>
-              <a:t>Schulsportfreistellungen</a:t>
-            </a:r>
-          </a:p>
-          <a:p>
-            <a:endParaRPr lang="de-DE" dirty="0"/>
-          </a:p>
-          <a:p>
-            <a:r>
-              <a:rPr lang="de-DE" dirty="0"/>
-              <a:t>zur Erfüllung dieser </a:t>
-            </a:r>
-            <a:r>
-              <a:rPr lang="de-DE" dirty="0" smtClean="0"/>
-              <a:t>Aufgaben</a:t>
-            </a:r>
-          </a:p>
-          <a:p>
-            <a:pPr lvl="2"/>
-            <a:r>
-              <a:rPr lang="de-DE" dirty="0"/>
-              <a:t>informieren und beraten Gesundheitsämter die Bevölkerung, </a:t>
-            </a:r>
-            <a:r>
-              <a:rPr lang="de-DE" dirty="0" smtClean="0"/>
-              <a:t>	Verwaltung </a:t>
-            </a:r>
-            <a:r>
-              <a:rPr lang="de-DE" dirty="0"/>
-              <a:t>und Politik</a:t>
-            </a:r>
-          </a:p>
-          <a:p>
-            <a:pPr lvl="2"/>
-            <a:r>
-              <a:rPr lang="de-DE" dirty="0"/>
-              <a:t>nehmen ihre Aufgaben auch in Kooperation mit Institutionen, </a:t>
-            </a:r>
-            <a:r>
-              <a:rPr lang="de-DE" dirty="0" smtClean="0"/>
-              <a:t>	Verbänden </a:t>
-            </a:r>
-            <a:r>
-              <a:rPr lang="de-DE" dirty="0"/>
-              <a:t>und Personen wahr </a:t>
-            </a:r>
-          </a:p>
-          <a:p>
-            <a:pPr lvl="2"/>
-            <a:r>
-              <a:rPr lang="de-DE" dirty="0"/>
-              <a:t>arbeiten </a:t>
-            </a:r>
-            <a:r>
-              <a:rPr lang="de-DE" dirty="0" smtClean="0"/>
-              <a:t>interdisziplinär</a:t>
-            </a:r>
-          </a:p>
-          <a:p>
-            <a:pPr lvl="2"/>
-            <a:endParaRPr lang="de-DE" dirty="0" smtClean="0"/>
-          </a:p>
-          <a:p>
-            <a:pPr lvl="2"/>
-            <a:r>
-              <a:rPr lang="de-DE" dirty="0" smtClean="0"/>
-              <a:t>Genauen </a:t>
-            </a:r>
-            <a:r>
-              <a:rPr lang="de-DE" dirty="0"/>
-              <a:t>Angebote der Gesundheitsämter sind dem Bedarf entsprechend gewichtet und ausgestaltet</a:t>
-            </a:r>
-          </a:p>
-          <a:p>
-            <a:pPr lvl="2"/>
-            <a:endParaRPr lang="de-DE" dirty="0"/>
-          </a:p>
-          <a:p>
-            <a:endParaRPr lang="de-DE" dirty="0"/>
-          </a:p>
-        </p:txBody>
-      </p:sp>
-      <p:sp>
-        <p:nvSpPr>
-          <p:cNvPr id="4" name="Foliennummernplatzhalter 3"/>
-          <p:cNvSpPr>
-            <a:spLocks noGrp="1"/>
-          </p:cNvSpPr>
-          <p:nvPr>
-            <p:ph type="sldNum" sz="quarter" idx="10"/>
-          </p:nvPr>
-        </p:nvSpPr>
-        <p:spPr/>
-        <p:txBody>
-          <a:bodyPr/>
-          <a:lstStyle/>
-          <a:p>
-            <a:fld id="{291A2AE1-9A89-46FB-B262-609F9F6D1590}" type="slidenum">
-              <a:rPr lang="de-DE" smtClean="0"/>
-              <a:t>12</a:t>
-            </a:fld>
-            <a:endParaRPr lang="de-DE"/>
-          </a:p>
-        </p:txBody>
-      </p:sp>
-    </p:spTree>
-    <p:extLst>
-      <p:ext uri="{BB962C8B-B14F-4D97-AF65-F5344CB8AC3E}">
-        <p14:creationId xmlns:p14="http://schemas.microsoft.com/office/powerpoint/2010/main" val="1215756452"/>
-      </p:ext>
-    </p:extLst>
-  </p:cSld>
-  <p:clrMapOvr>
-    <a:masterClrMapping/>
-  </p:clrMapOvr>
-</p:notes>
-</file>
-
-<file path=ppt/notesSlides/notesSlide11.xml><?xml version="1.0" encoding="utf-8"?>
-<p:notes xmlns:a="http://schemas.openxmlformats.org/drawingml/2006/main" xmlns:r="http://schemas.openxmlformats.org/officeDocument/2006/relationships" xmlns:p="http://schemas.openxmlformats.org/presentationml/2006/main">
-  <p:cSld>
-    <p:spTree>
-      <p:nvGrpSpPr>
-        <p:cNvPr id="1" name=""/>
-        <p:cNvGrpSpPr/>
-        <p:nvPr/>
-      </p:nvGrpSpPr>
-      <p:grpSpPr>
-        <a:xfrm>
-          <a:off x="0" y="0"/>
-          <a:ext cx="0" cy="0"/>
-          <a:chOff x="0" y="0"/>
-          <a:chExt cx="0" cy="0"/>
-        </a:xfrm>
-      </p:grpSpPr>
-      <p:sp>
-        <p:nvSpPr>
-          <p:cNvPr id="2" name="Folienbildplatzhalter 1"/>
-          <p:cNvSpPr>
-            <a:spLocks noGrp="1" noRot="1" noChangeAspect="1"/>
-          </p:cNvSpPr>
-          <p:nvPr>
-            <p:ph type="sldImg"/>
-          </p:nvPr>
-        </p:nvSpPr>
-        <p:spPr/>
-      </p:sp>
-      <p:sp>
-        <p:nvSpPr>
-          <p:cNvPr id="3" name="Notizenplatzhalter 2"/>
-          <p:cNvSpPr>
-            <a:spLocks noGrp="1"/>
-          </p:cNvSpPr>
-          <p:nvPr>
-            <p:ph type="body" idx="1"/>
-          </p:nvPr>
-        </p:nvSpPr>
-        <p:spPr/>
-        <p:txBody>
-          <a:bodyPr/>
-          <a:lstStyle/>
-          <a:p>
-            <a:r>
-              <a:rPr lang="de-DE" dirty="0" smtClean="0"/>
-              <a:t>Teilziele:</a:t>
-            </a:r>
-          </a:p>
-          <a:p>
-            <a:r>
-              <a:rPr lang="de-DE" dirty="0"/>
-              <a:t>	</a:t>
-            </a:r>
-            <a:r>
-              <a:rPr lang="de-DE" dirty="0"/>
-              <a:t>Verbesserung der Zielgenauigkeit gesundheitspolitischer Maßnahmen durch planungs- und steuerungsrelevante Orientierungsdaten für Entscheidungsträger in Politik, Verwaltung und </a:t>
-            </a:r>
-            <a:r>
-              <a:rPr lang="de-DE" dirty="0" smtClean="0"/>
-              <a:t>Gesundheitswese</a:t>
-            </a:r>
-          </a:p>
-          <a:p>
-            <a:endParaRPr lang="de-DE" dirty="0"/>
-          </a:p>
-          <a:p>
-            <a:r>
-              <a:rPr lang="de-DE" dirty="0" smtClean="0"/>
-              <a:t>	</a:t>
-            </a:r>
-            <a:r>
-              <a:rPr lang="de-DE" dirty="0"/>
-              <a:t>Initiierung und Koordination von gesundheitspolitischen Planungs- und Realisierungsprozessen innerhalb der öffentlichen Verwaltung sowie im gesamten </a:t>
-            </a:r>
-            <a:r>
-              <a:rPr lang="de-DE" dirty="0" smtClean="0"/>
-              <a:t>Gesundheitsbereich</a:t>
-            </a:r>
-          </a:p>
-          <a:p>
-            <a:endParaRPr lang="de-DE" dirty="0"/>
-          </a:p>
-          <a:p>
-            <a:r>
-              <a:rPr lang="de-DE" dirty="0" smtClean="0"/>
-              <a:t>	</a:t>
-            </a:r>
-            <a:r>
-              <a:rPr lang="de-DE" dirty="0"/>
-              <a:t>Evaluation von gesundheitspolitischen Programmen und Maßnahmen hinsichtlich ihrer Auswirkungen auf die gesundheitliche Lage und </a:t>
-            </a:r>
-            <a:r>
-              <a:rPr lang="de-DE" dirty="0" smtClean="0"/>
-              <a:t>Versorgung</a:t>
-            </a:r>
-          </a:p>
-          <a:p>
-            <a:endParaRPr lang="de-DE" dirty="0"/>
-          </a:p>
-          <a:p>
-            <a:pPr marL="0" lvl="3"/>
-            <a:r>
-              <a:rPr lang="de-DE" dirty="0" smtClean="0"/>
-              <a:t>	</a:t>
-            </a:r>
-            <a:r>
-              <a:rPr lang="de-DE" dirty="0"/>
-              <a:t>Motivierung von Entscheidungsträgern und Bürgern zu verstärktem Engagement für die Gesundheit der Bevölkerung</a:t>
-            </a:r>
-          </a:p>
-          <a:p>
-            <a:endParaRPr lang="de-DE" dirty="0" smtClean="0"/>
-          </a:p>
-          <a:p>
-            <a:r>
-              <a:rPr lang="de-DE" dirty="0"/>
-              <a:t>	</a:t>
-            </a:r>
-            <a:r>
-              <a:rPr lang="de-DE" dirty="0"/>
-              <a:t>Sachgerechte Information des Bürgers über die gesundheitliche Lage der Bevölkerung und ihre wesentlichen Bestimmungsfaktoren</a:t>
-            </a:r>
-            <a:endParaRPr lang="de-DE" dirty="0"/>
-          </a:p>
-        </p:txBody>
-      </p:sp>
-      <p:sp>
-        <p:nvSpPr>
-          <p:cNvPr id="4" name="Foliennummernplatzhalter 3"/>
-          <p:cNvSpPr>
-            <a:spLocks noGrp="1"/>
-          </p:cNvSpPr>
-          <p:nvPr>
-            <p:ph type="sldNum" sz="quarter" idx="10"/>
-          </p:nvPr>
-        </p:nvSpPr>
-        <p:spPr/>
-        <p:txBody>
-          <a:bodyPr/>
-          <a:lstStyle/>
-          <a:p>
-            <a:fld id="{291A2AE1-9A89-46FB-B262-609F9F6D1590}" type="slidenum">
-              <a:rPr lang="de-DE" smtClean="0"/>
-              <a:t>13</a:t>
-            </a:fld>
-            <a:endParaRPr lang="de-DE"/>
-          </a:p>
-        </p:txBody>
-      </p:sp>
-    </p:spTree>
-    <p:extLst>
-      <p:ext uri="{BB962C8B-B14F-4D97-AF65-F5344CB8AC3E}">
-        <p14:creationId xmlns:p14="http://schemas.microsoft.com/office/powerpoint/2010/main" val="1073885073"/>
-      </p:ext>
-    </p:extLst>
-  </p:cSld>
-  <p:clrMapOvr>
-    <a:masterClrMapping/>
-  </p:clrMapOvr>
-</p:notes>
-</file>
-
-<file path=ppt/notesSlides/notesSlide12.xml><?xml version="1.0" encoding="utf-8"?>
-<p:notes xmlns:a="http://schemas.openxmlformats.org/drawingml/2006/main" xmlns:r="http://schemas.openxmlformats.org/officeDocument/2006/relationships" xmlns:p="http://schemas.openxmlformats.org/presentationml/2006/main">
-  <p:cSld>
-    <p:spTree>
-      <p:nvGrpSpPr>
-        <p:cNvPr id="1" name=""/>
-        <p:cNvGrpSpPr/>
-        <p:nvPr/>
-      </p:nvGrpSpPr>
-      <p:grpSpPr>
-        <a:xfrm>
-          <a:off x="0" y="0"/>
-          <a:ext cx="0" cy="0"/>
-          <a:chOff x="0" y="0"/>
-          <a:chExt cx="0" cy="0"/>
-        </a:xfrm>
-      </p:grpSpPr>
-      <p:sp>
-        <p:nvSpPr>
-          <p:cNvPr id="2" name="Folienbildplatzhalter 1"/>
-          <p:cNvSpPr>
-            <a:spLocks noGrp="1" noRot="1" noChangeAspect="1"/>
-          </p:cNvSpPr>
-          <p:nvPr>
-            <p:ph type="sldImg"/>
-          </p:nvPr>
-        </p:nvSpPr>
-        <p:spPr/>
-      </p:sp>
-      <p:sp>
-        <p:nvSpPr>
-          <p:cNvPr id="3" name="Notizenplatzhalter 2"/>
-          <p:cNvSpPr>
-            <a:spLocks noGrp="1"/>
-          </p:cNvSpPr>
-          <p:nvPr>
-            <p:ph type="body" idx="1"/>
-          </p:nvPr>
-        </p:nvSpPr>
-        <p:spPr/>
-        <p:txBody>
-          <a:bodyPr/>
-          <a:lstStyle/>
-          <a:p>
-            <a:endParaRPr lang="de-DE"/>
-          </a:p>
-        </p:txBody>
-      </p:sp>
-      <p:sp>
-        <p:nvSpPr>
-          <p:cNvPr id="4" name="Foliennummernplatzhalter 3"/>
-          <p:cNvSpPr>
-            <a:spLocks noGrp="1"/>
-          </p:cNvSpPr>
-          <p:nvPr>
-            <p:ph type="sldNum" sz="quarter" idx="10"/>
-          </p:nvPr>
-        </p:nvSpPr>
-        <p:spPr/>
-        <p:txBody>
-          <a:bodyPr/>
-          <a:lstStyle/>
-          <a:p>
-            <a:fld id="{291A2AE1-9A89-46FB-B262-609F9F6D1590}" type="slidenum">
-              <a:rPr lang="de-DE" smtClean="0"/>
-              <a:t>14</a:t>
-            </a:fld>
-            <a:endParaRPr lang="de-DE"/>
-          </a:p>
-        </p:txBody>
-      </p:sp>
-    </p:spTree>
-    <p:extLst>
-      <p:ext uri="{BB962C8B-B14F-4D97-AF65-F5344CB8AC3E}">
-        <p14:creationId xmlns:p14="http://schemas.microsoft.com/office/powerpoint/2010/main" val="1644195883"/>
-      </p:ext>
-    </p:extLst>
-  </p:cSld>
-  <p:clrMapOvr>
-    <a:masterClrMapping/>
-  </p:clrMapOvr>
-</p:notes>
-</file>
-
-<file path=ppt/notesSlides/notesSlide13.xml><?xml version="1.0" encoding="utf-8"?>
-<p:notes xmlns:a="http://schemas.openxmlformats.org/drawingml/2006/main" xmlns:r="http://schemas.openxmlformats.org/officeDocument/2006/relationships" xmlns:p="http://schemas.openxmlformats.org/presentationml/2006/main">
-  <p:cSld>
-    <p:spTree>
-      <p:nvGrpSpPr>
-        <p:cNvPr id="1" name=""/>
-        <p:cNvGrpSpPr/>
-        <p:nvPr/>
-      </p:nvGrpSpPr>
-      <p:grpSpPr>
-        <a:xfrm>
-          <a:off x="0" y="0"/>
-          <a:ext cx="0" cy="0"/>
-          <a:chOff x="0" y="0"/>
-          <a:chExt cx="0" cy="0"/>
-        </a:xfrm>
-      </p:grpSpPr>
-      <p:sp>
-        <p:nvSpPr>
-          <p:cNvPr id="2" name="Folienbildplatzhalter 1"/>
-          <p:cNvSpPr>
-            <a:spLocks noGrp="1" noRot="1" noChangeAspect="1"/>
-          </p:cNvSpPr>
-          <p:nvPr>
-            <p:ph type="sldImg"/>
-          </p:nvPr>
-        </p:nvSpPr>
-        <p:spPr/>
-      </p:sp>
-      <p:sp>
-        <p:nvSpPr>
-          <p:cNvPr id="3" name="Notizenplatzhalter 2"/>
-          <p:cNvSpPr>
-            <a:spLocks noGrp="1"/>
-          </p:cNvSpPr>
-          <p:nvPr>
-            <p:ph type="body" idx="1"/>
-          </p:nvPr>
-        </p:nvSpPr>
-        <p:spPr/>
-        <p:txBody>
-          <a:bodyPr/>
-          <a:lstStyle/>
-          <a:p>
-            <a:endParaRPr lang="de-DE"/>
-          </a:p>
-        </p:txBody>
-      </p:sp>
-      <p:sp>
-        <p:nvSpPr>
-          <p:cNvPr id="4" name="Foliennummernplatzhalter 3"/>
-          <p:cNvSpPr>
-            <a:spLocks noGrp="1"/>
-          </p:cNvSpPr>
-          <p:nvPr>
-            <p:ph type="sldNum" sz="quarter" idx="10"/>
-          </p:nvPr>
-        </p:nvSpPr>
-        <p:spPr/>
-        <p:txBody>
-          <a:bodyPr/>
-          <a:lstStyle/>
-          <a:p>
-            <a:fld id="{291A2AE1-9A89-46FB-B262-609F9F6D1590}" type="slidenum">
-              <a:rPr lang="de-DE" smtClean="0"/>
-              <a:t>15</a:t>
-            </a:fld>
-            <a:endParaRPr lang="de-DE"/>
-          </a:p>
-        </p:txBody>
-      </p:sp>
-    </p:spTree>
-    <p:extLst>
-      <p:ext uri="{BB962C8B-B14F-4D97-AF65-F5344CB8AC3E}">
-        <p14:creationId xmlns:p14="http://schemas.microsoft.com/office/powerpoint/2010/main" val="2171960302"/>
-      </p:ext>
-    </p:extLst>
-  </p:cSld>
-  <p:clrMapOvr>
-    <a:masterClrMapping/>
-  </p:clrMapOvr>
-</p:notes>
-</file>
-
-<file path=ppt/notesSlides/notesSlide14.xml><?xml version="1.0" encoding="utf-8"?>
-<p:notes xmlns:a="http://schemas.openxmlformats.org/drawingml/2006/main" xmlns:r="http://schemas.openxmlformats.org/officeDocument/2006/relationships" xmlns:p="http://schemas.openxmlformats.org/presentationml/2006/main">
-  <p:cSld>
-    <p:spTree>
-      <p:nvGrpSpPr>
-        <p:cNvPr id="1" name=""/>
-        <p:cNvGrpSpPr/>
-        <p:nvPr/>
-      </p:nvGrpSpPr>
-      <p:grpSpPr>
-        <a:xfrm>
-          <a:off x="0" y="0"/>
-          <a:ext cx="0" cy="0"/>
-          <a:chOff x="0" y="0"/>
-          <a:chExt cx="0" cy="0"/>
-        </a:xfrm>
-      </p:grpSpPr>
-      <p:sp>
-        <p:nvSpPr>
-          <p:cNvPr id="2" name="Folienbildplatzhalter 1"/>
-          <p:cNvSpPr>
-            <a:spLocks noGrp="1" noRot="1" noChangeAspect="1"/>
-          </p:cNvSpPr>
-          <p:nvPr>
-            <p:ph type="sldImg"/>
-          </p:nvPr>
-        </p:nvSpPr>
-        <p:spPr/>
-      </p:sp>
-      <p:sp>
-        <p:nvSpPr>
-          <p:cNvPr id="3" name="Notizenplatzhalter 2"/>
-          <p:cNvSpPr>
-            <a:spLocks noGrp="1"/>
-          </p:cNvSpPr>
-          <p:nvPr>
-            <p:ph type="body" idx="1"/>
-          </p:nvPr>
-        </p:nvSpPr>
-        <p:spPr/>
-        <p:txBody>
-          <a:bodyPr/>
-          <a:lstStyle/>
-          <a:p>
-            <a:endParaRPr lang="de-DE"/>
-          </a:p>
-        </p:txBody>
-      </p:sp>
-      <p:sp>
-        <p:nvSpPr>
-          <p:cNvPr id="4" name="Foliennummernplatzhalter 3"/>
-          <p:cNvSpPr>
-            <a:spLocks noGrp="1"/>
-          </p:cNvSpPr>
-          <p:nvPr>
-            <p:ph type="sldNum" sz="quarter" idx="10"/>
-          </p:nvPr>
-        </p:nvSpPr>
-        <p:spPr/>
-        <p:txBody>
-          <a:bodyPr/>
-          <a:lstStyle/>
-          <a:p>
-            <a:fld id="{291A2AE1-9A89-46FB-B262-609F9F6D1590}" type="slidenum">
-              <a:rPr lang="de-DE" smtClean="0"/>
-              <a:t>16</a:t>
-            </a:fld>
-            <a:endParaRPr lang="de-DE"/>
-          </a:p>
-        </p:txBody>
-      </p:sp>
-    </p:spTree>
-    <p:extLst>
-      <p:ext uri="{BB962C8B-B14F-4D97-AF65-F5344CB8AC3E}">
-        <p14:creationId xmlns:p14="http://schemas.microsoft.com/office/powerpoint/2010/main" val="3087321111"/>
-      </p:ext>
-    </p:extLst>
-  </p:cSld>
-  <p:clrMapOvr>
-    <a:masterClrMapping/>
-  </p:clrMapOvr>
-</p:notes>
-</file>
-
-<file path=ppt/notesSlides/notesSlide15.xml><?xml version="1.0" encoding="utf-8"?>
-<p:notes xmlns:a="http://schemas.openxmlformats.org/drawingml/2006/main" xmlns:r="http://schemas.openxmlformats.org/officeDocument/2006/relationships" xmlns:p="http://schemas.openxmlformats.org/presentationml/2006/main">
-  <p:cSld>
-    <p:spTree>
-      <p:nvGrpSpPr>
-        <p:cNvPr id="1" name=""/>
-        <p:cNvGrpSpPr/>
-        <p:nvPr/>
-      </p:nvGrpSpPr>
-      <p:grpSpPr>
-        <a:xfrm>
-          <a:off x="0" y="0"/>
-          <a:ext cx="0" cy="0"/>
-          <a:chOff x="0" y="0"/>
-          <a:chExt cx="0" cy="0"/>
-        </a:xfrm>
-      </p:grpSpPr>
-      <p:sp>
-        <p:nvSpPr>
-          <p:cNvPr id="2" name="Folienbildplatzhalter 1"/>
-          <p:cNvSpPr>
-            <a:spLocks noGrp="1" noRot="1" noChangeAspect="1"/>
-          </p:cNvSpPr>
-          <p:nvPr>
-            <p:ph type="sldImg"/>
-          </p:nvPr>
-        </p:nvSpPr>
-        <p:spPr/>
-      </p:sp>
-      <p:sp>
-        <p:nvSpPr>
-          <p:cNvPr id="3" name="Notizenplatzhalter 2"/>
-          <p:cNvSpPr>
-            <a:spLocks noGrp="1"/>
-          </p:cNvSpPr>
-          <p:nvPr>
-            <p:ph type="body" idx="1"/>
-          </p:nvPr>
-        </p:nvSpPr>
-        <p:spPr/>
-        <p:txBody>
-          <a:bodyPr/>
-          <a:lstStyle/>
-          <a:p>
-            <a:r>
-              <a:rPr lang="de-DE" dirty="0" smtClean="0"/>
-              <a:t>Erschließung der Daten auch zur Erkennung von zeitlichen Trends</a:t>
-            </a:r>
-            <a:endParaRPr lang="de-DE" dirty="0"/>
-          </a:p>
-        </p:txBody>
-      </p:sp>
-      <p:sp>
-        <p:nvSpPr>
-          <p:cNvPr id="4" name="Foliennummernplatzhalter 3"/>
-          <p:cNvSpPr>
-            <a:spLocks noGrp="1"/>
-          </p:cNvSpPr>
-          <p:nvPr>
-            <p:ph type="sldNum" sz="quarter" idx="10"/>
-          </p:nvPr>
-        </p:nvSpPr>
-        <p:spPr/>
-        <p:txBody>
-          <a:bodyPr/>
-          <a:lstStyle/>
-          <a:p>
-            <a:fld id="{291A2AE1-9A89-46FB-B262-609F9F6D1590}" type="slidenum">
-              <a:rPr lang="de-DE" smtClean="0"/>
-              <a:t>17</a:t>
-            </a:fld>
-            <a:endParaRPr lang="de-DE"/>
-          </a:p>
-        </p:txBody>
-      </p:sp>
-    </p:spTree>
-    <p:extLst>
-      <p:ext uri="{BB962C8B-B14F-4D97-AF65-F5344CB8AC3E}">
-        <p14:creationId xmlns:p14="http://schemas.microsoft.com/office/powerpoint/2010/main" val="2631846841"/>
-      </p:ext>
-    </p:extLst>
-  </p:cSld>
-  <p:clrMapOvr>
-    <a:masterClrMapping/>
-  </p:clrMapOvr>
-</p:notes>
-</file>
-
-<file path=ppt/notesSlides/notesSlide16.xml><?xml version="1.0" encoding="utf-8"?>
-<p:notes xmlns:a="http://schemas.openxmlformats.org/drawingml/2006/main" xmlns:r="http://schemas.openxmlformats.org/officeDocument/2006/relationships" xmlns:p="http://schemas.openxmlformats.org/presentationml/2006/main">
-  <p:cSld>
-    <p:spTree>
-      <p:nvGrpSpPr>
-        <p:cNvPr id="1" name=""/>
-        <p:cNvGrpSpPr/>
-        <p:nvPr/>
-      </p:nvGrpSpPr>
-      <p:grpSpPr>
-        <a:xfrm>
-          <a:off x="0" y="0"/>
-          <a:ext cx="0" cy="0"/>
-          <a:chOff x="0" y="0"/>
-          <a:chExt cx="0" cy="0"/>
-        </a:xfrm>
-      </p:grpSpPr>
-      <p:sp>
-        <p:nvSpPr>
-          <p:cNvPr id="2" name="Folienbildplatzhalter 1"/>
-          <p:cNvSpPr>
-            <a:spLocks noGrp="1" noRot="1" noChangeAspect="1"/>
-          </p:cNvSpPr>
-          <p:nvPr>
-            <p:ph type="sldImg"/>
-          </p:nvPr>
-        </p:nvSpPr>
-        <p:spPr/>
-      </p:sp>
-      <p:sp>
-        <p:nvSpPr>
-          <p:cNvPr id="3" name="Notizenplatzhalter 2"/>
-          <p:cNvSpPr>
-            <a:spLocks noGrp="1"/>
-          </p:cNvSpPr>
-          <p:nvPr>
-            <p:ph type="body" idx="1"/>
-          </p:nvPr>
-        </p:nvSpPr>
-        <p:spPr/>
-        <p:txBody>
-          <a:bodyPr/>
-          <a:lstStyle/>
-          <a:p>
-            <a:r>
-              <a:rPr lang="de-DE" dirty="0" smtClean="0"/>
-              <a:t>Durch verbesserte Datenlage Anpassung von Planung, Durchführung, Ausführung und Bewertung von Studien möglich</a:t>
-            </a:r>
-            <a:endParaRPr lang="de-DE" dirty="0"/>
-          </a:p>
-        </p:txBody>
-      </p:sp>
-      <p:sp>
-        <p:nvSpPr>
-          <p:cNvPr id="4" name="Foliennummernplatzhalter 3"/>
-          <p:cNvSpPr>
-            <a:spLocks noGrp="1"/>
-          </p:cNvSpPr>
-          <p:nvPr>
-            <p:ph type="sldNum" sz="quarter" idx="10"/>
-          </p:nvPr>
-        </p:nvSpPr>
-        <p:spPr/>
-        <p:txBody>
-          <a:bodyPr/>
-          <a:lstStyle/>
-          <a:p>
-            <a:fld id="{291A2AE1-9A89-46FB-B262-609F9F6D1590}" type="slidenum">
-              <a:rPr lang="de-DE" smtClean="0"/>
-              <a:t>18</a:t>
-            </a:fld>
-            <a:endParaRPr lang="de-DE"/>
-          </a:p>
-        </p:txBody>
-      </p:sp>
-    </p:spTree>
-    <p:extLst>
-      <p:ext uri="{BB962C8B-B14F-4D97-AF65-F5344CB8AC3E}">
-        <p14:creationId xmlns:p14="http://schemas.microsoft.com/office/powerpoint/2010/main" val="1784060733"/>
-      </p:ext>
-    </p:extLst>
-  </p:cSld>
-  <p:clrMapOvr>
-    <a:masterClrMapping/>
-  </p:clrMapOvr>
-</p:notes>
-</file>
-
-<file path=ppt/notesSlides/notesSlide17.xml><?xml version="1.0" encoding="utf-8"?>
-<p:notes xmlns:a="http://schemas.openxmlformats.org/drawingml/2006/main" xmlns:r="http://schemas.openxmlformats.org/officeDocument/2006/relationships" xmlns:p="http://schemas.openxmlformats.org/presentationml/2006/main">
-  <p:cSld>
-    <p:spTree>
-      <p:nvGrpSpPr>
-        <p:cNvPr id="1" name=""/>
-        <p:cNvGrpSpPr/>
-        <p:nvPr/>
-      </p:nvGrpSpPr>
-      <p:grpSpPr>
-        <a:xfrm>
-          <a:off x="0" y="0"/>
-          <a:ext cx="0" cy="0"/>
-          <a:chOff x="0" y="0"/>
-          <a:chExt cx="0" cy="0"/>
-        </a:xfrm>
-      </p:grpSpPr>
-      <p:sp>
-        <p:nvSpPr>
-          <p:cNvPr id="2" name="Folienbildplatzhalter 1"/>
-          <p:cNvSpPr>
-            <a:spLocks noGrp="1" noRot="1" noChangeAspect="1"/>
-          </p:cNvSpPr>
-          <p:nvPr>
-            <p:ph type="sldImg"/>
-          </p:nvPr>
-        </p:nvSpPr>
-        <p:spPr/>
-      </p:sp>
-      <p:sp>
-        <p:nvSpPr>
-          <p:cNvPr id="3" name="Notizenplatzhalter 2"/>
-          <p:cNvSpPr>
-            <a:spLocks noGrp="1"/>
-          </p:cNvSpPr>
-          <p:nvPr>
-            <p:ph type="body" idx="1"/>
-          </p:nvPr>
-        </p:nvSpPr>
-        <p:spPr/>
-        <p:txBody>
-          <a:bodyPr/>
-          <a:lstStyle/>
-          <a:p>
-            <a:endParaRPr lang="de-DE"/>
-          </a:p>
-        </p:txBody>
-      </p:sp>
-      <p:sp>
-        <p:nvSpPr>
-          <p:cNvPr id="4" name="Foliennummernplatzhalter 3"/>
-          <p:cNvSpPr>
-            <a:spLocks noGrp="1"/>
-          </p:cNvSpPr>
-          <p:nvPr>
-            <p:ph type="sldNum" sz="quarter" idx="10"/>
-          </p:nvPr>
-        </p:nvSpPr>
-        <p:spPr/>
-        <p:txBody>
-          <a:bodyPr/>
-          <a:lstStyle/>
-          <a:p>
-            <a:fld id="{291A2AE1-9A89-46FB-B262-609F9F6D1590}" type="slidenum">
-              <a:rPr lang="de-DE" smtClean="0"/>
-              <a:t>19</a:t>
-            </a:fld>
-            <a:endParaRPr lang="de-DE"/>
-          </a:p>
-        </p:txBody>
-      </p:sp>
-    </p:spTree>
-    <p:extLst>
-      <p:ext uri="{BB962C8B-B14F-4D97-AF65-F5344CB8AC3E}">
-        <p14:creationId xmlns:p14="http://schemas.microsoft.com/office/powerpoint/2010/main" val="658311365"/>
-      </p:ext>
-    </p:extLst>
-  </p:cSld>
-  <p:clrMapOvr>
-    <a:masterClrMapping/>
-  </p:clrMapOvr>
-</p:notes>
-</file>
-
-<file path=ppt/notesSlides/notesSlide18.xml><?xml version="1.0" encoding="utf-8"?>
-<p:notes xmlns:a="http://schemas.openxmlformats.org/drawingml/2006/main" xmlns:r="http://schemas.openxmlformats.org/officeDocument/2006/relationships" xmlns:p="http://schemas.openxmlformats.org/presentationml/2006/main">
-  <p:cSld>
-    <p:spTree>
-      <p:nvGrpSpPr>
-        <p:cNvPr id="1" name=""/>
-        <p:cNvGrpSpPr/>
-        <p:nvPr/>
-      </p:nvGrpSpPr>
-      <p:grpSpPr>
-        <a:xfrm>
-          <a:off x="0" y="0"/>
-          <a:ext cx="0" cy="0"/>
-          <a:chOff x="0" y="0"/>
-          <a:chExt cx="0" cy="0"/>
-        </a:xfrm>
-      </p:grpSpPr>
-      <p:sp>
-        <p:nvSpPr>
-          <p:cNvPr id="2" name="Folienbildplatzhalter 1"/>
-          <p:cNvSpPr>
-            <a:spLocks noGrp="1" noRot="1" noChangeAspect="1"/>
-          </p:cNvSpPr>
-          <p:nvPr>
-            <p:ph type="sldImg"/>
-          </p:nvPr>
-        </p:nvSpPr>
-        <p:spPr/>
-      </p:sp>
-      <p:sp>
-        <p:nvSpPr>
-          <p:cNvPr id="3" name="Notizenplatzhalter 2"/>
-          <p:cNvSpPr>
-            <a:spLocks noGrp="1"/>
-          </p:cNvSpPr>
-          <p:nvPr>
-            <p:ph type="body" idx="1"/>
-          </p:nvPr>
-        </p:nvSpPr>
-        <p:spPr/>
-        <p:txBody>
-          <a:bodyPr/>
-          <a:lstStyle/>
-          <a:p>
-            <a:r>
-              <a:rPr lang="de-DE" dirty="0" smtClean="0"/>
-              <a:t>Statistiken für Koordinierung von Infektionsschutzmaßnahmen?</a:t>
-            </a:r>
-          </a:p>
-          <a:p>
-            <a:endParaRPr lang="de-DE" dirty="0"/>
-          </a:p>
-          <a:p>
-            <a:r>
-              <a:rPr lang="de-DE" dirty="0" smtClean="0"/>
-              <a:t>Impfungen zur Verhütung übertragbarer Krankheiten, ebenso Hygienemaßnahmen im KH</a:t>
-            </a:r>
-          </a:p>
-          <a:p>
-            <a:endParaRPr lang="de-DE" dirty="0"/>
-          </a:p>
-          <a:p>
-            <a:r>
-              <a:rPr lang="de-DE" dirty="0" smtClean="0"/>
-              <a:t>Quarantänemaßnahmen zur Bekämpfung übertragbarer Krankheiten</a:t>
-            </a:r>
-            <a:endParaRPr lang="de-DE" dirty="0"/>
-          </a:p>
-        </p:txBody>
-      </p:sp>
-      <p:sp>
-        <p:nvSpPr>
-          <p:cNvPr id="4" name="Foliennummernplatzhalter 3"/>
-          <p:cNvSpPr>
-            <a:spLocks noGrp="1"/>
-          </p:cNvSpPr>
-          <p:nvPr>
-            <p:ph type="sldNum" sz="quarter" idx="10"/>
-          </p:nvPr>
-        </p:nvSpPr>
-        <p:spPr/>
-        <p:txBody>
-          <a:bodyPr/>
-          <a:lstStyle/>
-          <a:p>
-            <a:fld id="{291A2AE1-9A89-46FB-B262-609F9F6D1590}" type="slidenum">
-              <a:rPr lang="de-DE" smtClean="0"/>
-              <a:t>20</a:t>
-            </a:fld>
-            <a:endParaRPr lang="de-DE"/>
-          </a:p>
-        </p:txBody>
-      </p:sp>
-    </p:spTree>
-    <p:extLst>
-      <p:ext uri="{BB962C8B-B14F-4D97-AF65-F5344CB8AC3E}">
-        <p14:creationId xmlns:p14="http://schemas.microsoft.com/office/powerpoint/2010/main" val="113259106"/>
-      </p:ext>
-    </p:extLst>
-  </p:cSld>
-  <p:clrMapOvr>
-    <a:masterClrMapping/>
-  </p:clrMapOvr>
-</p:notes>
-</file>
-
-<file path=ppt/notesSlides/notesSlide19.xml><?xml version="1.0" encoding="utf-8"?>
-<p:notes xmlns:a="http://schemas.openxmlformats.org/drawingml/2006/main" xmlns:r="http://schemas.openxmlformats.org/officeDocument/2006/relationships" xmlns:p="http://schemas.openxmlformats.org/presentationml/2006/main">
-  <p:cSld>
-    <p:spTree>
-      <p:nvGrpSpPr>
-        <p:cNvPr id="1" name=""/>
-        <p:cNvGrpSpPr/>
-        <p:nvPr/>
-      </p:nvGrpSpPr>
-      <p:grpSpPr>
-        <a:xfrm>
-          <a:off x="0" y="0"/>
-          <a:ext cx="0" cy="0"/>
-          <a:chOff x="0" y="0"/>
-          <a:chExt cx="0" cy="0"/>
-        </a:xfrm>
-      </p:grpSpPr>
-      <p:sp>
-        <p:nvSpPr>
-          <p:cNvPr id="2" name="Folienbildplatzhalter 1"/>
-          <p:cNvSpPr>
-            <a:spLocks noGrp="1" noRot="1" noChangeAspect="1"/>
-          </p:cNvSpPr>
-          <p:nvPr>
-            <p:ph type="sldImg"/>
-          </p:nvPr>
-        </p:nvSpPr>
-        <p:spPr/>
-      </p:sp>
-      <p:sp>
-        <p:nvSpPr>
-          <p:cNvPr id="3" name="Notizenplatzhalter 2"/>
-          <p:cNvSpPr>
-            <a:spLocks noGrp="1"/>
-          </p:cNvSpPr>
-          <p:nvPr>
-            <p:ph type="body" idx="1"/>
-          </p:nvPr>
-        </p:nvSpPr>
-        <p:spPr/>
-        <p:txBody>
-          <a:bodyPr/>
-          <a:lstStyle/>
-          <a:p>
-            <a:r>
-              <a:rPr lang="de-DE" dirty="0" err="1" smtClean="0"/>
-              <a:t>Bsp</a:t>
-            </a:r>
-            <a:r>
-              <a:rPr lang="de-DE" dirty="0" smtClean="0"/>
-              <a:t> Gemeinschaftseinrichtungen: Schulen, Pflegeheime, HS</a:t>
-            </a:r>
-          </a:p>
-          <a:p>
-            <a:endParaRPr lang="de-DE" dirty="0"/>
-          </a:p>
-          <a:p>
-            <a:r>
-              <a:rPr lang="de-DE" dirty="0" smtClean="0"/>
-              <a:t>Wasser für menschlichen Gebrauch: zum kochen und trinken, aber auch Schwimm- und Badebeckenwasser</a:t>
-            </a:r>
-          </a:p>
-          <a:p>
-            <a:endParaRPr lang="de-DE" dirty="0"/>
-          </a:p>
-          <a:p>
-            <a:r>
-              <a:rPr lang="de-DE" dirty="0" smtClean="0"/>
-              <a:t>Gesundheitliche Anforderungen an Personal beim Umgang mit Lebensmitteln</a:t>
-            </a:r>
-            <a:endParaRPr lang="de-DE" dirty="0"/>
-          </a:p>
-        </p:txBody>
-      </p:sp>
-      <p:sp>
-        <p:nvSpPr>
-          <p:cNvPr id="4" name="Foliennummernplatzhalter 3"/>
-          <p:cNvSpPr>
-            <a:spLocks noGrp="1"/>
-          </p:cNvSpPr>
-          <p:nvPr>
-            <p:ph type="sldNum" sz="quarter" idx="10"/>
-          </p:nvPr>
-        </p:nvSpPr>
-        <p:spPr/>
-        <p:txBody>
-          <a:bodyPr/>
-          <a:lstStyle/>
-          <a:p>
-            <a:fld id="{291A2AE1-9A89-46FB-B262-609F9F6D1590}" type="slidenum">
-              <a:rPr lang="de-DE" smtClean="0"/>
-              <a:t>21</a:t>
-            </a:fld>
-            <a:endParaRPr lang="de-DE"/>
-          </a:p>
-        </p:txBody>
-      </p:sp>
-    </p:spTree>
-    <p:extLst>
-      <p:ext uri="{BB962C8B-B14F-4D97-AF65-F5344CB8AC3E}">
-        <p14:creationId xmlns:p14="http://schemas.microsoft.com/office/powerpoint/2010/main" val="1597386216"/>
+        <p14:creationId xmlns:p14="http://schemas.microsoft.com/office/powerpoint/2010/main" val="2849412613"/>
       </p:ext>
     </p:extLst>
   </p:cSld>
@@ -1683,7 +633,15 @@
           <a:bodyPr/>
           <a:lstStyle/>
           <a:p>
-            <a:endParaRPr lang="de-DE"/>
+            <a:r>
+              <a:rPr lang="de-DE" dirty="0" smtClean="0"/>
+              <a:t>Nicht beteiligte Bundesländer</a:t>
+            </a:r>
+            <a:r>
+              <a:rPr lang="de-DE" baseline="0" dirty="0" smtClean="0"/>
+              <a:t>: RLP, Thüringen</a:t>
+            </a:r>
+            <a:endParaRPr lang="de-DE" dirty="0"/>
           </a:p>
         </p:txBody>
       </p:sp>
@@ -1704,7 +662,7 @@
           <a:p>
             <a:fld id="{291A2AE1-9A89-46FB-B262-609F9F6D1590}" type="slidenum">
               <a:rPr lang="de-DE" smtClean="0"/>
-              <a:t>4</a:t>
+              <a:t>7</a:t>
             </a:fld>
             <a:endParaRPr lang="de-DE"/>
           </a:p>
@@ -1713,192 +671,7 @@
     </p:spTree>
     <p:extLst>
       <p:ext uri="{BB962C8B-B14F-4D97-AF65-F5344CB8AC3E}">
-        <p14:creationId xmlns:p14="http://schemas.microsoft.com/office/powerpoint/2010/main" val="3548698453"/>
-      </p:ext>
-    </p:extLst>
-  </p:cSld>
-  <p:clrMapOvr>
-    <a:masterClrMapping/>
-  </p:clrMapOvr>
-</p:notes>
-</file>
-
-<file path=ppt/notesSlides/notesSlide20.xml><?xml version="1.0" encoding="utf-8"?>
-<p:notes xmlns:a="http://schemas.openxmlformats.org/drawingml/2006/main" xmlns:r="http://schemas.openxmlformats.org/officeDocument/2006/relationships" xmlns:p="http://schemas.openxmlformats.org/presentationml/2006/main">
-  <p:cSld>
-    <p:spTree>
-      <p:nvGrpSpPr>
-        <p:cNvPr id="1" name=""/>
-        <p:cNvGrpSpPr/>
-        <p:nvPr/>
-      </p:nvGrpSpPr>
-      <p:grpSpPr>
-        <a:xfrm>
-          <a:off x="0" y="0"/>
-          <a:ext cx="0" cy="0"/>
-          <a:chOff x="0" y="0"/>
-          <a:chExt cx="0" cy="0"/>
-        </a:xfrm>
-      </p:grpSpPr>
-      <p:sp>
-        <p:nvSpPr>
-          <p:cNvPr id="2" name="Folienbildplatzhalter 1"/>
-          <p:cNvSpPr>
-            <a:spLocks noGrp="1" noRot="1" noChangeAspect="1"/>
-          </p:cNvSpPr>
-          <p:nvPr>
-            <p:ph type="sldImg"/>
-          </p:nvPr>
-        </p:nvSpPr>
-        <p:spPr/>
-      </p:sp>
-      <p:sp>
-        <p:nvSpPr>
-          <p:cNvPr id="3" name="Notizenplatzhalter 2"/>
-          <p:cNvSpPr>
-            <a:spLocks noGrp="1"/>
-          </p:cNvSpPr>
-          <p:nvPr>
-            <p:ph type="body" idx="1"/>
-          </p:nvPr>
-        </p:nvSpPr>
-        <p:spPr/>
-        <p:txBody>
-          <a:bodyPr/>
-          <a:lstStyle/>
-          <a:p>
-            <a:r>
-              <a:rPr lang="de-DE" dirty="0" smtClean="0"/>
-              <a:t>Analyse von Krankheitsmeldungen zur Früherkennung und Warnung bei bedenklichen Entwicklungen</a:t>
-            </a:r>
-            <a:endParaRPr lang="de-DE" dirty="0"/>
-          </a:p>
-        </p:txBody>
-      </p:sp>
-      <p:sp>
-        <p:nvSpPr>
-          <p:cNvPr id="4" name="Foliennummernplatzhalter 3"/>
-          <p:cNvSpPr>
-            <a:spLocks noGrp="1"/>
-          </p:cNvSpPr>
-          <p:nvPr>
-            <p:ph type="sldNum" sz="quarter" idx="10"/>
-          </p:nvPr>
-        </p:nvSpPr>
-        <p:spPr/>
-        <p:txBody>
-          <a:bodyPr/>
-          <a:lstStyle/>
-          <a:p>
-            <a:fld id="{291A2AE1-9A89-46FB-B262-609F9F6D1590}" type="slidenum">
-              <a:rPr lang="de-DE" smtClean="0"/>
-              <a:t>22</a:t>
-            </a:fld>
-            <a:endParaRPr lang="de-DE"/>
-          </a:p>
-        </p:txBody>
-      </p:sp>
-    </p:spTree>
-    <p:extLst>
-      <p:ext uri="{BB962C8B-B14F-4D97-AF65-F5344CB8AC3E}">
-        <p14:creationId xmlns:p14="http://schemas.microsoft.com/office/powerpoint/2010/main" val="281089704"/>
-      </p:ext>
-    </p:extLst>
-  </p:cSld>
-  <p:clrMapOvr>
-    <a:masterClrMapping/>
-  </p:clrMapOvr>
-</p:notes>
-</file>
-
-<file path=ppt/notesSlides/notesSlide21.xml><?xml version="1.0" encoding="utf-8"?>
-<p:notes xmlns:a="http://schemas.openxmlformats.org/drawingml/2006/main" xmlns:r="http://schemas.openxmlformats.org/officeDocument/2006/relationships" xmlns:p="http://schemas.openxmlformats.org/presentationml/2006/main">
-  <p:cSld>
-    <p:spTree>
-      <p:nvGrpSpPr>
-        <p:cNvPr id="1" name=""/>
-        <p:cNvGrpSpPr/>
-        <p:nvPr/>
-      </p:nvGrpSpPr>
-      <p:grpSpPr>
-        <a:xfrm>
-          <a:off x="0" y="0"/>
-          <a:ext cx="0" cy="0"/>
-          <a:chOff x="0" y="0"/>
-          <a:chExt cx="0" cy="0"/>
-        </a:xfrm>
-      </p:grpSpPr>
-      <p:sp>
-        <p:nvSpPr>
-          <p:cNvPr id="2" name="Folienbildplatzhalter 1"/>
-          <p:cNvSpPr>
-            <a:spLocks noGrp="1" noRot="1" noChangeAspect="1"/>
-          </p:cNvSpPr>
-          <p:nvPr>
-            <p:ph type="sldImg"/>
-          </p:nvPr>
-        </p:nvSpPr>
-        <p:spPr/>
-      </p:sp>
-      <p:sp>
-        <p:nvSpPr>
-          <p:cNvPr id="3" name="Notizenplatzhalter 2"/>
-          <p:cNvSpPr>
-            <a:spLocks noGrp="1"/>
-          </p:cNvSpPr>
-          <p:nvPr>
-            <p:ph type="body" idx="1"/>
-          </p:nvPr>
-        </p:nvSpPr>
-        <p:spPr/>
-        <p:txBody>
-          <a:bodyPr/>
-          <a:lstStyle/>
-          <a:p>
-            <a:r>
-              <a:rPr lang="de-DE" dirty="0" smtClean="0"/>
-              <a:t>Epidemiologische Studienergebnisse genutzt für Erfassung von Risikofaktoren und –gruppen</a:t>
-            </a:r>
-          </a:p>
-          <a:p>
-            <a:endParaRPr lang="de-DE" dirty="0"/>
-          </a:p>
-          <a:p>
-            <a:r>
-              <a:rPr lang="de-DE" dirty="0" smtClean="0"/>
-              <a:t>Bevölkerungsbezogenen Daten von Öffentlichen Gesundheitsdienst genutzt für z.B. Beschreibung zeitlicher Trends</a:t>
-            </a:r>
-            <a:endParaRPr lang="de-DE" dirty="0"/>
-          </a:p>
-        </p:txBody>
-      </p:sp>
-      <p:sp>
-        <p:nvSpPr>
-          <p:cNvPr id="4" name="Foliennummernplatzhalter 3"/>
-          <p:cNvSpPr>
-            <a:spLocks noGrp="1"/>
-          </p:cNvSpPr>
-          <p:nvPr>
-            <p:ph type="sldNum" sz="quarter" idx="10"/>
-          </p:nvPr>
-        </p:nvSpPr>
-        <p:spPr/>
-        <p:txBody>
-          <a:bodyPr/>
-          <a:lstStyle/>
-          <a:p>
-            <a:fld id="{291A2AE1-9A89-46FB-B262-609F9F6D1590}" type="slidenum">
-              <a:rPr lang="de-DE" smtClean="0"/>
-              <a:t>23</a:t>
-            </a:fld>
-            <a:endParaRPr lang="de-DE"/>
-          </a:p>
-        </p:txBody>
-      </p:sp>
-    </p:spTree>
-    <p:extLst>
-      <p:ext uri="{BB962C8B-B14F-4D97-AF65-F5344CB8AC3E}">
-        <p14:creationId xmlns:p14="http://schemas.microsoft.com/office/powerpoint/2010/main" val="2717384575"/>
+        <p14:creationId xmlns:p14="http://schemas.microsoft.com/office/powerpoint/2010/main" val="3444590127"/>
       </p:ext>
     </p:extLst>
   </p:cSld>
@@ -1952,342 +725,176 @@
           <a:bodyPr/>
           <a:lstStyle/>
           <a:p>
-            <a:pPr lvl="2"/>
             <a:r>
               <a:rPr lang="de-DE" dirty="0" smtClean="0"/>
-              <a:t>Beispiele Kompetenzzentren:</a:t>
-            </a:r>
-          </a:p>
-          <a:p>
-            <a:pPr lvl="2"/>
-            <a:r>
-              <a:rPr lang="de-DE" dirty="0"/>
+              <a:t>Bio-Rep:</a:t>
+            </a:r>
+            <a:r>
+              <a:rPr lang="de-DE" baseline="0" dirty="0" smtClean="0"/>
+              <a:t> Probenaufbewahrung</a:t>
+            </a:r>
+          </a:p>
+          <a:p>
+            <a:r>
+              <a:rPr lang="de-DE" baseline="0" dirty="0" err="1" smtClean="0"/>
+              <a:t>Integzentrum</a:t>
+            </a:r>
+            <a:r>
+              <a:rPr lang="de-DE" baseline="0" dirty="0" smtClean="0"/>
+              <a:t>: </a:t>
+            </a:r>
+            <a:r>
+              <a:rPr lang="de-DE" sz="1200" kern="1200" dirty="0" smtClean="0">
+                <a:solidFill>
+                  <a:schemeClr val="tx1"/>
+                </a:solidFill>
+                <a:effectLst/>
+                <a:latin typeface="+mn-lt"/>
+                <a:ea typeface="+mn-ea"/>
+                <a:cs typeface="+mn-cs"/>
+              </a:rPr>
+              <a:t>synchronisierte, standardisierte und redundante Integration der Daten aller Studienzentren</a:t>
+            </a:r>
+          </a:p>
+          <a:p>
+            <a:r>
+              <a:rPr lang="de-DE" sz="1200" kern="1200" dirty="0" err="1" smtClean="0">
+                <a:solidFill>
+                  <a:schemeClr val="tx1"/>
+                </a:solidFill>
+                <a:effectLst/>
+                <a:latin typeface="+mn-lt"/>
+                <a:ea typeface="+mn-ea"/>
+                <a:cs typeface="+mn-cs"/>
+              </a:rPr>
+              <a:t>Transfzentrum</a:t>
+            </a:r>
+            <a:r>
+              <a:rPr lang="de-DE" sz="1200" kern="1200" dirty="0" smtClean="0">
+                <a:solidFill>
+                  <a:schemeClr val="tx1"/>
+                </a:solidFill>
+                <a:effectLst/>
+                <a:latin typeface="+mn-lt"/>
+                <a:ea typeface="+mn-ea"/>
+                <a:cs typeface="+mn-cs"/>
+              </a:rPr>
+              <a:t>: übergreifende Rechteverwaltung </a:t>
+            </a:r>
+          </a:p>
+          <a:p>
+            <a:r>
+              <a:rPr lang="de-DE" sz="1200" kern="1200" dirty="0" smtClean="0">
+                <a:solidFill>
+                  <a:schemeClr val="tx1"/>
+                </a:solidFill>
+                <a:effectLst/>
+                <a:latin typeface="+mn-lt"/>
+                <a:ea typeface="+mn-ea"/>
+                <a:cs typeface="+mn-cs"/>
+              </a:rPr>
               <a:t>	</a:t>
             </a:r>
             <a:r>
-              <a:rPr lang="de-DE" dirty="0" smtClean="0"/>
-              <a:t>Arbeitspsychologie</a:t>
-            </a:r>
-          </a:p>
-          <a:p>
-            <a:pPr lvl="2"/>
-            <a:r>
-              <a:rPr lang="de-DE" dirty="0"/>
-              <a:t>	</a:t>
-            </a:r>
-            <a:r>
-              <a:rPr lang="de-DE" dirty="0" smtClean="0"/>
-              <a:t>Gesundheitsschutz</a:t>
-            </a:r>
-          </a:p>
-          <a:p>
-            <a:pPr lvl="2"/>
-            <a:endParaRPr lang="de-DE" dirty="0"/>
-          </a:p>
-          <a:p>
-            <a:pPr lvl="2"/>
-            <a:r>
-              <a:rPr lang="de-DE" dirty="0" smtClean="0"/>
-              <a:t>Beispiele Netzwerke</a:t>
-            </a:r>
-          </a:p>
-          <a:p>
-            <a:pPr lvl="2"/>
-            <a:r>
-              <a:rPr lang="de-DE" dirty="0"/>
-              <a:t>	</a:t>
-            </a:r>
-            <a:r>
-              <a:rPr lang="de-DE" dirty="0" smtClean="0"/>
-              <a:t>Gesund aufwachsen und leben in </a:t>
-            </a:r>
-            <a:r>
-              <a:rPr lang="de-DE" dirty="0" err="1" smtClean="0"/>
-              <a:t>BaWü</a:t>
-            </a:r>
-            <a:endParaRPr lang="de-DE" dirty="0" smtClean="0"/>
-          </a:p>
-          <a:p>
-            <a:pPr lvl="2"/>
-            <a:r>
-              <a:rPr lang="de-DE" dirty="0"/>
-              <a:t>	</a:t>
-            </a:r>
-            <a:r>
-              <a:rPr lang="de-DE" dirty="0" smtClean="0"/>
-              <a:t>Koordinierungsstelle für gesundheitliche Chancengleichheit in </a:t>
-            </a:r>
-            <a:r>
-              <a:rPr lang="de-DE" dirty="0" err="1" smtClean="0"/>
-              <a:t>BaWü</a:t>
-            </a:r>
-            <a:endParaRPr lang="de-DE" dirty="0" smtClean="0"/>
-          </a:p>
-        </p:txBody>
-      </p:sp>
-      <p:sp>
-        <p:nvSpPr>
-          <p:cNvPr id="4" name="Foliennummernplatzhalter 3"/>
-          <p:cNvSpPr>
-            <a:spLocks noGrp="1"/>
-          </p:cNvSpPr>
-          <p:nvPr>
-            <p:ph type="sldNum" sz="quarter" idx="10"/>
-          </p:nvPr>
-        </p:nvSpPr>
-        <p:spPr/>
-        <p:txBody>
-          <a:bodyPr/>
-          <a:lstStyle/>
-          <a:p>
-            <a:fld id="{291A2AE1-9A89-46FB-B262-609F9F6D1590}" type="slidenum">
-              <a:rPr lang="de-DE" smtClean="0"/>
-              <a:t>5</a:t>
-            </a:fld>
-            <a:endParaRPr lang="de-DE"/>
-          </a:p>
-        </p:txBody>
-      </p:sp>
-    </p:spTree>
-    <p:extLst>
-      <p:ext uri="{BB962C8B-B14F-4D97-AF65-F5344CB8AC3E}">
-        <p14:creationId xmlns:p14="http://schemas.microsoft.com/office/powerpoint/2010/main" val="4060236305"/>
-      </p:ext>
-    </p:extLst>
-  </p:cSld>
-  <p:clrMapOvr>
-    <a:masterClrMapping/>
-  </p:clrMapOvr>
-</p:notes>
-</file>
-
-<file path=ppt/notesSlides/notesSlide4.xml><?xml version="1.0" encoding="utf-8"?>
-<p:notes xmlns:a="http://schemas.openxmlformats.org/drawingml/2006/main" xmlns:r="http://schemas.openxmlformats.org/officeDocument/2006/relationships" xmlns:p="http://schemas.openxmlformats.org/presentationml/2006/main">
-  <p:cSld>
-    <p:spTree>
-      <p:nvGrpSpPr>
-        <p:cNvPr id="1" name=""/>
-        <p:cNvGrpSpPr/>
-        <p:nvPr/>
-      </p:nvGrpSpPr>
-      <p:grpSpPr>
-        <a:xfrm>
-          <a:off x="0" y="0"/>
-          <a:ext cx="0" cy="0"/>
-          <a:chOff x="0" y="0"/>
-          <a:chExt cx="0" cy="0"/>
-        </a:xfrm>
-      </p:grpSpPr>
-      <p:sp>
-        <p:nvSpPr>
-          <p:cNvPr id="2" name="Folienbildplatzhalter 1"/>
-          <p:cNvSpPr>
-            <a:spLocks noGrp="1" noRot="1" noChangeAspect="1"/>
-          </p:cNvSpPr>
-          <p:nvPr>
-            <p:ph type="sldImg"/>
-          </p:nvPr>
-        </p:nvSpPr>
-        <p:spPr/>
-      </p:sp>
-      <p:sp>
-        <p:nvSpPr>
-          <p:cNvPr id="3" name="Notizenplatzhalter 2"/>
-          <p:cNvSpPr>
-            <a:spLocks noGrp="1"/>
-          </p:cNvSpPr>
-          <p:nvPr>
-            <p:ph type="body" idx="1"/>
-          </p:nvPr>
-        </p:nvSpPr>
-        <p:spPr/>
-        <p:txBody>
-          <a:bodyPr/>
-          <a:lstStyle/>
-          <a:p>
-            <a:endParaRPr lang="de-DE"/>
-          </a:p>
-        </p:txBody>
-      </p:sp>
-      <p:sp>
-        <p:nvSpPr>
-          <p:cNvPr id="4" name="Foliennummernplatzhalter 3"/>
-          <p:cNvSpPr>
-            <a:spLocks noGrp="1"/>
-          </p:cNvSpPr>
-          <p:nvPr>
-            <p:ph type="sldNum" sz="quarter" idx="10"/>
-          </p:nvPr>
-        </p:nvSpPr>
-        <p:spPr/>
-        <p:txBody>
-          <a:bodyPr/>
-          <a:lstStyle/>
-          <a:p>
-            <a:fld id="{291A2AE1-9A89-46FB-B262-609F9F6D1590}" type="slidenum">
-              <a:rPr lang="de-DE" smtClean="0"/>
-              <a:t>6</a:t>
-            </a:fld>
-            <a:endParaRPr lang="de-DE"/>
-          </a:p>
-        </p:txBody>
-      </p:sp>
-    </p:spTree>
-    <p:extLst>
-      <p:ext uri="{BB962C8B-B14F-4D97-AF65-F5344CB8AC3E}">
-        <p14:creationId xmlns:p14="http://schemas.microsoft.com/office/powerpoint/2010/main" val="776683753"/>
-      </p:ext>
-    </p:extLst>
-  </p:cSld>
-  <p:clrMapOvr>
-    <a:masterClrMapping/>
-  </p:clrMapOvr>
-</p:notes>
-</file>
-
-<file path=ppt/notesSlides/notesSlide5.xml><?xml version="1.0" encoding="utf-8"?>
-<p:notes xmlns:a="http://schemas.openxmlformats.org/drawingml/2006/main" xmlns:r="http://schemas.openxmlformats.org/officeDocument/2006/relationships" xmlns:p="http://schemas.openxmlformats.org/presentationml/2006/main">
-  <p:cSld>
-    <p:spTree>
-      <p:nvGrpSpPr>
-        <p:cNvPr id="1" name=""/>
-        <p:cNvGrpSpPr/>
-        <p:nvPr/>
-      </p:nvGrpSpPr>
-      <p:grpSpPr>
-        <a:xfrm>
-          <a:off x="0" y="0"/>
-          <a:ext cx="0" cy="0"/>
-          <a:chOff x="0" y="0"/>
-          <a:chExt cx="0" cy="0"/>
-        </a:xfrm>
-      </p:grpSpPr>
-      <p:sp>
-        <p:nvSpPr>
-          <p:cNvPr id="2" name="Folienbildplatzhalter 1"/>
-          <p:cNvSpPr>
-            <a:spLocks noGrp="1" noRot="1" noChangeAspect="1"/>
-          </p:cNvSpPr>
-          <p:nvPr>
-            <p:ph type="sldImg"/>
-          </p:nvPr>
-        </p:nvSpPr>
-        <p:spPr/>
-      </p:sp>
-      <p:sp>
-        <p:nvSpPr>
-          <p:cNvPr id="3" name="Notizenplatzhalter 2"/>
-          <p:cNvSpPr>
-            <a:spLocks noGrp="1"/>
-          </p:cNvSpPr>
-          <p:nvPr>
-            <p:ph type="body" idx="1"/>
-          </p:nvPr>
-        </p:nvSpPr>
-        <p:spPr/>
-        <p:txBody>
-          <a:bodyPr/>
-          <a:lstStyle/>
-          <a:p>
-            <a:endParaRPr lang="de-DE"/>
-          </a:p>
-        </p:txBody>
-      </p:sp>
-      <p:sp>
-        <p:nvSpPr>
-          <p:cNvPr id="4" name="Foliennummernplatzhalter 3"/>
-          <p:cNvSpPr>
-            <a:spLocks noGrp="1"/>
-          </p:cNvSpPr>
-          <p:nvPr>
-            <p:ph type="sldNum" sz="quarter" idx="10"/>
-          </p:nvPr>
-        </p:nvSpPr>
-        <p:spPr/>
-        <p:txBody>
-          <a:bodyPr/>
-          <a:lstStyle/>
-          <a:p>
-            <a:fld id="{291A2AE1-9A89-46FB-B262-609F9F6D1590}" type="slidenum">
-              <a:rPr lang="de-DE" smtClean="0"/>
-              <a:t>7</a:t>
-            </a:fld>
-            <a:endParaRPr lang="de-DE"/>
-          </a:p>
-        </p:txBody>
-      </p:sp>
-    </p:spTree>
-    <p:extLst>
-      <p:ext uri="{BB962C8B-B14F-4D97-AF65-F5344CB8AC3E}">
-        <p14:creationId xmlns:p14="http://schemas.microsoft.com/office/powerpoint/2010/main" val="3241504591"/>
-      </p:ext>
-    </p:extLst>
-  </p:cSld>
-  <p:clrMapOvr>
-    <a:masterClrMapping/>
-  </p:clrMapOvr>
-</p:notes>
-</file>
-
-<file path=ppt/notesSlides/notesSlide6.xml><?xml version="1.0" encoding="utf-8"?>
-<p:notes xmlns:a="http://schemas.openxmlformats.org/drawingml/2006/main" xmlns:r="http://schemas.openxmlformats.org/officeDocument/2006/relationships" xmlns:p="http://schemas.openxmlformats.org/presentationml/2006/main">
-  <p:cSld>
-    <p:spTree>
-      <p:nvGrpSpPr>
-        <p:cNvPr id="1" name=""/>
-        <p:cNvGrpSpPr/>
-        <p:nvPr/>
-      </p:nvGrpSpPr>
-      <p:grpSpPr>
-        <a:xfrm>
-          <a:off x="0" y="0"/>
-          <a:ext cx="0" cy="0"/>
-          <a:chOff x="0" y="0"/>
-          <a:chExt cx="0" cy="0"/>
-        </a:xfrm>
-      </p:grpSpPr>
-      <p:sp>
-        <p:nvSpPr>
-          <p:cNvPr id="2" name="Folienbildplatzhalter 1"/>
-          <p:cNvSpPr>
-            <a:spLocks noGrp="1" noRot="1" noChangeAspect="1"/>
-          </p:cNvSpPr>
-          <p:nvPr>
-            <p:ph type="sldImg"/>
-          </p:nvPr>
-        </p:nvSpPr>
-        <p:spPr/>
-      </p:sp>
-      <p:sp>
-        <p:nvSpPr>
-          <p:cNvPr id="3" name="Notizenplatzhalter 2"/>
-          <p:cNvSpPr>
-            <a:spLocks noGrp="1"/>
-          </p:cNvSpPr>
-          <p:nvPr>
-            <p:ph type="body" idx="1"/>
-          </p:nvPr>
-        </p:nvSpPr>
-        <p:spPr/>
-        <p:txBody>
-          <a:bodyPr/>
-          <a:lstStyle/>
-          <a:p>
-            <a:r>
-              <a:rPr lang="de-DE" dirty="0" smtClean="0"/>
-              <a:t>Städtische Gesundheitsämter in Bürgermeisterämter der Stadtkreise eingegliedert</a:t>
-            </a:r>
-          </a:p>
-          <a:p>
-            <a:r>
-              <a:rPr lang="de-DE" dirty="0" smtClean="0"/>
-              <a:t>Stuttgart, Heilbronn, Mannheim</a:t>
-            </a:r>
-          </a:p>
-          <a:p>
-            <a:endParaRPr lang="de-DE" dirty="0"/>
-          </a:p>
-          <a:p>
+              <a:rPr lang="de-DE" sz="1200" kern="1200" baseline="0" dirty="0" smtClean="0">
+                <a:solidFill>
+                  <a:schemeClr val="tx1"/>
+                </a:solidFill>
+                <a:effectLst/>
+                <a:latin typeface="+mn-lt"/>
+                <a:ea typeface="+mn-ea"/>
+                <a:cs typeface="+mn-cs"/>
+              </a:rPr>
+              <a:t>   </a:t>
+            </a:r>
+            <a:r>
+              <a:rPr lang="de-DE" sz="1200" kern="1200" dirty="0" smtClean="0">
+                <a:solidFill>
+                  <a:schemeClr val="tx1"/>
+                </a:solidFill>
+                <a:effectLst/>
+                <a:latin typeface="+mn-lt"/>
+                <a:ea typeface="+mn-ea"/>
+                <a:cs typeface="+mn-cs"/>
+              </a:rPr>
+              <a:t>Durchführung der Datentransfers</a:t>
+            </a:r>
+          </a:p>
+          <a:p>
+            <a:r>
+              <a:rPr lang="de-DE" sz="1200" kern="1200" dirty="0" smtClean="0">
+                <a:solidFill>
+                  <a:schemeClr val="tx1"/>
+                </a:solidFill>
+                <a:effectLst/>
+                <a:latin typeface="+mn-lt"/>
+                <a:ea typeface="+mn-ea"/>
+                <a:cs typeface="+mn-cs"/>
+              </a:rPr>
+              <a:t>Treuhand:</a:t>
+            </a:r>
+            <a:r>
+              <a:rPr lang="de-DE" sz="1200" kern="1200" baseline="0" dirty="0" smtClean="0">
+                <a:solidFill>
+                  <a:schemeClr val="tx1"/>
+                </a:solidFill>
+                <a:effectLst/>
+                <a:latin typeface="+mn-lt"/>
+                <a:ea typeface="+mn-ea"/>
+                <a:cs typeface="+mn-cs"/>
+              </a:rPr>
+              <a:t> </a:t>
+            </a:r>
+            <a:r>
+              <a:rPr lang="de-DE" sz="1200" kern="1200" dirty="0" smtClean="0">
+                <a:solidFill>
+                  <a:schemeClr val="tx1"/>
+                </a:solidFill>
+                <a:effectLst/>
+                <a:latin typeface="+mn-lt"/>
+                <a:ea typeface="+mn-ea"/>
+                <a:cs typeface="+mn-cs"/>
+              </a:rPr>
+              <a:t>Verwaltung personenidentifizierender Daten</a:t>
+            </a:r>
+          </a:p>
+          <a:p>
+            <a:r>
+              <a:rPr lang="de-DE" sz="1200" kern="1200" dirty="0" err="1" smtClean="0">
+                <a:solidFill>
+                  <a:schemeClr val="tx1"/>
+                </a:solidFill>
+                <a:effectLst/>
+                <a:latin typeface="+mn-lt"/>
+                <a:ea typeface="+mn-ea"/>
+                <a:cs typeface="+mn-cs"/>
+              </a:rPr>
+              <a:t>Qualimang</a:t>
+            </a:r>
+            <a:r>
+              <a:rPr lang="de-DE" sz="1200" kern="1200" dirty="0" smtClean="0">
+                <a:solidFill>
+                  <a:schemeClr val="tx1"/>
+                </a:solidFill>
+                <a:effectLst/>
+                <a:latin typeface="+mn-lt"/>
+                <a:ea typeface="+mn-ea"/>
+                <a:cs typeface="+mn-cs"/>
+              </a:rPr>
+              <a:t>: interne und </a:t>
+            </a:r>
+            <a:r>
+              <a:rPr lang="de-DE" sz="1200" kern="1200" smtClean="0">
+                <a:solidFill>
+                  <a:schemeClr val="tx1"/>
+                </a:solidFill>
+                <a:effectLst/>
+                <a:latin typeface="+mn-lt"/>
+                <a:ea typeface="+mn-ea"/>
+                <a:cs typeface="+mn-cs"/>
+              </a:rPr>
+              <a:t>externe Qualitätssicherung</a:t>
+            </a:r>
             <a:endParaRPr lang="de-DE" dirty="0"/>
           </a:p>
         </p:txBody>
@@ -2318,457 +925,7 @@
     </p:spTree>
     <p:extLst>
       <p:ext uri="{BB962C8B-B14F-4D97-AF65-F5344CB8AC3E}">
-        <p14:creationId xmlns:p14="http://schemas.microsoft.com/office/powerpoint/2010/main" val="4232975879"/>
-      </p:ext>
-    </p:extLst>
-  </p:cSld>
-  <p:clrMapOvr>
-    <a:masterClrMapping/>
-  </p:clrMapOvr>
-</p:notes>
-</file>
-
-<file path=ppt/notesSlides/notesSlide7.xml><?xml version="1.0" encoding="utf-8"?>
-<p:notes xmlns:a="http://schemas.openxmlformats.org/drawingml/2006/main" xmlns:r="http://schemas.openxmlformats.org/officeDocument/2006/relationships" xmlns:p="http://schemas.openxmlformats.org/presentationml/2006/main">
-  <p:cSld>
-    <p:spTree>
-      <p:nvGrpSpPr>
-        <p:cNvPr id="1" name=""/>
-        <p:cNvGrpSpPr/>
-        <p:nvPr/>
-      </p:nvGrpSpPr>
-      <p:grpSpPr>
-        <a:xfrm>
-          <a:off x="0" y="0"/>
-          <a:ext cx="0" cy="0"/>
-          <a:chOff x="0" y="0"/>
-          <a:chExt cx="0" cy="0"/>
-        </a:xfrm>
-      </p:grpSpPr>
-      <p:sp>
-        <p:nvSpPr>
-          <p:cNvPr id="2" name="Folienbildplatzhalter 1"/>
-          <p:cNvSpPr>
-            <a:spLocks noGrp="1" noRot="1" noChangeAspect="1"/>
-          </p:cNvSpPr>
-          <p:nvPr>
-            <p:ph type="sldImg"/>
-          </p:nvPr>
-        </p:nvSpPr>
-        <p:spPr/>
-      </p:sp>
-      <p:sp>
-        <p:nvSpPr>
-          <p:cNvPr id="3" name="Notizenplatzhalter 2"/>
-          <p:cNvSpPr>
-            <a:spLocks noGrp="1"/>
-          </p:cNvSpPr>
-          <p:nvPr>
-            <p:ph type="body" idx="1"/>
-          </p:nvPr>
-        </p:nvSpPr>
-        <p:spPr/>
-        <p:txBody>
-          <a:bodyPr/>
-          <a:lstStyle/>
-          <a:p>
-            <a:r>
-              <a:rPr lang="de-DE" dirty="0" smtClean="0"/>
-              <a:t>Ministerium für Arbeit und Sozialordnung</a:t>
-            </a:r>
-            <a:r>
-              <a:rPr lang="de-DE" dirty="0"/>
-              <a:t>, Familie, Frauen und Senioren</a:t>
-            </a:r>
-            <a:endParaRPr lang="de-DE" dirty="0" smtClean="0"/>
-          </a:p>
-          <a:p>
-            <a:endParaRPr lang="de-DE" dirty="0"/>
-          </a:p>
-        </p:txBody>
-      </p:sp>
-      <p:sp>
-        <p:nvSpPr>
-          <p:cNvPr id="4" name="Foliennummernplatzhalter 3"/>
-          <p:cNvSpPr>
-            <a:spLocks noGrp="1"/>
-          </p:cNvSpPr>
-          <p:nvPr>
-            <p:ph type="sldNum" sz="quarter" idx="10"/>
-          </p:nvPr>
-        </p:nvSpPr>
-        <p:spPr/>
-        <p:txBody>
-          <a:bodyPr/>
-          <a:lstStyle/>
-          <a:p>
-            <a:fld id="{291A2AE1-9A89-46FB-B262-609F9F6D1590}" type="slidenum">
-              <a:rPr lang="de-DE" smtClean="0"/>
-              <a:t>9</a:t>
-            </a:fld>
-            <a:endParaRPr lang="de-DE"/>
-          </a:p>
-        </p:txBody>
-      </p:sp>
-    </p:spTree>
-    <p:extLst>
-      <p:ext uri="{BB962C8B-B14F-4D97-AF65-F5344CB8AC3E}">
-        <p14:creationId xmlns:p14="http://schemas.microsoft.com/office/powerpoint/2010/main" val="3531233082"/>
-      </p:ext>
-    </p:extLst>
-  </p:cSld>
-  <p:clrMapOvr>
-    <a:masterClrMapping/>
-  </p:clrMapOvr>
-</p:notes>
-</file>
-
-<file path=ppt/notesSlides/notesSlide8.xml><?xml version="1.0" encoding="utf-8"?>
-<p:notes xmlns:a="http://schemas.openxmlformats.org/drawingml/2006/main" xmlns:r="http://schemas.openxmlformats.org/officeDocument/2006/relationships" xmlns:p="http://schemas.openxmlformats.org/presentationml/2006/main">
-  <p:cSld>
-    <p:spTree>
-      <p:nvGrpSpPr>
-        <p:cNvPr id="1" name=""/>
-        <p:cNvGrpSpPr/>
-        <p:nvPr/>
-      </p:nvGrpSpPr>
-      <p:grpSpPr>
-        <a:xfrm>
-          <a:off x="0" y="0"/>
-          <a:ext cx="0" cy="0"/>
-          <a:chOff x="0" y="0"/>
-          <a:chExt cx="0" cy="0"/>
-        </a:xfrm>
-      </p:grpSpPr>
-      <p:sp>
-        <p:nvSpPr>
-          <p:cNvPr id="2" name="Folienbildplatzhalter 1"/>
-          <p:cNvSpPr>
-            <a:spLocks noGrp="1" noRot="1" noChangeAspect="1"/>
-          </p:cNvSpPr>
-          <p:nvPr>
-            <p:ph type="sldImg"/>
-          </p:nvPr>
-        </p:nvSpPr>
-        <p:spPr/>
-      </p:sp>
-      <p:sp>
-        <p:nvSpPr>
-          <p:cNvPr id="3" name="Notizenplatzhalter 2"/>
-          <p:cNvSpPr>
-            <a:spLocks noGrp="1"/>
-          </p:cNvSpPr>
-          <p:nvPr>
-            <p:ph type="body" idx="1"/>
-          </p:nvPr>
-        </p:nvSpPr>
-        <p:spPr/>
-        <p:txBody>
-          <a:bodyPr/>
-          <a:lstStyle/>
-          <a:p>
-            <a:pPr lvl="1"/>
-            <a:r>
-              <a:rPr lang="de-DE" dirty="0"/>
-              <a:t>Zur Erfüllung seiner Aufgaben</a:t>
-            </a:r>
-          </a:p>
-          <a:p>
-            <a:pPr lvl="2"/>
-            <a:r>
-              <a:rPr lang="de-DE" dirty="0" smtClean="0"/>
-              <a:t>- sammelt </a:t>
-            </a:r>
-            <a:r>
-              <a:rPr lang="de-DE" dirty="0"/>
-              <a:t>es wissenschaftliche Erkenntnisse und praktische </a:t>
-            </a:r>
-            <a:r>
-              <a:rPr lang="de-DE" dirty="0" smtClean="0"/>
-              <a:t>	Erfahrungen</a:t>
-            </a:r>
-            <a:endParaRPr lang="de-DE" dirty="0"/>
-          </a:p>
-          <a:p>
-            <a:pPr lvl="2"/>
-            <a:r>
-              <a:rPr lang="de-DE" dirty="0" smtClean="0"/>
-              <a:t>- wertet </a:t>
-            </a:r>
-            <a:r>
-              <a:rPr lang="de-DE" dirty="0"/>
-              <a:t>Modell- und Forschungsprogramme aus</a:t>
-            </a:r>
-          </a:p>
-          <a:p>
-            <a:pPr lvl="2"/>
-            <a:r>
-              <a:rPr lang="de-DE" dirty="0" smtClean="0"/>
-              <a:t>- führt </a:t>
-            </a:r>
-            <a:r>
-              <a:rPr lang="de-DE" dirty="0"/>
-              <a:t>eigene Untersuchungen und Projekte durch</a:t>
-            </a:r>
-          </a:p>
-          <a:p>
-            <a:pPr lvl="2"/>
-            <a:r>
-              <a:rPr lang="de-DE" dirty="0" smtClean="0"/>
-              <a:t>- erarbeitet </a:t>
-            </a:r>
-            <a:r>
-              <a:rPr lang="de-DE" dirty="0"/>
-              <a:t>Grundlagen und Standards</a:t>
-            </a:r>
-          </a:p>
-          <a:p>
-            <a:pPr lvl="2"/>
-            <a:r>
-              <a:rPr lang="de-DE" dirty="0" smtClean="0"/>
-              <a:t>- unterstützt</a:t>
-            </a:r>
-            <a:r>
-              <a:rPr lang="de-DE" dirty="0"/>
-              <a:t>, koordiniert und begleitet Modellprojekte und </a:t>
-            </a:r>
-            <a:r>
-              <a:rPr lang="de-DE" dirty="0" smtClean="0"/>
-              <a:t>	Maßnahmen </a:t>
-            </a:r>
-            <a:r>
-              <a:rPr lang="de-DE" dirty="0"/>
-              <a:t>der Qualitätssicherung</a:t>
-            </a:r>
-          </a:p>
-          <a:p>
-            <a:endParaRPr lang="de-DE" dirty="0"/>
-          </a:p>
-        </p:txBody>
-      </p:sp>
-      <p:sp>
-        <p:nvSpPr>
-          <p:cNvPr id="4" name="Foliennummernplatzhalter 3"/>
-          <p:cNvSpPr>
-            <a:spLocks noGrp="1"/>
-          </p:cNvSpPr>
-          <p:nvPr>
-            <p:ph type="sldNum" sz="quarter" idx="10"/>
-          </p:nvPr>
-        </p:nvSpPr>
-        <p:spPr/>
-        <p:txBody>
-          <a:bodyPr/>
-          <a:lstStyle/>
-          <a:p>
-            <a:fld id="{291A2AE1-9A89-46FB-B262-609F9F6D1590}" type="slidenum">
-              <a:rPr lang="de-DE" smtClean="0"/>
-              <a:t>10</a:t>
-            </a:fld>
-            <a:endParaRPr lang="de-DE"/>
-          </a:p>
-        </p:txBody>
-      </p:sp>
-    </p:spTree>
-    <p:extLst>
-      <p:ext uri="{BB962C8B-B14F-4D97-AF65-F5344CB8AC3E}">
-        <p14:creationId xmlns:p14="http://schemas.microsoft.com/office/powerpoint/2010/main" val="4034407864"/>
-      </p:ext>
-    </p:extLst>
-  </p:cSld>
-  <p:clrMapOvr>
-    <a:masterClrMapping/>
-  </p:clrMapOvr>
-</p:notes>
-</file>
-
-<file path=ppt/notesSlides/notesSlide9.xml><?xml version="1.0" encoding="utf-8"?>
-<p:notes xmlns:a="http://schemas.openxmlformats.org/drawingml/2006/main" xmlns:r="http://schemas.openxmlformats.org/officeDocument/2006/relationships" xmlns:p="http://schemas.openxmlformats.org/presentationml/2006/main">
-  <p:cSld>
-    <p:spTree>
-      <p:nvGrpSpPr>
-        <p:cNvPr id="1" name=""/>
-        <p:cNvGrpSpPr/>
-        <p:nvPr/>
-      </p:nvGrpSpPr>
-      <p:grpSpPr>
-        <a:xfrm>
-          <a:off x="0" y="0"/>
-          <a:ext cx="0" cy="0"/>
-          <a:chOff x="0" y="0"/>
-          <a:chExt cx="0" cy="0"/>
-        </a:xfrm>
-      </p:grpSpPr>
-      <p:sp>
-        <p:nvSpPr>
-          <p:cNvPr id="2" name="Folienbildplatzhalter 1"/>
-          <p:cNvSpPr>
-            <a:spLocks noGrp="1" noRot="1" noChangeAspect="1"/>
-          </p:cNvSpPr>
-          <p:nvPr>
-            <p:ph type="sldImg"/>
-          </p:nvPr>
-        </p:nvSpPr>
-        <p:spPr/>
-      </p:sp>
-      <p:sp>
-        <p:nvSpPr>
-          <p:cNvPr id="3" name="Notizenplatzhalter 2"/>
-          <p:cNvSpPr>
-            <a:spLocks noGrp="1"/>
-          </p:cNvSpPr>
-          <p:nvPr>
-            <p:ph type="body" idx="1"/>
-          </p:nvPr>
-        </p:nvSpPr>
-        <p:spPr/>
-        <p:txBody>
-          <a:bodyPr/>
-          <a:lstStyle/>
-          <a:p>
-            <a:r>
-              <a:rPr lang="de-DE" dirty="0" smtClean="0"/>
-              <a:t>Infektionsschutz </a:t>
-            </a:r>
-            <a:r>
-              <a:rPr lang="de-DE" dirty="0"/>
-              <a:t>(z. B. Salmonellosen, Tuberkulose, Aids, EHEC, SARS,  </a:t>
-            </a:r>
-            <a:r>
-              <a:rPr lang="de-DE" dirty="0" err="1"/>
-              <a:t>Legionellosen</a:t>
-            </a:r>
-            <a:r>
-              <a:rPr lang="de-DE" dirty="0"/>
-              <a:t>, Reihenimpfungen, Seuchenbekämpfung</a:t>
-            </a:r>
-            <a:r>
-              <a:rPr lang="de-DE" dirty="0" smtClean="0"/>
-              <a:t>)</a:t>
-            </a:r>
-          </a:p>
-          <a:p>
-            <a:endParaRPr lang="de-DE" dirty="0"/>
-          </a:p>
-          <a:p>
-            <a:pPr marL="0" lvl="1"/>
-            <a:r>
-              <a:rPr lang="de-DE" dirty="0" smtClean="0"/>
-              <a:t>umweltbezogener  Gesundheitsschutz </a:t>
-            </a:r>
-            <a:r>
-              <a:rPr lang="de-DE" dirty="0"/>
-              <a:t>( gesundheitliche Auswirkungen von Umwelteinflüssen</a:t>
-            </a:r>
-            <a:r>
-              <a:rPr lang="de-DE" dirty="0" smtClean="0"/>
-              <a:t>)</a:t>
-            </a:r>
-          </a:p>
-          <a:p>
-            <a:pPr marL="0" lvl="1"/>
-            <a:endParaRPr lang="de-DE" dirty="0"/>
-          </a:p>
-          <a:p>
-            <a:pPr marL="0" lvl="1"/>
-            <a:r>
-              <a:rPr lang="de-DE" dirty="0" smtClean="0"/>
-              <a:t>Information </a:t>
-            </a:r>
-            <a:r>
-              <a:rPr lang="de-DE" dirty="0"/>
-              <a:t>und Beratung der Bevölkerung zu gesundheitsrelevanten Themen </a:t>
-            </a:r>
-            <a:endParaRPr lang="de-DE" dirty="0" smtClean="0"/>
-          </a:p>
-          <a:p>
-            <a:pPr marL="0" lvl="1"/>
-            <a:r>
-              <a:rPr lang="de-DE" dirty="0"/>
-              <a:t>	</a:t>
-            </a:r>
-            <a:r>
-              <a:rPr lang="de-DE" dirty="0" smtClean="0">
-                <a:sym typeface="Wingdings" panose="05000000000000000000" pitchFamily="2" charset="2"/>
-              </a:rPr>
-              <a:t> Öffentlichkeitsarbeit</a:t>
-            </a:r>
-          </a:p>
-          <a:p>
-            <a:pPr marL="0" lvl="1"/>
-            <a:r>
-              <a:rPr lang="de-DE" dirty="0">
-                <a:sym typeface="Wingdings" panose="05000000000000000000" pitchFamily="2" charset="2"/>
-              </a:rPr>
-              <a:t>	</a:t>
-            </a:r>
-            <a:r>
-              <a:rPr lang="de-DE" dirty="0" smtClean="0">
-                <a:sym typeface="Wingdings" panose="05000000000000000000" pitchFamily="2" charset="2"/>
-              </a:rPr>
-              <a:t> Projektarbeit</a:t>
-            </a:r>
-          </a:p>
-          <a:p>
-            <a:pPr marL="0" lvl="1"/>
-            <a:r>
-              <a:rPr lang="de-DE" dirty="0">
-                <a:sym typeface="Wingdings" panose="05000000000000000000" pitchFamily="2" charset="2"/>
-              </a:rPr>
-              <a:t>	</a:t>
-            </a:r>
-            <a:r>
-              <a:rPr lang="de-DE" dirty="0" smtClean="0">
-                <a:sym typeface="Wingdings" panose="05000000000000000000" pitchFamily="2" charset="2"/>
-              </a:rPr>
-              <a:t> Mitarbeit in (überregionalen) Arbeitskreisen</a:t>
-            </a:r>
-          </a:p>
-          <a:p>
-            <a:pPr marL="0" lvl="1"/>
-            <a:endParaRPr lang="de-DE" dirty="0">
-              <a:sym typeface="Wingdings" panose="05000000000000000000" pitchFamily="2" charset="2"/>
-            </a:endParaRPr>
-          </a:p>
-          <a:p>
-            <a:pPr marL="0" lvl="1"/>
-            <a:r>
-              <a:rPr lang="de-DE" dirty="0"/>
-              <a:t>Statistiken Übertragbare Krankheiten, Todesursachenstatistik, Jahresgesundheitsbericht</a:t>
-            </a:r>
-          </a:p>
-          <a:p>
-            <a:endParaRPr lang="de-DE" dirty="0"/>
-          </a:p>
-        </p:txBody>
-      </p:sp>
-      <p:sp>
-        <p:nvSpPr>
-          <p:cNvPr id="4" name="Foliennummernplatzhalter 3"/>
-          <p:cNvSpPr>
-            <a:spLocks noGrp="1"/>
-          </p:cNvSpPr>
-          <p:nvPr>
-            <p:ph type="sldNum" sz="quarter" idx="10"/>
-          </p:nvPr>
-        </p:nvSpPr>
-        <p:spPr/>
-        <p:txBody>
-          <a:bodyPr/>
-          <a:lstStyle/>
-          <a:p>
-            <a:fld id="{291A2AE1-9A89-46FB-B262-609F9F6D1590}" type="slidenum">
-              <a:rPr lang="de-DE" smtClean="0"/>
-              <a:t>11</a:t>
-            </a:fld>
-            <a:endParaRPr lang="de-DE"/>
-          </a:p>
-        </p:txBody>
-      </p:sp>
-    </p:spTree>
-    <p:extLst>
-      <p:ext uri="{BB962C8B-B14F-4D97-AF65-F5344CB8AC3E}">
-        <p14:creationId xmlns:p14="http://schemas.microsoft.com/office/powerpoint/2010/main" val="2917203103"/>
+        <p14:creationId xmlns:p14="http://schemas.microsoft.com/office/powerpoint/2010/main" val="685790575"/>
       </p:ext>
     </p:extLst>
   </p:cSld>
@@ -3356,7 +1513,7 @@
           </a:lstStyle>
           <a:p>
             <a:r>
-              <a:rPr lang="de-DE" smtClean="0"/>
+              <a:rPr lang="de-DE" dirty="0" smtClean="0"/>
               <a:t>Titelmasterformat durch Klicken bearbeiten</a:t>
             </a:r>
             <a:endParaRPr lang="en-US" dirty="0"/>
@@ -3476,7 +1633,7 @@
           </a:lstStyle>
           <a:p>
             <a:r>
-              <a:rPr lang="de-DE" smtClean="0"/>
+              <a:rPr lang="de-DE" dirty="0" smtClean="0"/>
               <a:t>Formatvorlage des Untertitelmasters durch Klicken bearbeiten</a:t>
             </a:r>
             <a:endParaRPr lang="en-US" dirty="0"/>
@@ -3500,7 +1657,7 @@
           <a:p>
             <a:fld id="{430DCDF4-4212-41DE-881A-86CC5F4C4960}" type="datetime1">
               <a:rPr lang="en-US" smtClean="0"/>
-              <a:t>3/16/2015</a:t>
+              <a:t>3/28/2015</a:t>
             </a:fld>
             <a:endParaRPr lang="en-US" dirty="0"/>
           </a:p>
@@ -3779,7 +1936,7 @@
           <a:p>
             <a:fld id="{7D7F22C2-E00C-402C-9237-97B2DDDB1C1E}" type="datetime1">
               <a:rPr lang="en-US" smtClean="0"/>
-              <a:t>3/16/2015</a:t>
+              <a:t>3/28/2015</a:t>
             </a:fld>
             <a:endParaRPr lang="en-US" dirty="0"/>
           </a:p>
@@ -4074,7 +2231,7 @@
           <a:p>
             <a:fld id="{4751C775-F499-41CA-BB69-5F0CE1DC728B}" type="datetime1">
               <a:rPr lang="en-US" smtClean="0"/>
-              <a:t>3/16/2015</a:t>
+              <a:t>3/28/2015</a:t>
             </a:fld>
             <a:endParaRPr lang="en-US" dirty="0"/>
           </a:p>
@@ -4396,7 +2553,7 @@
           <a:p>
             <a:fld id="{EF0B729F-5E1E-40E7-8D1F-2FBC0AA7C9CD}" type="datetime1">
               <a:rPr lang="en-US" smtClean="0"/>
-              <a:t>3/16/2015</a:t>
+              <a:t>3/28/2015</a:t>
             </a:fld>
             <a:endParaRPr lang="en-US" dirty="0"/>
           </a:p>
@@ -4691,7 +2848,7 @@
           <a:p>
             <a:fld id="{6C610283-F1E1-40D0-ACF0-C635052CA35C}" type="datetime1">
               <a:rPr lang="en-US" smtClean="0"/>
-              <a:t>3/16/2015</a:t>
+              <a:t>3/28/2015</a:t>
             </a:fld>
             <a:endParaRPr lang="en-US" dirty="0"/>
           </a:p>
@@ -5065,7 +3222,7 @@
           <a:p>
             <a:fld id="{DDCC8832-2E28-430A-AD8F-583F9F33222D}" type="datetime1">
               <a:rPr lang="en-US" smtClean="0"/>
-              <a:t>3/16/2015</a:t>
+              <a:t>3/28/2015</a:t>
             </a:fld>
             <a:endParaRPr lang="en-US" dirty="0"/>
           </a:p>
@@ -5104,6 +3261,13 @@
   <p:clrMapOvr>
     <a:masterClrMapping/>
   </p:clrMapOvr>
+  <p:timing>
+    <p:tnLst>
+      <p:par>
+        <p:cTn id="1" dur="indefinite" restart="never" nodeType="tmRoot"/>
+      </p:par>
+    </p:tnLst>
+  </p:timing>
 </p:sldLayout>
 </file>
 
@@ -5216,7 +3380,7 @@
           <a:p>
             <a:fld id="{76E487D9-92EA-4374-B9A8-0C938596B06B}" type="datetime1">
               <a:rPr lang="en-US" smtClean="0"/>
-              <a:t>3/16/2015</a:t>
+              <a:t>3/28/2015</a:t>
             </a:fld>
             <a:endParaRPr lang="en-US" dirty="0"/>
           </a:p>
@@ -5377,7 +3541,7 @@
           <a:p>
             <a:fld id="{03B2E87A-4C56-4FB1-83A8-C433C44AFBA9}" type="datetime1">
               <a:rPr lang="en-US" smtClean="0"/>
-              <a:t>3/16/2015</a:t>
+              <a:t>3/28/2015</a:t>
             </a:fld>
             <a:endParaRPr lang="en-US" dirty="0"/>
           </a:p>
@@ -5460,12 +3624,12 @@
           </a:bodyPr>
           <a:lstStyle>
             <a:lvl1pPr>
-              <a:defRPr sz="3600"/>
+              <a:defRPr sz="4200"/>
             </a:lvl1pPr>
           </a:lstStyle>
           <a:p>
             <a:r>
-              <a:rPr lang="de-DE" smtClean="0"/>
+              <a:rPr lang="de-DE" dirty="0" smtClean="0"/>
               <a:t>Titelmasterformat durch Klicken bearbeiten</a:t>
             </a:r>
             <a:endParaRPr lang="en-US" dirty="0"/>
@@ -5485,39 +3649,55 @@
         <p:spPr/>
         <p:txBody>
           <a:bodyPr/>
-          <a:lstStyle/>
+          <a:lstStyle>
+            <a:lvl1pPr>
+              <a:defRPr sz="2800"/>
+            </a:lvl1pPr>
+            <a:lvl2pPr>
+              <a:defRPr sz="2800"/>
+            </a:lvl2pPr>
+            <a:lvl3pPr>
+              <a:defRPr sz="2800"/>
+            </a:lvl3pPr>
+            <a:lvl4pPr>
+              <a:defRPr sz="2800"/>
+            </a:lvl4pPr>
+            <a:lvl5pPr>
+              <a:defRPr sz="2800"/>
+            </a:lvl5pPr>
+          </a:lstStyle>
           <a:p>
             <a:pPr lvl="0"/>
             <a:r>
-              <a:rPr lang="de-DE" smtClean="0"/>
+              <a:rPr lang="de-DE" dirty="0" smtClean="0"/>
               <a:t>Textmasterformat bearbeiten</a:t>
             </a:r>
           </a:p>
           <a:p>
             <a:pPr lvl="1"/>
             <a:r>
-              <a:rPr lang="de-DE" smtClean="0"/>
+              <a:rPr lang="de-DE" dirty="0" smtClean="0"/>
               <a:t>Zweite Ebene</a:t>
             </a:r>
           </a:p>
           <a:p>
             <a:pPr lvl="2"/>
             <a:r>
-              <a:rPr lang="de-DE" smtClean="0"/>
+              <a:rPr lang="de-DE" dirty="0" smtClean="0"/>
               <a:t>Dritte Ebene</a:t>
             </a:r>
           </a:p>
           <a:p>
             <a:pPr lvl="3"/>
             <a:r>
-              <a:rPr lang="de-DE" smtClean="0"/>
+              <a:rPr lang="de-DE" dirty="0" smtClean="0"/>
               <a:t>Vierte Ebene</a:t>
             </a:r>
           </a:p>
           <a:p>
             <a:pPr lvl="4"/>
             <a:r>
-              <a:rPr lang="de-DE" smtClean="0"/>
+              <a:rPr lang="de-DE" dirty="0" smtClean="0"/>
               <a:t>Fünfte Ebene</a:t>
             </a:r>
             <a:endParaRPr lang="en-US" dirty="0"/>
@@ -5541,7 +3721,7 @@
           <a:p>
             <a:fld id="{A5828E15-EAE5-4696-A498-9462A8D07DB3}" type="datetime1">
               <a:rPr lang="en-US" smtClean="0"/>
-              <a:t>3/16/2015</a:t>
+              <a:t>3/28/2015</a:t>
             </a:fld>
             <a:endParaRPr lang="en-US" dirty="0"/>
           </a:p>
@@ -5629,15 +3809,17 @@
           </a:xfrm>
         </p:spPr>
         <p:txBody>
-          <a:bodyPr anchor="b"/>
+          <a:bodyPr anchor="b">
+            <a:normAutofit/>
+          </a:bodyPr>
           <a:lstStyle>
             <a:lvl1pPr algn="l">
-              <a:defRPr sz="4000" b="0" cap="none"/>
+              <a:defRPr sz="4800" b="0" cap="none"/>
             </a:lvl1pPr>
           </a:lstStyle>
           <a:p>
             <a:r>
-              <a:rPr lang="de-DE" smtClean="0"/>
+              <a:rPr lang="de-DE" dirty="0" smtClean="0"/>
               <a:t>Titelmasterformat durch Klicken bearbeiten</a:t>
             </a:r>
             <a:endParaRPr lang="en-US" dirty="0"/>
@@ -5781,7 +3963,7 @@
           <a:p>
             <a:fld id="{30C89575-A7F9-45D9-8DD0-EEE9ED1F7FA0}" type="datetime1">
               <a:rPr lang="en-US" smtClean="0"/>
-              <a:t>3/16/2015</a:t>
+              <a:t>3/28/2015</a:t>
             </a:fld>
             <a:endParaRPr lang="en-US" dirty="0"/>
           </a:p>
@@ -6001,7 +4183,7 @@
           <a:p>
             <a:fld id="{7A131F54-E68E-47BE-8946-F526F364CBA6}" type="datetime1">
               <a:rPr lang="en-US" smtClean="0"/>
-              <a:t>3/16/2015</a:t>
+              <a:t>3/28/2015</a:t>
             </a:fld>
             <a:endParaRPr lang="en-US" dirty="0"/>
           </a:p>
@@ -6356,7 +4538,7 @@
           <a:p>
             <a:fld id="{54938A4C-ABDD-4D7F-9EE8-D2212DFA111A}" type="datetime1">
               <a:rPr lang="en-US" smtClean="0"/>
-              <a:t>3/16/2015</a:t>
+              <a:t>3/28/2015</a:t>
             </a:fld>
             <a:endParaRPr lang="en-US" dirty="0"/>
           </a:p>
@@ -6460,7 +4642,7 @@
           <a:p>
             <a:fld id="{472087FD-69A5-4863-93C8-147616460B5F}" type="datetime1">
               <a:rPr lang="en-US" smtClean="0"/>
-              <a:t>3/16/2015</a:t>
+              <a:t>3/28/2015</a:t>
             </a:fld>
             <a:endParaRPr lang="en-US" dirty="0"/>
           </a:p>
@@ -6536,7 +4718,7 @@
           <a:p>
             <a:fld id="{DE67AA65-3958-4B15-93E3-62DB88057388}" type="datetime1">
               <a:rPr lang="en-US" smtClean="0"/>
-              <a:t>3/16/2015</a:t>
+              <a:t>3/28/2015</a:t>
             </a:fld>
             <a:endParaRPr lang="en-US" dirty="0"/>
           </a:p>
@@ -6772,7 +4954,7 @@
           <a:p>
             <a:fld id="{3A3AF593-EE7A-4564-A95B-6C86BAEF9839}" type="datetime1">
               <a:rPr lang="en-US" smtClean="0"/>
-              <a:t>3/16/2015</a:t>
+              <a:t>3/28/2015</a:t>
             </a:fld>
             <a:endParaRPr lang="en-US" dirty="0"/>
           </a:p>
@@ -7016,7 +5198,7 @@
           <a:p>
             <a:fld id="{D226D4E0-B61D-4B17-878D-83CEB6B35F48}" type="datetime1">
               <a:rPr lang="en-US" smtClean="0"/>
-              <a:t>3/16/2015</a:t>
+              <a:t>3/28/2015</a:t>
             </a:fld>
             <a:endParaRPr lang="en-US" dirty="0"/>
           </a:p>
@@ -7636,7 +5818,7 @@
           <a:lstStyle/>
           <a:p>
             <a:r>
-              <a:rPr lang="de-DE" smtClean="0"/>
+              <a:rPr lang="de-DE" dirty="0" smtClean="0"/>
               <a:t>Titelmasterformat durch Klicken bearbeiten</a:t>
             </a:r>
             <a:endParaRPr lang="en-US" dirty="0"/>
@@ -7670,35 +5852,35 @@
           <a:p>
             <a:pPr lvl="0"/>
             <a:r>
-              <a:rPr lang="de-DE" smtClean="0"/>
+              <a:rPr lang="de-DE" dirty="0" smtClean="0"/>
               <a:t>Textmasterformat bearbeiten</a:t>
             </a:r>
           </a:p>
           <a:p>
             <a:pPr lvl="1"/>
             <a:r>
-              <a:rPr lang="de-DE" smtClean="0"/>
+              <a:rPr lang="de-DE" dirty="0" smtClean="0"/>
               <a:t>Zweite Ebene</a:t>
             </a:r>
           </a:p>
           <a:p>
             <a:pPr lvl="2"/>
             <a:r>
-              <a:rPr lang="de-DE" smtClean="0"/>
+              <a:rPr lang="de-DE" dirty="0" smtClean="0"/>
               <a:t>Dritte Ebene</a:t>
             </a:r>
           </a:p>
           <a:p>
             <a:pPr lvl="3"/>
             <a:r>
-              <a:rPr lang="de-DE" smtClean="0"/>
+              <a:rPr lang="de-DE" dirty="0" smtClean="0"/>
               <a:t>Vierte Ebene</a:t>
             </a:r>
           </a:p>
           <a:p>
             <a:pPr lvl="4"/>
             <a:r>
-              <a:rPr lang="de-DE" smtClean="0"/>
+              <a:rPr lang="de-DE" dirty="0" smtClean="0"/>
               <a:t>Fünfte Ebene</a:t>
             </a:r>
             <a:endParaRPr lang="en-US" dirty="0"/>
@@ -7740,7 +5922,7 @@
           <a:p>
             <a:fld id="{FA7EC809-ED1F-4983-9906-520EA3F002C5}" type="datetime1">
               <a:rPr lang="en-US" smtClean="0"/>
-              <a:t>3/16/2015</a:t>
+              <a:t>3/28/2015</a:t>
             </a:fld>
             <a:endParaRPr lang="en-US" dirty="0"/>
           </a:p>
@@ -7953,7 +6135,7 @@
           <a:spcPct val="0"/>
         </a:spcBef>
         <a:buNone/>
-        <a:defRPr sz="3600" kern="1200">
+        <a:defRPr sz="4200" kern="1200">
           <a:solidFill>
             <a:schemeClr val="accent1"/>
           </a:solidFill>
@@ -8033,7 +6215,7 @@
         <a:buSzPct val="80000"/>
         <a:buFont typeface="Wingdings 3" charset="2"/>
         <a:buChar char=""/>
-        <a:defRPr sz="1800" kern="1200">
+        <a:defRPr sz="2800" kern="1200">
           <a:solidFill>
             <a:schemeClr val="tx1">
               <a:lumMod val="75000"/>
@@ -8058,7 +6240,7 @@
         <a:buSzPct val="80000"/>
         <a:buFont typeface="Wingdings 3" charset="2"/>
         <a:buChar char=""/>
-        <a:defRPr sz="1600" kern="1200">
+        <a:defRPr sz="2800" kern="1200">
           <a:solidFill>
             <a:schemeClr val="tx1">
               <a:lumMod val="75000"/>
@@ -8083,7 +6265,7 @@
         <a:buSzPct val="80000"/>
         <a:buFont typeface="Wingdings 3" charset="2"/>
         <a:buChar char=""/>
-        <a:defRPr sz="1400" kern="1200">
+        <a:defRPr sz="2800" kern="1200">
           <a:solidFill>
             <a:schemeClr val="tx1">
               <a:lumMod val="75000"/>
@@ -8108,7 +6290,7 @@
         <a:buSzPct val="80000"/>
         <a:buFont typeface="Wingdings 3" charset="2"/>
         <a:buChar char=""/>
-        <a:defRPr sz="1200" kern="1200">
+        <a:defRPr sz="2800" kern="1200">
           <a:solidFill>
             <a:schemeClr val="tx1">
               <a:lumMod val="75000"/>
@@ -8133,7 +6315,7 @@
         <a:buSzPct val="80000"/>
         <a:buFont typeface="Wingdings 3" charset="2"/>
         <a:buChar char=""/>
-        <a:defRPr sz="1200" kern="1200">
+        <a:defRPr sz="2800" kern="1200">
           <a:solidFill>
             <a:schemeClr val="tx1">
               <a:lumMod val="75000"/>
@@ -8379,16 +6561,27 @@
           <a:p>
             <a:pPr algn="l"/>
             <a:r>
-              <a:rPr lang="de-DE" sz="7200" dirty="0" smtClean="0"/>
-              <a:t>Aufgaben der Gesundheitsämter</a:t>
-            </a:r>
-            <a:endParaRPr lang="de-DE" sz="7200" dirty="0"/>
-          </a:p>
-        </p:txBody>
-      </p:sp>
-      <p:sp>
-        <p:nvSpPr>
-          <p:cNvPr id="7" name="Untertitel 6"/>
+              <a:rPr lang="de-DE" sz="6600" dirty="0" smtClean="0"/>
+              <a:t>Nationale Kohorte</a:t>
+            </a:r>
+            <a:r>
+              <a:rPr lang="de-DE" dirty="0" smtClean="0"/>
+              <a:t/>
+            </a:r>
+            <a:br>
+              <a:rPr lang="de-DE" dirty="0" smtClean="0"/>
+            </a:br>
+            <a:r>
+              <a:rPr lang="de-DE" sz="4000" dirty="0" smtClean="0"/>
+              <a:t>Gemeinsam forschen für eine gesündere Zukunft</a:t>
+            </a:r>
+            <a:endParaRPr lang="de-DE" sz="4000" dirty="0"/>
+          </a:p>
+        </p:txBody>
+      </p:sp>
+      <p:sp>
+        <p:nvSpPr>
+          <p:cNvPr id="3" name="Untertitel 2"/>
           <p:cNvSpPr>
             <a:spLocks noGrp="1"/>
           </p:cNvSpPr>
@@ -8401,13 +6594,23 @@
           <a:bodyPr/>
           <a:lstStyle/>
           <a:p>
+            <a:r>
+              <a:rPr lang="de-DE" dirty="0" smtClean="0"/>
+              <a:t>Dominik Meixner, Dominique Cheray</a:t>
+            </a:r>
+          </a:p>
+          <a:p>
+            <a:r>
+              <a:rPr lang="de-DE" dirty="0" smtClean="0"/>
+              <a:t>Samstag, 28. März 2015</a:t>
+            </a:r>
             <a:endParaRPr lang="de-DE" dirty="0"/>
           </a:p>
         </p:txBody>
       </p:sp>
       <p:sp>
         <p:nvSpPr>
-          <p:cNvPr id="5" name="Fußzeilenplatzhalter 4"/>
+          <p:cNvPr id="4" name="Fußzeilenplatzhalter 3"/>
           <p:cNvSpPr>
             <a:spLocks noGrp="1"/>
           </p:cNvSpPr>
@@ -8421,16 +6624,8 @@
           <a:lstStyle/>
           <a:p>
             <a:r>
-              <a:rPr lang="en-US" dirty="0" smtClean="0"/>
-              <a:t>| Dominik </a:t>
-            </a:r>
-            <a:r>
-              <a:rPr lang="en-US" dirty="0" err="1" smtClean="0"/>
-              <a:t>Meixner</a:t>
-            </a:r>
-            <a:r>
-              <a:rPr lang="en-US" dirty="0" smtClean="0"/>
-              <a:t> | Dominique Cheray |</a:t>
+              <a:rPr lang="en-US" smtClean="0"/>
+              <a:t>| Dominik Meixner | Dominique Cheray |</a:t>
             </a:r>
             <a:endParaRPr lang="en-US" dirty="0"/>
           </a:p>
@@ -8438,7 +6633,7 @@
       </p:sp>
       <p:sp>
         <p:nvSpPr>
-          <p:cNvPr id="4" name="Foliennummernplatzhalter 3"/>
+          <p:cNvPr id="5" name="Foliennummernplatzhalter 4"/>
           <p:cNvSpPr>
             <a:spLocks noGrp="1"/>
           </p:cNvSpPr>
@@ -8452,22 +6647,18 @@
           <a:lstStyle/>
           <a:p>
             <a:fld id="{D57F1E4F-1CFF-5643-939E-217C01CDF565}" type="slidenum">
-              <a:rPr lang="en-US" smtClean="0">
-                <a:latin typeface="Calibri" panose="020F0502020204030204" pitchFamily="34" charset="0"/>
-              </a:rPr>
+              <a:rPr lang="en-US" smtClean="0"/>
               <a:pPr/>
               <a:t>1</a:t>
             </a:fld>
-            <a:endParaRPr lang="en-US" dirty="0">
-              <a:latin typeface="Calibri" panose="020F0502020204030204" pitchFamily="34" charset="0"/>
-            </a:endParaRPr>
+            <a:endParaRPr lang="en-US" dirty="0"/>
           </a:p>
         </p:txBody>
       </p:sp>
     </p:spTree>
     <p:extLst>
       <p:ext uri="{BB962C8B-B14F-4D97-AF65-F5344CB8AC3E}">
-        <p14:creationId xmlns:p14="http://schemas.microsoft.com/office/powerpoint/2010/main" val="987834098"/>
+        <p14:creationId xmlns:p14="http://schemas.microsoft.com/office/powerpoint/2010/main" val="890562394"/>
       </p:ext>
     </p:extLst>
   </p:cSld>
@@ -8481,1329 +6672,6 @@
       </p:par>
     </p:tnLst>
   </p:timing>
-</p:sld>
-</file>
-
-<file path=ppt/slides/slide10.xml><?xml version="1.0" encoding="utf-8"?>
-<p:sld xmlns:a="http://schemas.openxmlformats.org/drawingml/2006/main" xmlns:r="http://schemas.openxmlformats.org/officeDocument/2006/relationships" xmlns:p="http://schemas.openxmlformats.org/presentationml/2006/main">
-  <p:cSld>
-    <p:spTree>
-      <p:nvGrpSpPr>
-        <p:cNvPr id="1" name=""/>
-        <p:cNvGrpSpPr/>
-        <p:nvPr/>
-      </p:nvGrpSpPr>
-      <p:grpSpPr>
-        <a:xfrm>
-          <a:off x="0" y="0"/>
-          <a:ext cx="0" cy="0"/>
-          <a:chOff x="0" y="0"/>
-          <a:chExt cx="0" cy="0"/>
-        </a:xfrm>
-      </p:grpSpPr>
-      <p:sp>
-        <p:nvSpPr>
-          <p:cNvPr id="2" name="Titel 1"/>
-          <p:cNvSpPr>
-            <a:spLocks noGrp="1"/>
-          </p:cNvSpPr>
-          <p:nvPr>
-            <p:ph type="title"/>
-          </p:nvPr>
-        </p:nvSpPr>
-        <p:spPr/>
-        <p:txBody>
-          <a:bodyPr>
-            <a:normAutofit/>
-          </a:bodyPr>
-          <a:lstStyle/>
-          <a:p>
-            <a:r>
-              <a:rPr lang="de-DE" sz="4200" dirty="0"/>
-              <a:t>Aufgaben - Landesgesundheitsamt</a:t>
-            </a:r>
-          </a:p>
-        </p:txBody>
-      </p:sp>
-      <p:sp>
-        <p:nvSpPr>
-          <p:cNvPr id="3" name="Inhaltsplatzhalter 2"/>
-          <p:cNvSpPr>
-            <a:spLocks noGrp="1"/>
-          </p:cNvSpPr>
-          <p:nvPr>
-            <p:ph idx="1"/>
-          </p:nvPr>
-        </p:nvSpPr>
-        <p:spPr/>
-        <p:txBody>
-          <a:bodyPr>
-            <a:normAutofit/>
-          </a:bodyPr>
-          <a:lstStyle/>
-          <a:p>
-            <a:pPr marL="342900" lvl="1" indent="-342900"/>
-            <a:r>
-              <a:rPr lang="de-DE" sz="2800" dirty="0" smtClean="0"/>
-              <a:t>Landesprüfungsamt </a:t>
-            </a:r>
-            <a:r>
-              <a:rPr lang="de-DE" sz="2800" dirty="0"/>
-              <a:t>für medizinische Ausbildungen und Berufe</a:t>
-            </a:r>
-          </a:p>
-          <a:p>
-            <a:pPr marL="342900" lvl="1" indent="-342900"/>
-            <a:r>
-              <a:rPr lang="de-DE" sz="2800" dirty="0"/>
-              <a:t>Programme in der Aus-, Fort- und Weiterbildung</a:t>
-            </a:r>
-          </a:p>
-          <a:p>
-            <a:endParaRPr lang="de-DE" sz="2800" dirty="0"/>
-          </a:p>
-        </p:txBody>
-      </p:sp>
-      <p:sp>
-        <p:nvSpPr>
-          <p:cNvPr id="4" name="Fußzeilenplatzhalter 3"/>
-          <p:cNvSpPr>
-            <a:spLocks noGrp="1"/>
-          </p:cNvSpPr>
-          <p:nvPr>
-            <p:ph type="ftr" sz="quarter" idx="11"/>
-          </p:nvPr>
-        </p:nvSpPr>
-        <p:spPr/>
-        <p:txBody>
-          <a:bodyPr/>
-          <a:lstStyle/>
-          <a:p>
-            <a:r>
-              <a:rPr lang="en-US" smtClean="0"/>
-              <a:t>| Dominik Meixner | Dominique Cheray |</a:t>
-            </a:r>
-            <a:endParaRPr lang="en-US" dirty="0"/>
-          </a:p>
-        </p:txBody>
-      </p:sp>
-    </p:spTree>
-    <p:extLst>
-      <p:ext uri="{BB962C8B-B14F-4D97-AF65-F5344CB8AC3E}">
-        <p14:creationId xmlns:p14="http://schemas.microsoft.com/office/powerpoint/2010/main" val="2394333967"/>
-      </p:ext>
-    </p:extLst>
-  </p:cSld>
-  <p:clrMapOvr>
-    <a:masterClrMapping/>
-  </p:clrMapOvr>
-  <p:timing>
-    <p:tnLst>
-      <p:par>
-        <p:cTn id="1" dur="indefinite" restart="never" nodeType="tmRoot"/>
-      </p:par>
-    </p:tnLst>
-  </p:timing>
-</p:sld>
-</file>
-
-<file path=ppt/slides/slide11.xml><?xml version="1.0" encoding="utf-8"?>
-<p:sld xmlns:a="http://schemas.openxmlformats.org/drawingml/2006/main" xmlns:r="http://schemas.openxmlformats.org/officeDocument/2006/relationships" xmlns:p="http://schemas.openxmlformats.org/presentationml/2006/main">
-  <p:cSld>
-    <p:spTree>
-      <p:nvGrpSpPr>
-        <p:cNvPr id="1" name=""/>
-        <p:cNvGrpSpPr/>
-        <p:nvPr/>
-      </p:nvGrpSpPr>
-      <p:grpSpPr>
-        <a:xfrm>
-          <a:off x="0" y="0"/>
-          <a:ext cx="0" cy="0"/>
-          <a:chOff x="0" y="0"/>
-          <a:chExt cx="0" cy="0"/>
-        </a:xfrm>
-      </p:grpSpPr>
-      <p:sp>
-        <p:nvSpPr>
-          <p:cNvPr id="2" name="Titel 1"/>
-          <p:cNvSpPr>
-            <a:spLocks noGrp="1"/>
-          </p:cNvSpPr>
-          <p:nvPr>
-            <p:ph type="title"/>
-          </p:nvPr>
-        </p:nvSpPr>
-        <p:spPr/>
-        <p:txBody>
-          <a:bodyPr>
-            <a:noAutofit/>
-          </a:bodyPr>
-          <a:lstStyle/>
-          <a:p>
-            <a:r>
-              <a:rPr lang="de-DE" sz="4200" dirty="0" smtClean="0"/>
-              <a:t>Aufgaben </a:t>
-            </a:r>
-            <a:r>
-              <a:rPr lang="de-DE" sz="4200" dirty="0"/>
-              <a:t>– Gesundheitsämter in Stadt- und Landkreisen</a:t>
-            </a:r>
-          </a:p>
-        </p:txBody>
-      </p:sp>
-      <p:sp>
-        <p:nvSpPr>
-          <p:cNvPr id="3" name="Inhaltsplatzhalter 2"/>
-          <p:cNvSpPr>
-            <a:spLocks noGrp="1"/>
-          </p:cNvSpPr>
-          <p:nvPr>
-            <p:ph idx="1"/>
-          </p:nvPr>
-        </p:nvSpPr>
-        <p:spPr/>
-        <p:txBody>
-          <a:bodyPr>
-            <a:normAutofit/>
-          </a:bodyPr>
-          <a:lstStyle/>
-          <a:p>
-            <a:endParaRPr lang="de-DE" sz="2800" dirty="0" smtClean="0"/>
-          </a:p>
-          <a:p>
-            <a:r>
-              <a:rPr lang="de-DE" sz="2800" dirty="0" smtClean="0"/>
-              <a:t>Gesundheitsschutz </a:t>
-            </a:r>
-          </a:p>
-          <a:p>
-            <a:pPr lvl="1"/>
-            <a:r>
-              <a:rPr lang="de-DE" sz="2800" dirty="0" smtClean="0"/>
-              <a:t>Infektionsschutz</a:t>
-            </a:r>
-          </a:p>
-          <a:p>
-            <a:pPr lvl="1"/>
-            <a:r>
-              <a:rPr lang="de-DE" sz="2800" dirty="0" smtClean="0"/>
-              <a:t>Umweltbezogener Gesundheitsschutz</a:t>
-            </a:r>
-          </a:p>
-          <a:p>
-            <a:r>
-              <a:rPr lang="de-DE" sz="2800" dirty="0" smtClean="0"/>
-              <a:t>Gesundheitsförderung und Prävention</a:t>
-            </a:r>
-          </a:p>
-          <a:p>
-            <a:r>
-              <a:rPr lang="de-DE" sz="2800" dirty="0" smtClean="0"/>
-              <a:t>Gesundheitsberichterstattung und </a:t>
-            </a:r>
-            <a:r>
-              <a:rPr lang="de-DE" sz="2800" dirty="0" err="1" smtClean="0"/>
-              <a:t>Epdemiologie</a:t>
-            </a:r>
-            <a:endParaRPr lang="de-DE" sz="2800" dirty="0" smtClean="0"/>
-          </a:p>
-        </p:txBody>
-      </p:sp>
-      <p:sp>
-        <p:nvSpPr>
-          <p:cNvPr id="4" name="Fußzeilenplatzhalter 3"/>
-          <p:cNvSpPr>
-            <a:spLocks noGrp="1"/>
-          </p:cNvSpPr>
-          <p:nvPr>
-            <p:ph type="ftr" sz="quarter" idx="11"/>
-          </p:nvPr>
-        </p:nvSpPr>
-        <p:spPr/>
-        <p:txBody>
-          <a:bodyPr/>
-          <a:lstStyle/>
-          <a:p>
-            <a:r>
-              <a:rPr lang="en-US" smtClean="0"/>
-              <a:t>| Dominik Meixner | Dominique Cheray |</a:t>
-            </a:r>
-            <a:endParaRPr lang="en-US" dirty="0"/>
-          </a:p>
-        </p:txBody>
-      </p:sp>
-    </p:spTree>
-    <p:extLst>
-      <p:ext uri="{BB962C8B-B14F-4D97-AF65-F5344CB8AC3E}">
-        <p14:creationId xmlns:p14="http://schemas.microsoft.com/office/powerpoint/2010/main" val="2832033808"/>
-      </p:ext>
-    </p:extLst>
-  </p:cSld>
-  <p:clrMapOvr>
-    <a:masterClrMapping/>
-  </p:clrMapOvr>
-  <p:timing>
-    <p:tnLst>
-      <p:par>
-        <p:cTn id="1" dur="indefinite" restart="never" nodeType="tmRoot"/>
-      </p:par>
-    </p:tnLst>
-  </p:timing>
-</p:sld>
-</file>
-
-<file path=ppt/slides/slide12.xml><?xml version="1.0" encoding="utf-8"?>
-<p:sld xmlns:a="http://schemas.openxmlformats.org/drawingml/2006/main" xmlns:r="http://schemas.openxmlformats.org/officeDocument/2006/relationships" xmlns:p="http://schemas.openxmlformats.org/presentationml/2006/main">
-  <p:cSld>
-    <p:spTree>
-      <p:nvGrpSpPr>
-        <p:cNvPr id="1" name=""/>
-        <p:cNvGrpSpPr/>
-        <p:nvPr/>
-      </p:nvGrpSpPr>
-      <p:grpSpPr>
-        <a:xfrm>
-          <a:off x="0" y="0"/>
-          <a:ext cx="0" cy="0"/>
-          <a:chOff x="0" y="0"/>
-          <a:chExt cx="0" cy="0"/>
-        </a:xfrm>
-      </p:grpSpPr>
-      <p:sp>
-        <p:nvSpPr>
-          <p:cNvPr id="2" name="Titel 1"/>
-          <p:cNvSpPr>
-            <a:spLocks noGrp="1"/>
-          </p:cNvSpPr>
-          <p:nvPr>
-            <p:ph type="title"/>
-          </p:nvPr>
-        </p:nvSpPr>
-        <p:spPr/>
-        <p:txBody>
-          <a:bodyPr>
-            <a:noAutofit/>
-          </a:bodyPr>
-          <a:lstStyle/>
-          <a:p>
-            <a:r>
-              <a:rPr lang="de-DE" sz="4200" dirty="0"/>
-              <a:t>Aufgaben – Gesundheitsämter in Stadt- und Landkreisen</a:t>
-            </a:r>
-          </a:p>
-        </p:txBody>
-      </p:sp>
-      <p:sp>
-        <p:nvSpPr>
-          <p:cNvPr id="3" name="Inhaltsplatzhalter 2"/>
-          <p:cNvSpPr>
-            <a:spLocks noGrp="1"/>
-          </p:cNvSpPr>
-          <p:nvPr>
-            <p:ph idx="1"/>
-          </p:nvPr>
-        </p:nvSpPr>
-        <p:spPr/>
-        <p:txBody>
-          <a:bodyPr>
-            <a:normAutofit/>
-          </a:bodyPr>
-          <a:lstStyle/>
-          <a:p>
-            <a:endParaRPr lang="de-DE" sz="2800" dirty="0" smtClean="0"/>
-          </a:p>
-          <a:p>
-            <a:r>
-              <a:rPr lang="de-DE" sz="2800" dirty="0" smtClean="0"/>
-              <a:t>Kinder- </a:t>
-            </a:r>
-            <a:r>
-              <a:rPr lang="de-DE" sz="2800" dirty="0"/>
-              <a:t>und </a:t>
-            </a:r>
-            <a:r>
-              <a:rPr lang="de-DE" sz="2800" dirty="0" smtClean="0"/>
-              <a:t>Jugendgesundheitsdienst</a:t>
-            </a:r>
-          </a:p>
-          <a:p>
-            <a:r>
-              <a:rPr lang="de-DE" sz="2800" dirty="0" smtClean="0"/>
-              <a:t>sozialmedizinische </a:t>
-            </a:r>
-            <a:r>
-              <a:rPr lang="de-DE" sz="2800" dirty="0"/>
-              <a:t>und sozialpsychiatrische Beratung, Betreuung und Vermittlung von Hilfen für besondere </a:t>
-            </a:r>
-            <a:r>
-              <a:rPr lang="de-DE" sz="2800" dirty="0" smtClean="0"/>
-              <a:t>Zielgruppen</a:t>
-            </a:r>
-          </a:p>
-          <a:p>
-            <a:r>
-              <a:rPr lang="de-DE" sz="2800" dirty="0"/>
-              <a:t>amtsärztlicher Dienst sowie gutachterliche Tätigkeiten</a:t>
-            </a:r>
-            <a:endParaRPr lang="de-DE" sz="2800" dirty="0"/>
-          </a:p>
-        </p:txBody>
-      </p:sp>
-      <p:sp>
-        <p:nvSpPr>
-          <p:cNvPr id="4" name="Fußzeilenplatzhalter 3"/>
-          <p:cNvSpPr>
-            <a:spLocks noGrp="1"/>
-          </p:cNvSpPr>
-          <p:nvPr>
-            <p:ph type="ftr" sz="quarter" idx="11"/>
-          </p:nvPr>
-        </p:nvSpPr>
-        <p:spPr/>
-        <p:txBody>
-          <a:bodyPr/>
-          <a:lstStyle/>
-          <a:p>
-            <a:r>
-              <a:rPr lang="en-US" smtClean="0"/>
-              <a:t>| Dominik Meixner | Dominique Cheray |</a:t>
-            </a:r>
-            <a:endParaRPr lang="en-US" dirty="0"/>
-          </a:p>
-        </p:txBody>
-      </p:sp>
-    </p:spTree>
-    <p:extLst>
-      <p:ext uri="{BB962C8B-B14F-4D97-AF65-F5344CB8AC3E}">
-        <p14:creationId xmlns:p14="http://schemas.microsoft.com/office/powerpoint/2010/main" val="2907833448"/>
-      </p:ext>
-    </p:extLst>
-  </p:cSld>
-  <p:clrMapOvr>
-    <a:masterClrMapping/>
-  </p:clrMapOvr>
-  <p:timing>
-    <p:tnLst>
-      <p:par>
-        <p:cTn id="1" dur="indefinite" restart="never" nodeType="tmRoot"/>
-      </p:par>
-    </p:tnLst>
-  </p:timing>
-</p:sld>
-</file>
-
-<file path=ppt/slides/slide13.xml><?xml version="1.0" encoding="utf-8"?>
-<p:sld xmlns:a="http://schemas.openxmlformats.org/drawingml/2006/main" xmlns:r="http://schemas.openxmlformats.org/officeDocument/2006/relationships" xmlns:p="http://schemas.openxmlformats.org/presentationml/2006/main">
-  <p:cSld>
-    <p:spTree>
-      <p:nvGrpSpPr>
-        <p:cNvPr id="1" name=""/>
-        <p:cNvGrpSpPr/>
-        <p:nvPr/>
-      </p:nvGrpSpPr>
-      <p:grpSpPr>
-        <a:xfrm>
-          <a:off x="0" y="0"/>
-          <a:ext cx="0" cy="0"/>
-          <a:chOff x="0" y="0"/>
-          <a:chExt cx="0" cy="0"/>
-        </a:xfrm>
-      </p:grpSpPr>
-      <p:sp>
-        <p:nvSpPr>
-          <p:cNvPr id="2" name="Titel 1"/>
-          <p:cNvSpPr>
-            <a:spLocks noGrp="1"/>
-          </p:cNvSpPr>
-          <p:nvPr>
-            <p:ph type="title"/>
-          </p:nvPr>
-        </p:nvSpPr>
-        <p:spPr/>
-        <p:txBody>
-          <a:bodyPr>
-            <a:noAutofit/>
-          </a:bodyPr>
-          <a:lstStyle/>
-          <a:p>
-            <a:r>
-              <a:rPr lang="de-DE" sz="4200" dirty="0" smtClean="0"/>
-              <a:t>Prozesse - Gesundheitsberichterstattung</a:t>
-            </a:r>
-            <a:endParaRPr lang="de-DE" sz="4200" dirty="0"/>
-          </a:p>
-        </p:txBody>
-      </p:sp>
-      <p:sp>
-        <p:nvSpPr>
-          <p:cNvPr id="3" name="Inhaltsplatzhalter 2"/>
-          <p:cNvSpPr>
-            <a:spLocks noGrp="1"/>
-          </p:cNvSpPr>
-          <p:nvPr>
-            <p:ph idx="1"/>
-          </p:nvPr>
-        </p:nvSpPr>
-        <p:spPr/>
-        <p:txBody>
-          <a:bodyPr>
-            <a:normAutofit lnSpcReduction="10000"/>
-          </a:bodyPr>
-          <a:lstStyle/>
-          <a:p>
-            <a:endParaRPr lang="de-DE" sz="2800" dirty="0" smtClean="0"/>
-          </a:p>
-          <a:p>
-            <a:r>
-              <a:rPr lang="de-DE" sz="2800" dirty="0" smtClean="0"/>
-              <a:t>Ziel:</a:t>
-            </a:r>
-          </a:p>
-          <a:p>
-            <a:pPr lvl="1"/>
-            <a:r>
-              <a:rPr lang="de-DE" sz="2800" dirty="0" smtClean="0"/>
-              <a:t>Verbesserung der gesundheitlichen Lage und Versorgung der Bevölkerung</a:t>
-            </a:r>
-          </a:p>
-          <a:p>
-            <a:r>
-              <a:rPr lang="de-DE" sz="2800" dirty="0" smtClean="0"/>
-              <a:t>Vorgehen:</a:t>
-            </a:r>
-          </a:p>
-          <a:p>
-            <a:pPr lvl="1"/>
-            <a:r>
-              <a:rPr lang="de-DE" sz="2800" dirty="0" smtClean="0"/>
-              <a:t>Vorhandene gesundheitsbezogene Daten werden mit wissenschaftlichen Methoden analysiert und bewertet</a:t>
-            </a:r>
-          </a:p>
-          <a:p>
-            <a:pPr lvl="1"/>
-            <a:endParaRPr lang="de-DE" sz="2800" dirty="0"/>
-          </a:p>
-        </p:txBody>
-      </p:sp>
-      <p:sp>
-        <p:nvSpPr>
-          <p:cNvPr id="4" name="Fußzeilenplatzhalter 3"/>
-          <p:cNvSpPr>
-            <a:spLocks noGrp="1"/>
-          </p:cNvSpPr>
-          <p:nvPr>
-            <p:ph type="ftr" sz="quarter" idx="11"/>
-          </p:nvPr>
-        </p:nvSpPr>
-        <p:spPr/>
-        <p:txBody>
-          <a:bodyPr/>
-          <a:lstStyle/>
-          <a:p>
-            <a:r>
-              <a:rPr lang="en-US" dirty="0" smtClean="0"/>
-              <a:t>| Dominik </a:t>
-            </a:r>
-            <a:r>
-              <a:rPr lang="en-US" dirty="0" err="1" smtClean="0"/>
-              <a:t>Meixner</a:t>
-            </a:r>
-            <a:r>
-              <a:rPr lang="en-US" dirty="0" smtClean="0"/>
-              <a:t> | Dominique Cheray |</a:t>
-            </a:r>
-            <a:endParaRPr lang="en-US" dirty="0"/>
-          </a:p>
-        </p:txBody>
-      </p:sp>
-    </p:spTree>
-    <p:extLst>
-      <p:ext uri="{BB962C8B-B14F-4D97-AF65-F5344CB8AC3E}">
-        <p14:creationId xmlns:p14="http://schemas.microsoft.com/office/powerpoint/2010/main" val="707178402"/>
-      </p:ext>
-    </p:extLst>
-  </p:cSld>
-  <p:clrMapOvr>
-    <a:masterClrMapping/>
-  </p:clrMapOvr>
-  <p:timing>
-    <p:tnLst>
-      <p:par>
-        <p:cTn id="1" dur="indefinite" restart="never" nodeType="tmRoot"/>
-      </p:par>
-    </p:tnLst>
-  </p:timing>
-</p:sld>
-</file>
-
-<file path=ppt/slides/slide14.xml><?xml version="1.0" encoding="utf-8"?>
-<p:sld xmlns:a="http://schemas.openxmlformats.org/drawingml/2006/main" xmlns:r="http://schemas.openxmlformats.org/officeDocument/2006/relationships" xmlns:p="http://schemas.openxmlformats.org/presentationml/2006/main">
-  <p:cSld>
-    <p:spTree>
-      <p:nvGrpSpPr>
-        <p:cNvPr id="1" name=""/>
-        <p:cNvGrpSpPr/>
-        <p:nvPr/>
-      </p:nvGrpSpPr>
-      <p:grpSpPr>
-        <a:xfrm>
-          <a:off x="0" y="0"/>
-          <a:ext cx="0" cy="0"/>
-          <a:chOff x="0" y="0"/>
-          <a:chExt cx="0" cy="0"/>
-        </a:xfrm>
-      </p:grpSpPr>
-      <p:sp>
-        <p:nvSpPr>
-          <p:cNvPr id="2" name="Titel 1"/>
-          <p:cNvSpPr>
-            <a:spLocks noGrp="1"/>
-          </p:cNvSpPr>
-          <p:nvPr>
-            <p:ph type="title"/>
-          </p:nvPr>
-        </p:nvSpPr>
-        <p:spPr/>
-        <p:txBody>
-          <a:bodyPr>
-            <a:noAutofit/>
-          </a:bodyPr>
-          <a:lstStyle/>
-          <a:p>
-            <a:r>
-              <a:rPr lang="de-DE" sz="4200" dirty="0"/>
-              <a:t>Prozesse - Gesundheitsberichterstattung</a:t>
-            </a:r>
-          </a:p>
-        </p:txBody>
-      </p:sp>
-      <p:sp>
-        <p:nvSpPr>
-          <p:cNvPr id="3" name="Inhaltsplatzhalter 2"/>
-          <p:cNvSpPr>
-            <a:spLocks noGrp="1"/>
-          </p:cNvSpPr>
-          <p:nvPr>
-            <p:ph idx="1"/>
-          </p:nvPr>
-        </p:nvSpPr>
-        <p:spPr/>
-        <p:txBody>
-          <a:bodyPr>
-            <a:normAutofit/>
-          </a:bodyPr>
-          <a:lstStyle/>
-          <a:p>
-            <a:endParaRPr lang="de-DE" sz="2800" dirty="0" smtClean="0"/>
-          </a:p>
-          <a:p>
-            <a:r>
-              <a:rPr lang="de-DE" sz="2800" dirty="0" smtClean="0"/>
-              <a:t>Ergebnis: </a:t>
-            </a:r>
-          </a:p>
-          <a:p>
-            <a:pPr lvl="1"/>
-            <a:r>
-              <a:rPr lang="de-DE" sz="2600" dirty="0" smtClean="0"/>
-              <a:t>Verdichtete und adressatenorientierte Darstellung der Daten</a:t>
-            </a:r>
-            <a:endParaRPr lang="de-DE" sz="2600" dirty="0"/>
-          </a:p>
-        </p:txBody>
-      </p:sp>
-      <p:sp>
-        <p:nvSpPr>
-          <p:cNvPr id="4" name="Fußzeilenplatzhalter 3"/>
-          <p:cNvSpPr>
-            <a:spLocks noGrp="1"/>
-          </p:cNvSpPr>
-          <p:nvPr>
-            <p:ph type="ftr" sz="quarter" idx="11"/>
-          </p:nvPr>
-        </p:nvSpPr>
-        <p:spPr/>
-        <p:txBody>
-          <a:bodyPr/>
-          <a:lstStyle/>
-          <a:p>
-            <a:r>
-              <a:rPr lang="en-US" smtClean="0"/>
-              <a:t>| Dominik Meixner | Dominique Cheray |</a:t>
-            </a:r>
-            <a:endParaRPr lang="en-US" dirty="0"/>
-          </a:p>
-        </p:txBody>
-      </p:sp>
-    </p:spTree>
-    <p:extLst>
-      <p:ext uri="{BB962C8B-B14F-4D97-AF65-F5344CB8AC3E}">
-        <p14:creationId xmlns:p14="http://schemas.microsoft.com/office/powerpoint/2010/main" val="1342766566"/>
-      </p:ext>
-    </p:extLst>
-  </p:cSld>
-  <p:clrMapOvr>
-    <a:masterClrMapping/>
-  </p:clrMapOvr>
-  <p:timing>
-    <p:tnLst>
-      <p:par>
-        <p:cTn id="1" dur="indefinite" restart="never" nodeType="tmRoot"/>
-      </p:par>
-    </p:tnLst>
-  </p:timing>
-</p:sld>
-</file>
-
-<file path=ppt/slides/slide15.xml><?xml version="1.0" encoding="utf-8"?>
-<p:sld xmlns:a="http://schemas.openxmlformats.org/drawingml/2006/main" xmlns:r="http://schemas.openxmlformats.org/officeDocument/2006/relationships" xmlns:p="http://schemas.openxmlformats.org/presentationml/2006/main">
-  <p:cSld>
-    <p:spTree>
-      <p:nvGrpSpPr>
-        <p:cNvPr id="1" name=""/>
-        <p:cNvGrpSpPr/>
-        <p:nvPr/>
-      </p:nvGrpSpPr>
-      <p:grpSpPr>
-        <a:xfrm>
-          <a:off x="0" y="0"/>
-          <a:ext cx="0" cy="0"/>
-          <a:chOff x="0" y="0"/>
-          <a:chExt cx="0" cy="0"/>
-        </a:xfrm>
-      </p:grpSpPr>
-      <p:sp>
-        <p:nvSpPr>
-          <p:cNvPr id="2" name="Titel 1"/>
-          <p:cNvSpPr>
-            <a:spLocks noGrp="1"/>
-          </p:cNvSpPr>
-          <p:nvPr>
-            <p:ph type="title"/>
-          </p:nvPr>
-        </p:nvSpPr>
-        <p:spPr/>
-        <p:txBody>
-          <a:bodyPr>
-            <a:normAutofit/>
-          </a:bodyPr>
-          <a:lstStyle/>
-          <a:p>
-            <a:r>
-              <a:rPr lang="de-DE" sz="4200" dirty="0" smtClean="0"/>
-              <a:t>Prozesse - Epidemiologie</a:t>
-            </a:r>
-            <a:endParaRPr lang="de-DE" sz="4200" dirty="0"/>
-          </a:p>
-        </p:txBody>
-      </p:sp>
-      <p:sp>
-        <p:nvSpPr>
-          <p:cNvPr id="3" name="Inhaltsplatzhalter 2"/>
-          <p:cNvSpPr>
-            <a:spLocks noGrp="1"/>
-          </p:cNvSpPr>
-          <p:nvPr>
-            <p:ph idx="1"/>
-          </p:nvPr>
-        </p:nvSpPr>
-        <p:spPr/>
-        <p:txBody>
-          <a:bodyPr>
-            <a:noAutofit/>
-          </a:bodyPr>
-          <a:lstStyle/>
-          <a:p>
-            <a:r>
-              <a:rPr lang="de-DE" sz="2800" dirty="0" smtClean="0"/>
-              <a:t>Ziele: </a:t>
-            </a:r>
-          </a:p>
-          <a:p>
-            <a:pPr lvl="1"/>
-            <a:r>
-              <a:rPr lang="de-DE" sz="2800" dirty="0" smtClean="0"/>
-              <a:t>Epidemiologische Überwachung von Krankheiten und Risikofaktoren</a:t>
-            </a:r>
-          </a:p>
-          <a:p>
-            <a:pPr lvl="1"/>
-            <a:r>
-              <a:rPr lang="de-DE" sz="2800" dirty="0" smtClean="0"/>
-              <a:t>Entwicklung </a:t>
-            </a:r>
-            <a:r>
-              <a:rPr lang="de-DE" sz="2800" dirty="0"/>
-              <a:t>geeigneter Methoden zur Sammlung, Analyse und Präsentation von </a:t>
-            </a:r>
-            <a:r>
-              <a:rPr lang="de-DE" sz="2800" dirty="0" smtClean="0"/>
-              <a:t>Gesundheitsdaten</a:t>
-            </a:r>
-          </a:p>
-        </p:txBody>
-      </p:sp>
-      <p:sp>
-        <p:nvSpPr>
-          <p:cNvPr id="4" name="Fußzeilenplatzhalter 3"/>
-          <p:cNvSpPr>
-            <a:spLocks noGrp="1"/>
-          </p:cNvSpPr>
-          <p:nvPr>
-            <p:ph type="ftr" sz="quarter" idx="11"/>
-          </p:nvPr>
-        </p:nvSpPr>
-        <p:spPr/>
-        <p:txBody>
-          <a:bodyPr/>
-          <a:lstStyle/>
-          <a:p>
-            <a:r>
-              <a:rPr lang="en-US" smtClean="0"/>
-              <a:t>| Dominik Meixner | Dominique Cheray |</a:t>
-            </a:r>
-            <a:endParaRPr lang="en-US" dirty="0"/>
-          </a:p>
-        </p:txBody>
-      </p:sp>
-    </p:spTree>
-    <p:extLst>
-      <p:ext uri="{BB962C8B-B14F-4D97-AF65-F5344CB8AC3E}">
-        <p14:creationId xmlns:p14="http://schemas.microsoft.com/office/powerpoint/2010/main" val="2476591570"/>
-      </p:ext>
-    </p:extLst>
-  </p:cSld>
-  <p:clrMapOvr>
-    <a:masterClrMapping/>
-  </p:clrMapOvr>
-  <p:timing>
-    <p:tnLst>
-      <p:par>
-        <p:cTn id="1" dur="indefinite" restart="never" nodeType="tmRoot"/>
-      </p:par>
-    </p:tnLst>
-  </p:timing>
-</p:sld>
-</file>
-
-<file path=ppt/slides/slide16.xml><?xml version="1.0" encoding="utf-8"?>
-<p:sld xmlns:a="http://schemas.openxmlformats.org/drawingml/2006/main" xmlns:r="http://schemas.openxmlformats.org/officeDocument/2006/relationships" xmlns:p="http://schemas.openxmlformats.org/presentationml/2006/main">
-  <p:cSld>
-    <p:spTree>
-      <p:nvGrpSpPr>
-        <p:cNvPr id="1" name=""/>
-        <p:cNvGrpSpPr/>
-        <p:nvPr/>
-      </p:nvGrpSpPr>
-      <p:grpSpPr>
-        <a:xfrm>
-          <a:off x="0" y="0"/>
-          <a:ext cx="0" cy="0"/>
-          <a:chOff x="0" y="0"/>
-          <a:chExt cx="0" cy="0"/>
-        </a:xfrm>
-      </p:grpSpPr>
-      <p:sp>
-        <p:nvSpPr>
-          <p:cNvPr id="2" name="Titel 1"/>
-          <p:cNvSpPr>
-            <a:spLocks noGrp="1"/>
-          </p:cNvSpPr>
-          <p:nvPr>
-            <p:ph type="title"/>
-          </p:nvPr>
-        </p:nvSpPr>
-        <p:spPr/>
-        <p:txBody>
-          <a:bodyPr>
-            <a:normAutofit/>
-          </a:bodyPr>
-          <a:lstStyle/>
-          <a:p>
-            <a:r>
-              <a:rPr lang="de-DE" sz="4200" dirty="0"/>
-              <a:t>Prozesse - Epidemiologie</a:t>
-            </a:r>
-          </a:p>
-        </p:txBody>
-      </p:sp>
-      <p:sp>
-        <p:nvSpPr>
-          <p:cNvPr id="3" name="Inhaltsplatzhalter 2"/>
-          <p:cNvSpPr>
-            <a:spLocks noGrp="1"/>
-          </p:cNvSpPr>
-          <p:nvPr>
-            <p:ph idx="1"/>
-          </p:nvPr>
-        </p:nvSpPr>
-        <p:spPr/>
-        <p:txBody>
-          <a:bodyPr>
-            <a:normAutofit/>
-          </a:bodyPr>
-          <a:lstStyle/>
-          <a:p>
-            <a:r>
-              <a:rPr lang="de-DE" sz="2800" dirty="0" smtClean="0"/>
-              <a:t>Ziele:</a:t>
-            </a:r>
-          </a:p>
-          <a:p>
-            <a:pPr lvl="1"/>
-            <a:r>
-              <a:rPr lang="de-DE" sz="2800" dirty="0"/>
-              <a:t>Erfassen aktueller Risikosituationen und </a:t>
-            </a:r>
-            <a:r>
-              <a:rPr lang="de-DE" sz="2800" dirty="0" smtClean="0"/>
-              <a:t>–</a:t>
-            </a:r>
-            <a:r>
-              <a:rPr lang="de-DE" sz="2800" dirty="0" err="1" smtClean="0"/>
-              <a:t>faktoren</a:t>
-            </a:r>
-            <a:endParaRPr lang="de-DE" sz="2800" dirty="0" smtClean="0"/>
-          </a:p>
-          <a:p>
-            <a:pPr lvl="1"/>
-            <a:r>
-              <a:rPr lang="de-DE" sz="2800" dirty="0"/>
-              <a:t>Bestimmen von Risikogruppen und Handlungsbedarf</a:t>
-            </a:r>
-          </a:p>
-          <a:p>
-            <a:pPr lvl="1"/>
-            <a:endParaRPr lang="de-DE" sz="2800" dirty="0" smtClean="0"/>
-          </a:p>
-          <a:p>
-            <a:pPr lvl="1"/>
-            <a:endParaRPr lang="de-DE" sz="2800" dirty="0"/>
-          </a:p>
-        </p:txBody>
-      </p:sp>
-      <p:sp>
-        <p:nvSpPr>
-          <p:cNvPr id="4" name="Fußzeilenplatzhalter 3"/>
-          <p:cNvSpPr>
-            <a:spLocks noGrp="1"/>
-          </p:cNvSpPr>
-          <p:nvPr>
-            <p:ph type="ftr" sz="quarter" idx="11"/>
-          </p:nvPr>
-        </p:nvSpPr>
-        <p:spPr/>
-        <p:txBody>
-          <a:bodyPr/>
-          <a:lstStyle/>
-          <a:p>
-            <a:r>
-              <a:rPr lang="en-US" smtClean="0"/>
-              <a:t>| Dominik Meixner | Dominique Cheray |</a:t>
-            </a:r>
-            <a:endParaRPr lang="en-US" dirty="0"/>
-          </a:p>
-        </p:txBody>
-      </p:sp>
-    </p:spTree>
-    <p:extLst>
-      <p:ext uri="{BB962C8B-B14F-4D97-AF65-F5344CB8AC3E}">
-        <p14:creationId xmlns:p14="http://schemas.microsoft.com/office/powerpoint/2010/main" val="4054296286"/>
-      </p:ext>
-    </p:extLst>
-  </p:cSld>
-  <p:clrMapOvr>
-    <a:masterClrMapping/>
-  </p:clrMapOvr>
-</p:sld>
-</file>
-
-<file path=ppt/slides/slide17.xml><?xml version="1.0" encoding="utf-8"?>
-<p:sld xmlns:a="http://schemas.openxmlformats.org/drawingml/2006/main" xmlns:r="http://schemas.openxmlformats.org/officeDocument/2006/relationships" xmlns:p="http://schemas.openxmlformats.org/presentationml/2006/main">
-  <p:cSld>
-    <p:spTree>
-      <p:nvGrpSpPr>
-        <p:cNvPr id="1" name=""/>
-        <p:cNvGrpSpPr/>
-        <p:nvPr/>
-      </p:nvGrpSpPr>
-      <p:grpSpPr>
-        <a:xfrm>
-          <a:off x="0" y="0"/>
-          <a:ext cx="0" cy="0"/>
-          <a:chOff x="0" y="0"/>
-          <a:chExt cx="0" cy="0"/>
-        </a:xfrm>
-      </p:grpSpPr>
-      <p:sp>
-        <p:nvSpPr>
-          <p:cNvPr id="2" name="Titel 1"/>
-          <p:cNvSpPr>
-            <a:spLocks noGrp="1"/>
-          </p:cNvSpPr>
-          <p:nvPr>
-            <p:ph type="title"/>
-          </p:nvPr>
-        </p:nvSpPr>
-        <p:spPr/>
-        <p:txBody>
-          <a:bodyPr>
-            <a:normAutofit/>
-          </a:bodyPr>
-          <a:lstStyle/>
-          <a:p>
-            <a:r>
-              <a:rPr lang="de-DE" sz="4200" dirty="0" smtClean="0"/>
-              <a:t>Prozesse - Epidemiologie</a:t>
-            </a:r>
-            <a:endParaRPr lang="de-DE" sz="4200" dirty="0"/>
-          </a:p>
-        </p:txBody>
-      </p:sp>
-      <p:sp>
-        <p:nvSpPr>
-          <p:cNvPr id="3" name="Inhaltsplatzhalter 2"/>
-          <p:cNvSpPr>
-            <a:spLocks noGrp="1"/>
-          </p:cNvSpPr>
-          <p:nvPr>
-            <p:ph idx="1"/>
-          </p:nvPr>
-        </p:nvSpPr>
-        <p:spPr/>
-        <p:txBody>
-          <a:bodyPr>
-            <a:noAutofit/>
-          </a:bodyPr>
-          <a:lstStyle/>
-          <a:p>
-            <a:r>
-              <a:rPr lang="de-DE" sz="2800" dirty="0" smtClean="0"/>
-              <a:t>Vorgehen: </a:t>
-            </a:r>
-          </a:p>
-          <a:p>
-            <a:pPr lvl="1"/>
-            <a:r>
-              <a:rPr lang="de-DE" sz="2800" dirty="0"/>
-              <a:t>Beschreibung und Bewertung der Morbidität und Mortalität</a:t>
-            </a:r>
-          </a:p>
-          <a:p>
-            <a:pPr lvl="1"/>
-            <a:r>
-              <a:rPr lang="de-DE" sz="2800" dirty="0"/>
-              <a:t>Untersuchung von Krankheitsausbrüchen oder –</a:t>
-            </a:r>
-            <a:r>
-              <a:rPr lang="de-DE" sz="2800" dirty="0" err="1" smtClean="0"/>
-              <a:t>häufungen</a:t>
-            </a:r>
-            <a:endParaRPr lang="de-DE" sz="2800" dirty="0" smtClean="0"/>
-          </a:p>
-          <a:p>
-            <a:pPr lvl="1"/>
-            <a:r>
-              <a:rPr lang="de-DE" sz="2800" dirty="0"/>
-              <a:t>Erschließung bevölkerungsbezogener Daten und epidemiologischer Studienergebnisse </a:t>
-            </a:r>
-            <a:endParaRPr lang="de-DE" sz="2800" dirty="0" smtClean="0"/>
-          </a:p>
-          <a:p>
-            <a:pPr lvl="1"/>
-            <a:endParaRPr lang="de-DE" sz="2800" dirty="0"/>
-          </a:p>
-        </p:txBody>
-      </p:sp>
-      <p:sp>
-        <p:nvSpPr>
-          <p:cNvPr id="4" name="Fußzeilenplatzhalter 3"/>
-          <p:cNvSpPr>
-            <a:spLocks noGrp="1"/>
-          </p:cNvSpPr>
-          <p:nvPr>
-            <p:ph type="ftr" sz="quarter" idx="11"/>
-          </p:nvPr>
-        </p:nvSpPr>
-        <p:spPr/>
-        <p:txBody>
-          <a:bodyPr/>
-          <a:lstStyle/>
-          <a:p>
-            <a:r>
-              <a:rPr lang="en-US" smtClean="0"/>
-              <a:t>| Dominik Meixner | Dominique Cheray |</a:t>
-            </a:r>
-            <a:endParaRPr lang="en-US" dirty="0"/>
-          </a:p>
-        </p:txBody>
-      </p:sp>
-    </p:spTree>
-    <p:extLst>
-      <p:ext uri="{BB962C8B-B14F-4D97-AF65-F5344CB8AC3E}">
-        <p14:creationId xmlns:p14="http://schemas.microsoft.com/office/powerpoint/2010/main" val="903784218"/>
-      </p:ext>
-    </p:extLst>
-  </p:cSld>
-  <p:clrMapOvr>
-    <a:masterClrMapping/>
-  </p:clrMapOvr>
-  <p:timing>
-    <p:tnLst>
-      <p:par>
-        <p:cTn id="1" dur="indefinite" restart="never" nodeType="tmRoot"/>
-      </p:par>
-    </p:tnLst>
-  </p:timing>
-</p:sld>
-</file>
-
-<file path=ppt/slides/slide18.xml><?xml version="1.0" encoding="utf-8"?>
-<p:sld xmlns:a="http://schemas.openxmlformats.org/drawingml/2006/main" xmlns:r="http://schemas.openxmlformats.org/officeDocument/2006/relationships" xmlns:p="http://schemas.openxmlformats.org/presentationml/2006/main">
-  <p:cSld>
-    <p:spTree>
-      <p:nvGrpSpPr>
-        <p:cNvPr id="1" name=""/>
-        <p:cNvGrpSpPr/>
-        <p:nvPr/>
-      </p:nvGrpSpPr>
-      <p:grpSpPr>
-        <a:xfrm>
-          <a:off x="0" y="0"/>
-          <a:ext cx="0" cy="0"/>
-          <a:chOff x="0" y="0"/>
-          <a:chExt cx="0" cy="0"/>
-        </a:xfrm>
-      </p:grpSpPr>
-      <p:sp>
-        <p:nvSpPr>
-          <p:cNvPr id="2" name="Titel 1"/>
-          <p:cNvSpPr>
-            <a:spLocks noGrp="1"/>
-          </p:cNvSpPr>
-          <p:nvPr>
-            <p:ph type="title"/>
-          </p:nvPr>
-        </p:nvSpPr>
-        <p:spPr/>
-        <p:txBody>
-          <a:bodyPr>
-            <a:normAutofit/>
-          </a:bodyPr>
-          <a:lstStyle/>
-          <a:p>
-            <a:r>
-              <a:rPr lang="de-DE" sz="4200" dirty="0" smtClean="0"/>
-              <a:t>Prozesse - Epidemiologie</a:t>
-            </a:r>
-            <a:endParaRPr lang="de-DE" sz="4200" dirty="0"/>
-          </a:p>
-        </p:txBody>
-      </p:sp>
-      <p:sp>
-        <p:nvSpPr>
-          <p:cNvPr id="3" name="Inhaltsplatzhalter 2"/>
-          <p:cNvSpPr>
-            <a:spLocks noGrp="1"/>
-          </p:cNvSpPr>
-          <p:nvPr>
-            <p:ph idx="1"/>
-          </p:nvPr>
-        </p:nvSpPr>
-        <p:spPr/>
-        <p:txBody>
-          <a:bodyPr>
-            <a:normAutofit/>
-          </a:bodyPr>
-          <a:lstStyle/>
-          <a:p>
-            <a:r>
-              <a:rPr lang="de-DE" sz="2800" dirty="0" smtClean="0"/>
-              <a:t>Ergebnis:</a:t>
-            </a:r>
-          </a:p>
-          <a:p>
-            <a:pPr lvl="1"/>
-            <a:r>
-              <a:rPr lang="de-DE" sz="2800" dirty="0"/>
-              <a:t>Bewertung der Effektivität und Effizienz von Interventions-, Förder- und </a:t>
-            </a:r>
-            <a:r>
-              <a:rPr lang="de-DE" sz="2800" dirty="0" smtClean="0"/>
-              <a:t>Präventionsprogrammen</a:t>
-            </a:r>
-          </a:p>
-          <a:p>
-            <a:pPr lvl="1"/>
-            <a:r>
-              <a:rPr lang="de-DE" sz="2800" dirty="0"/>
-              <a:t>Verbesserung der Datenlage zu aktuellen </a:t>
-            </a:r>
-            <a:r>
-              <a:rPr lang="de-DE" sz="2800" dirty="0" smtClean="0"/>
-              <a:t>Problemen</a:t>
-            </a:r>
-            <a:endParaRPr lang="de-DE" sz="2800" dirty="0"/>
-          </a:p>
-        </p:txBody>
-      </p:sp>
-      <p:sp>
-        <p:nvSpPr>
-          <p:cNvPr id="4" name="Fußzeilenplatzhalter 3"/>
-          <p:cNvSpPr>
-            <a:spLocks noGrp="1"/>
-          </p:cNvSpPr>
-          <p:nvPr>
-            <p:ph type="ftr" sz="quarter" idx="11"/>
-          </p:nvPr>
-        </p:nvSpPr>
-        <p:spPr/>
-        <p:txBody>
-          <a:bodyPr/>
-          <a:lstStyle/>
-          <a:p>
-            <a:r>
-              <a:rPr lang="en-US" smtClean="0"/>
-              <a:t>| Dominik Meixner | Dominique Cheray |</a:t>
-            </a:r>
-            <a:endParaRPr lang="en-US" dirty="0"/>
-          </a:p>
-        </p:txBody>
-      </p:sp>
-    </p:spTree>
-    <p:extLst>
-      <p:ext uri="{BB962C8B-B14F-4D97-AF65-F5344CB8AC3E}">
-        <p14:creationId xmlns:p14="http://schemas.microsoft.com/office/powerpoint/2010/main" val="2352266063"/>
-      </p:ext>
-    </p:extLst>
-  </p:cSld>
-  <p:clrMapOvr>
-    <a:masterClrMapping/>
-  </p:clrMapOvr>
-  <p:timing>
-    <p:tnLst>
-      <p:par>
-        <p:cTn id="1" dur="indefinite" restart="never" nodeType="tmRoot"/>
-      </p:par>
-    </p:tnLst>
-  </p:timing>
-</p:sld>
-</file>
-
-<file path=ppt/slides/slide19.xml><?xml version="1.0" encoding="utf-8"?>
-<p:sld xmlns:a="http://schemas.openxmlformats.org/drawingml/2006/main" xmlns:r="http://schemas.openxmlformats.org/officeDocument/2006/relationships" xmlns:p="http://schemas.openxmlformats.org/presentationml/2006/main">
-  <p:cSld>
-    <p:spTree>
-      <p:nvGrpSpPr>
-        <p:cNvPr id="1" name=""/>
-        <p:cNvGrpSpPr/>
-        <p:nvPr/>
-      </p:nvGrpSpPr>
-      <p:grpSpPr>
-        <a:xfrm>
-          <a:off x="0" y="0"/>
-          <a:ext cx="0" cy="0"/>
-          <a:chOff x="0" y="0"/>
-          <a:chExt cx="0" cy="0"/>
-        </a:xfrm>
-      </p:grpSpPr>
-      <p:sp>
-        <p:nvSpPr>
-          <p:cNvPr id="2" name="Titel 1"/>
-          <p:cNvSpPr>
-            <a:spLocks noGrp="1"/>
-          </p:cNvSpPr>
-          <p:nvPr>
-            <p:ph type="title"/>
-          </p:nvPr>
-        </p:nvSpPr>
-        <p:spPr/>
-        <p:txBody>
-          <a:bodyPr>
-            <a:normAutofit/>
-          </a:bodyPr>
-          <a:lstStyle/>
-          <a:p>
-            <a:r>
-              <a:rPr lang="de-DE" sz="4200" dirty="0" smtClean="0"/>
-              <a:t>Prozesse – Infektionsschutz</a:t>
-            </a:r>
-            <a:endParaRPr lang="de-DE" sz="4200" dirty="0"/>
-          </a:p>
-        </p:txBody>
-      </p:sp>
-      <p:sp>
-        <p:nvSpPr>
-          <p:cNvPr id="3" name="Inhaltsplatzhalter 2"/>
-          <p:cNvSpPr>
-            <a:spLocks noGrp="1"/>
-          </p:cNvSpPr>
-          <p:nvPr>
-            <p:ph idx="1"/>
-          </p:nvPr>
-        </p:nvSpPr>
-        <p:spPr/>
-        <p:txBody>
-          <a:bodyPr>
-            <a:normAutofit/>
-          </a:bodyPr>
-          <a:lstStyle/>
-          <a:p>
-            <a:r>
-              <a:rPr lang="de-DE" sz="2800" dirty="0" smtClean="0"/>
-              <a:t>Ziele:</a:t>
-            </a:r>
-          </a:p>
-          <a:p>
-            <a:pPr lvl="1"/>
-            <a:r>
-              <a:rPr lang="de-DE" sz="2800" dirty="0"/>
-              <a:t>Koordinierung von Infektionsschutzmaßnahmen und Früherkennung</a:t>
-            </a:r>
-          </a:p>
-          <a:p>
-            <a:pPr lvl="1"/>
-            <a:r>
-              <a:rPr lang="de-DE" sz="2800" dirty="0" smtClean="0"/>
-              <a:t>Verhütung und Bekämpfung übertragbarer Krankheiten</a:t>
-            </a:r>
-          </a:p>
-        </p:txBody>
-      </p:sp>
-      <p:sp>
-        <p:nvSpPr>
-          <p:cNvPr id="4" name="Fußzeilenplatzhalter 3"/>
-          <p:cNvSpPr>
-            <a:spLocks noGrp="1"/>
-          </p:cNvSpPr>
-          <p:nvPr>
-            <p:ph type="ftr" sz="quarter" idx="11"/>
-          </p:nvPr>
-        </p:nvSpPr>
-        <p:spPr/>
-        <p:txBody>
-          <a:bodyPr/>
-          <a:lstStyle/>
-          <a:p>
-            <a:r>
-              <a:rPr lang="en-US" smtClean="0"/>
-              <a:t>| Dominik Meixner | Dominique Cheray |</a:t>
-            </a:r>
-            <a:endParaRPr lang="en-US" dirty="0"/>
-          </a:p>
-        </p:txBody>
-      </p:sp>
-    </p:spTree>
-    <p:extLst>
-      <p:ext uri="{BB962C8B-B14F-4D97-AF65-F5344CB8AC3E}">
-        <p14:creationId xmlns:p14="http://schemas.microsoft.com/office/powerpoint/2010/main" val="2343431773"/>
-      </p:ext>
-    </p:extLst>
-  </p:cSld>
-  <p:clrMapOvr>
-    <a:masterClrMapping/>
-  </p:clrMapOvr>
 </p:sld>
 </file>
 
@@ -9834,30 +6702,13 @@
             <p:ph type="title"/>
           </p:nvPr>
         </p:nvSpPr>
-        <p:spPr/>
-        <p:txBody>
-          <a:bodyPr/>
-          <a:lstStyle/>
-          <a:p>
-            <a:r>
-              <a:rPr lang="de-DE" sz="4200" dirty="0" smtClean="0"/>
-              <a:t>Inhalt</a:t>
-            </a:r>
-            <a:endParaRPr lang="de-DE" sz="4200" dirty="0"/>
-          </a:p>
-        </p:txBody>
-      </p:sp>
-      <p:sp>
-        <p:nvSpPr>
-          <p:cNvPr id="3" name="Inhaltsplatzhalter 2"/>
-          <p:cNvSpPr>
-            <a:spLocks noGrp="1"/>
-          </p:cNvSpPr>
-          <p:nvPr>
-            <p:ph idx="1"/>
-          </p:nvPr>
-        </p:nvSpPr>
-        <p:spPr/>
+        <p:spPr>
+          <a:ln>
+            <a:solidFill>
+              <a:schemeClr val="bg1"/>
+            </a:solidFill>
+          </a:ln>
+        </p:spPr>
         <p:txBody>
           <a:bodyPr>
             <a:normAutofit/>
@@ -9865,33 +6716,60 @@
           <a:lstStyle/>
           <a:p>
             <a:r>
+              <a:rPr lang="de-DE" sz="4200" dirty="0" smtClean="0"/>
+              <a:t>Inhalt</a:t>
+            </a:r>
+            <a:endParaRPr lang="de-DE" sz="4200" dirty="0"/>
+          </a:p>
+        </p:txBody>
+      </p:sp>
+      <p:sp>
+        <p:nvSpPr>
+          <p:cNvPr id="7" name="Inhaltsplatzhalter 6"/>
+          <p:cNvSpPr>
+            <a:spLocks noGrp="1"/>
+          </p:cNvSpPr>
+          <p:nvPr>
+            <p:ph idx="1"/>
+          </p:nvPr>
+        </p:nvSpPr>
+        <p:spPr/>
+        <p:txBody>
+          <a:bodyPr>
+            <a:normAutofit/>
+          </a:bodyPr>
+          <a:lstStyle/>
+          <a:p>
+            <a:r>
               <a:rPr lang="de-DE" sz="2800" dirty="0" smtClean="0"/>
-              <a:t> Einführung</a:t>
+              <a:t>Definition</a:t>
             </a:r>
           </a:p>
           <a:p>
             <a:r>
               <a:rPr lang="de-DE" sz="2800" dirty="0" smtClean="0"/>
-              <a:t> Struktur</a:t>
+              <a:t>Organisation</a:t>
             </a:r>
           </a:p>
           <a:p>
             <a:r>
               <a:rPr lang="de-DE" sz="2800" dirty="0" smtClean="0"/>
-              <a:t> Aufgaben</a:t>
+              <a:t>Studienziele &amp; -aufgaben</a:t>
+            </a:r>
+          </a:p>
+          <a:p>
+            <a:r>
+              <a:rPr lang="de-DE" sz="2800" dirty="0"/>
+              <a:t>Studienaufbau</a:t>
             </a:r>
           </a:p>
           <a:p>
             <a:r>
               <a:rPr lang="de-DE" sz="2800" dirty="0" smtClean="0"/>
-              <a:t> Prozesse</a:t>
-            </a:r>
-          </a:p>
-          <a:p>
-            <a:r>
-              <a:rPr lang="de-DE" sz="2800" dirty="0" smtClean="0"/>
-              <a:t> IT-Bezug</a:t>
-            </a:r>
+              <a:t>Rechtliche Aspekte</a:t>
+            </a:r>
+          </a:p>
+          <a:p>
             <a:endParaRPr lang="de-DE" sz="2800" dirty="0"/>
           </a:p>
         </p:txBody>
@@ -9912,16 +6790,8 @@
           <a:lstStyle/>
           <a:p>
             <a:r>
-              <a:rPr lang="en-US" dirty="0" smtClean="0"/>
-              <a:t>| Dominik </a:t>
-            </a:r>
-            <a:r>
-              <a:rPr lang="en-US" dirty="0" err="1" smtClean="0"/>
-              <a:t>Meixner</a:t>
-            </a:r>
-            <a:r>
-              <a:rPr lang="en-US" dirty="0" smtClean="0"/>
-              <a:t> | Dominique Cheray |</a:t>
+              <a:rPr lang="en-US" smtClean="0"/>
+              <a:t>| Dominik Meixner | Dominique Cheray |</a:t>
             </a:r>
             <a:endParaRPr lang="en-US" dirty="0"/>
           </a:p>
@@ -9930,498 +6800,7 @@
     </p:spTree>
     <p:extLst>
       <p:ext uri="{BB962C8B-B14F-4D97-AF65-F5344CB8AC3E}">
-        <p14:creationId xmlns:p14="http://schemas.microsoft.com/office/powerpoint/2010/main" val="457666509"/>
-      </p:ext>
-    </p:extLst>
-  </p:cSld>
-  <p:clrMapOvr>
-    <a:masterClrMapping/>
-  </p:clrMapOvr>
-  <p:timing>
-    <p:tnLst>
-      <p:par>
-        <p:cTn id="1" dur="indefinite" restart="never" nodeType="tmRoot"/>
-      </p:par>
-    </p:tnLst>
-  </p:timing>
-</p:sld>
-</file>
-
-<file path=ppt/slides/slide20.xml><?xml version="1.0" encoding="utf-8"?>
-<p:sld xmlns:a="http://schemas.openxmlformats.org/drawingml/2006/main" xmlns:r="http://schemas.openxmlformats.org/officeDocument/2006/relationships" xmlns:p="http://schemas.openxmlformats.org/presentationml/2006/main">
-  <p:cSld>
-    <p:spTree>
-      <p:nvGrpSpPr>
-        <p:cNvPr id="1" name=""/>
-        <p:cNvGrpSpPr/>
-        <p:nvPr/>
-      </p:nvGrpSpPr>
-      <p:grpSpPr>
-        <a:xfrm>
-          <a:off x="0" y="0"/>
-          <a:ext cx="0" cy="0"/>
-          <a:chOff x="0" y="0"/>
-          <a:chExt cx="0" cy="0"/>
-        </a:xfrm>
-      </p:grpSpPr>
-      <p:sp>
-        <p:nvSpPr>
-          <p:cNvPr id="2" name="Titel 1"/>
-          <p:cNvSpPr>
-            <a:spLocks noGrp="1"/>
-          </p:cNvSpPr>
-          <p:nvPr>
-            <p:ph type="title"/>
-          </p:nvPr>
-        </p:nvSpPr>
-        <p:spPr/>
-        <p:txBody>
-          <a:bodyPr>
-            <a:normAutofit/>
-          </a:bodyPr>
-          <a:lstStyle/>
-          <a:p>
-            <a:r>
-              <a:rPr lang="de-DE" sz="4200" dirty="0"/>
-              <a:t>Prozesse – Infektionsschutz</a:t>
-            </a:r>
-          </a:p>
-        </p:txBody>
-      </p:sp>
-      <p:sp>
-        <p:nvSpPr>
-          <p:cNvPr id="3" name="Inhaltsplatzhalter 2"/>
-          <p:cNvSpPr>
-            <a:spLocks noGrp="1"/>
-          </p:cNvSpPr>
-          <p:nvPr>
-            <p:ph idx="1"/>
-          </p:nvPr>
-        </p:nvSpPr>
-        <p:spPr/>
-        <p:txBody>
-          <a:bodyPr>
-            <a:normAutofit/>
-          </a:bodyPr>
-          <a:lstStyle/>
-          <a:p>
-            <a:r>
-              <a:rPr lang="de-DE" sz="2800" dirty="0" smtClean="0"/>
-              <a:t>Vorgehen:</a:t>
-            </a:r>
-          </a:p>
-          <a:p>
-            <a:pPr lvl="1"/>
-            <a:r>
-              <a:rPr lang="de-DE" sz="2800" dirty="0" smtClean="0"/>
-              <a:t>Meldewesen</a:t>
-            </a:r>
-          </a:p>
-          <a:p>
-            <a:pPr lvl="1"/>
-            <a:r>
-              <a:rPr lang="de-DE" sz="2800" dirty="0" smtClean="0"/>
-              <a:t>Infektionsstatistik</a:t>
-            </a:r>
-          </a:p>
-          <a:p>
-            <a:pPr lvl="1"/>
-            <a:r>
-              <a:rPr lang="de-DE" sz="2800" dirty="0" smtClean="0"/>
-              <a:t>Impfungen</a:t>
-            </a:r>
-          </a:p>
-          <a:p>
-            <a:pPr lvl="1"/>
-            <a:r>
-              <a:rPr lang="de-DE" sz="2800" dirty="0" smtClean="0"/>
-              <a:t>Quarantänemaßnahmen</a:t>
-            </a:r>
-            <a:endParaRPr lang="de-DE" sz="2800" dirty="0"/>
-          </a:p>
-        </p:txBody>
-      </p:sp>
-      <p:sp>
-        <p:nvSpPr>
-          <p:cNvPr id="4" name="Fußzeilenplatzhalter 3"/>
-          <p:cNvSpPr>
-            <a:spLocks noGrp="1"/>
-          </p:cNvSpPr>
-          <p:nvPr>
-            <p:ph type="ftr" sz="quarter" idx="11"/>
-          </p:nvPr>
-        </p:nvSpPr>
-        <p:spPr/>
-        <p:txBody>
-          <a:bodyPr/>
-          <a:lstStyle/>
-          <a:p>
-            <a:r>
-              <a:rPr lang="en-US" smtClean="0"/>
-              <a:t>| Dominik Meixner | Dominique Cheray |</a:t>
-            </a:r>
-            <a:endParaRPr lang="en-US" dirty="0"/>
-          </a:p>
-        </p:txBody>
-      </p:sp>
-    </p:spTree>
-    <p:extLst>
-      <p:ext uri="{BB962C8B-B14F-4D97-AF65-F5344CB8AC3E}">
-        <p14:creationId xmlns:p14="http://schemas.microsoft.com/office/powerpoint/2010/main" val="2430749721"/>
-      </p:ext>
-    </p:extLst>
-  </p:cSld>
-  <p:clrMapOvr>
-    <a:masterClrMapping/>
-  </p:clrMapOvr>
-</p:sld>
-</file>
-
-<file path=ppt/slides/slide21.xml><?xml version="1.0" encoding="utf-8"?>
-<p:sld xmlns:a="http://schemas.openxmlformats.org/drawingml/2006/main" xmlns:r="http://schemas.openxmlformats.org/officeDocument/2006/relationships" xmlns:p="http://schemas.openxmlformats.org/presentationml/2006/main">
-  <p:cSld>
-    <p:spTree>
-      <p:nvGrpSpPr>
-        <p:cNvPr id="1" name=""/>
-        <p:cNvGrpSpPr/>
-        <p:nvPr/>
-      </p:nvGrpSpPr>
-      <p:grpSpPr>
-        <a:xfrm>
-          <a:off x="0" y="0"/>
-          <a:ext cx="0" cy="0"/>
-          <a:chOff x="0" y="0"/>
-          <a:chExt cx="0" cy="0"/>
-        </a:xfrm>
-      </p:grpSpPr>
-      <p:sp>
-        <p:nvSpPr>
-          <p:cNvPr id="2" name="Titel 1"/>
-          <p:cNvSpPr>
-            <a:spLocks noGrp="1"/>
-          </p:cNvSpPr>
-          <p:nvPr>
-            <p:ph type="title"/>
-          </p:nvPr>
-        </p:nvSpPr>
-        <p:spPr/>
-        <p:txBody>
-          <a:bodyPr>
-            <a:normAutofit/>
-          </a:bodyPr>
-          <a:lstStyle/>
-          <a:p>
-            <a:r>
-              <a:rPr lang="de-DE" sz="4200" dirty="0"/>
-              <a:t>Prozesse – Infektionsschutz</a:t>
-            </a:r>
-          </a:p>
-        </p:txBody>
-      </p:sp>
-      <p:sp>
-        <p:nvSpPr>
-          <p:cNvPr id="3" name="Inhaltsplatzhalter 2"/>
-          <p:cNvSpPr>
-            <a:spLocks noGrp="1"/>
-          </p:cNvSpPr>
-          <p:nvPr>
-            <p:ph idx="1"/>
-          </p:nvPr>
-        </p:nvSpPr>
-        <p:spPr/>
-        <p:txBody>
-          <a:bodyPr>
-            <a:noAutofit/>
-          </a:bodyPr>
-          <a:lstStyle/>
-          <a:p>
-            <a:r>
-              <a:rPr lang="de-DE" sz="2800" dirty="0" smtClean="0"/>
-              <a:t>Ergebnis: </a:t>
-            </a:r>
-            <a:endParaRPr lang="de-DE" sz="2800" dirty="0"/>
-          </a:p>
-          <a:p>
-            <a:pPr lvl="1"/>
-            <a:r>
-              <a:rPr lang="de-DE" sz="2800" dirty="0" smtClean="0"/>
-              <a:t>Vorschriften zum Infektionsschutz für Gemeinschaftseinrichtungen</a:t>
-            </a:r>
-          </a:p>
-          <a:p>
-            <a:pPr lvl="1"/>
-            <a:r>
-              <a:rPr lang="de-DE" sz="2800" dirty="0" smtClean="0"/>
-              <a:t>Überwachung von Wasser für menschlichen Gebrauch</a:t>
-            </a:r>
-          </a:p>
-          <a:p>
-            <a:pPr lvl="1"/>
-            <a:r>
-              <a:rPr lang="de-DE" sz="2800" dirty="0" smtClean="0"/>
-              <a:t>Sicherheitsbestimmungen bei Tätigkeiten mit Krankheitserregern und den Umgang mit biologischen Risikostoffen</a:t>
-            </a:r>
-            <a:endParaRPr lang="de-DE" sz="2800" dirty="0"/>
-          </a:p>
-        </p:txBody>
-      </p:sp>
-      <p:sp>
-        <p:nvSpPr>
-          <p:cNvPr id="4" name="Fußzeilenplatzhalter 3"/>
-          <p:cNvSpPr>
-            <a:spLocks noGrp="1"/>
-          </p:cNvSpPr>
-          <p:nvPr>
-            <p:ph type="ftr" sz="quarter" idx="11"/>
-          </p:nvPr>
-        </p:nvSpPr>
-        <p:spPr/>
-        <p:txBody>
-          <a:bodyPr/>
-          <a:lstStyle/>
-          <a:p>
-            <a:r>
-              <a:rPr lang="en-US" smtClean="0"/>
-              <a:t>| Dominik Meixner | Dominique Cheray |</a:t>
-            </a:r>
-            <a:endParaRPr lang="en-US" dirty="0"/>
-          </a:p>
-        </p:txBody>
-      </p:sp>
-    </p:spTree>
-    <p:extLst>
-      <p:ext uri="{BB962C8B-B14F-4D97-AF65-F5344CB8AC3E}">
-        <p14:creationId xmlns:p14="http://schemas.microsoft.com/office/powerpoint/2010/main" val="3782728269"/>
-      </p:ext>
-    </p:extLst>
-  </p:cSld>
-  <p:clrMapOvr>
-    <a:masterClrMapping/>
-  </p:clrMapOvr>
-</p:sld>
-</file>
-
-<file path=ppt/slides/slide22.xml><?xml version="1.0" encoding="utf-8"?>
-<p:sld xmlns:a="http://schemas.openxmlformats.org/drawingml/2006/main" xmlns:r="http://schemas.openxmlformats.org/officeDocument/2006/relationships" xmlns:p="http://schemas.openxmlformats.org/presentationml/2006/main">
-  <p:cSld>
-    <p:spTree>
-      <p:nvGrpSpPr>
-        <p:cNvPr id="1" name=""/>
-        <p:cNvGrpSpPr/>
-        <p:nvPr/>
-      </p:nvGrpSpPr>
-      <p:grpSpPr>
-        <a:xfrm>
-          <a:off x="0" y="0"/>
-          <a:ext cx="0" cy="0"/>
-          <a:chOff x="0" y="0"/>
-          <a:chExt cx="0" cy="0"/>
-        </a:xfrm>
-      </p:grpSpPr>
-      <p:sp>
-        <p:nvSpPr>
-          <p:cNvPr id="2" name="Titel 1"/>
-          <p:cNvSpPr>
-            <a:spLocks noGrp="1"/>
-          </p:cNvSpPr>
-          <p:nvPr>
-            <p:ph type="title"/>
-          </p:nvPr>
-        </p:nvSpPr>
-        <p:spPr/>
-        <p:txBody>
-          <a:bodyPr>
-            <a:normAutofit/>
-          </a:bodyPr>
-          <a:lstStyle/>
-          <a:p>
-            <a:r>
-              <a:rPr lang="de-DE" sz="4200" dirty="0" smtClean="0"/>
-              <a:t>IT-Bezug</a:t>
-            </a:r>
-            <a:endParaRPr lang="de-DE" sz="4200" dirty="0"/>
-          </a:p>
-        </p:txBody>
-      </p:sp>
-      <p:sp>
-        <p:nvSpPr>
-          <p:cNvPr id="3" name="Inhaltsplatzhalter 2"/>
-          <p:cNvSpPr>
-            <a:spLocks noGrp="1"/>
-          </p:cNvSpPr>
-          <p:nvPr>
-            <p:ph idx="1"/>
-          </p:nvPr>
-        </p:nvSpPr>
-        <p:spPr/>
-        <p:txBody>
-          <a:bodyPr>
-            <a:normAutofit lnSpcReduction="10000"/>
-          </a:bodyPr>
-          <a:lstStyle/>
-          <a:p>
-            <a:r>
-              <a:rPr lang="de-DE" sz="2800" dirty="0" smtClean="0"/>
-              <a:t>Rechnerunterstützte Datenauswertung der Daten für Gesundheitsberichterstattung</a:t>
-            </a:r>
-          </a:p>
-          <a:p>
-            <a:r>
-              <a:rPr lang="de-DE" sz="2800" dirty="0" smtClean="0"/>
-              <a:t>Rechnerunterstützte Analyse von Krankheitsmeldungen</a:t>
-            </a:r>
-          </a:p>
-          <a:p>
-            <a:r>
-              <a:rPr lang="de-DE" sz="2800" dirty="0" smtClean="0"/>
-              <a:t>Rechnerunterstütztes Meldewesen im Infektionsschutz</a:t>
-            </a:r>
-          </a:p>
-          <a:p>
-            <a:r>
-              <a:rPr lang="de-DE" sz="2800" dirty="0" smtClean="0"/>
-              <a:t>Automatisierte Auswertung der Daten für Morbiditäts- und Mortalitätsstatistiken </a:t>
-            </a:r>
-            <a:endParaRPr lang="de-DE" sz="2800" dirty="0"/>
-          </a:p>
-        </p:txBody>
-      </p:sp>
-      <p:sp>
-        <p:nvSpPr>
-          <p:cNvPr id="4" name="Fußzeilenplatzhalter 3"/>
-          <p:cNvSpPr>
-            <a:spLocks noGrp="1"/>
-          </p:cNvSpPr>
-          <p:nvPr>
-            <p:ph type="ftr" sz="quarter" idx="11"/>
-          </p:nvPr>
-        </p:nvSpPr>
-        <p:spPr/>
-        <p:txBody>
-          <a:bodyPr/>
-          <a:lstStyle/>
-          <a:p>
-            <a:r>
-              <a:rPr lang="en-US" smtClean="0"/>
-              <a:t>| Dominik Meixner | Dominique Cheray |</a:t>
-            </a:r>
-            <a:endParaRPr lang="en-US" dirty="0"/>
-          </a:p>
-        </p:txBody>
-      </p:sp>
-    </p:spTree>
-    <p:extLst>
-      <p:ext uri="{BB962C8B-B14F-4D97-AF65-F5344CB8AC3E}">
-        <p14:creationId xmlns:p14="http://schemas.microsoft.com/office/powerpoint/2010/main" val="299007406"/>
-      </p:ext>
-    </p:extLst>
-  </p:cSld>
-  <p:clrMapOvr>
-    <a:masterClrMapping/>
-  </p:clrMapOvr>
-</p:sld>
-</file>
-
-<file path=ppt/slides/slide23.xml><?xml version="1.0" encoding="utf-8"?>
-<p:sld xmlns:a="http://schemas.openxmlformats.org/drawingml/2006/main" xmlns:r="http://schemas.openxmlformats.org/officeDocument/2006/relationships" xmlns:p="http://schemas.openxmlformats.org/presentationml/2006/main">
-  <p:cSld>
-    <p:spTree>
-      <p:nvGrpSpPr>
-        <p:cNvPr id="1" name=""/>
-        <p:cNvGrpSpPr/>
-        <p:nvPr/>
-      </p:nvGrpSpPr>
-      <p:grpSpPr>
-        <a:xfrm>
-          <a:off x="0" y="0"/>
-          <a:ext cx="0" cy="0"/>
-          <a:chOff x="0" y="0"/>
-          <a:chExt cx="0" cy="0"/>
-        </a:xfrm>
-      </p:grpSpPr>
-      <p:sp>
-        <p:nvSpPr>
-          <p:cNvPr id="2" name="Titel 1"/>
-          <p:cNvSpPr>
-            <a:spLocks noGrp="1"/>
-          </p:cNvSpPr>
-          <p:nvPr>
-            <p:ph type="title"/>
-          </p:nvPr>
-        </p:nvSpPr>
-        <p:spPr/>
-        <p:txBody>
-          <a:bodyPr>
-            <a:normAutofit/>
-          </a:bodyPr>
-          <a:lstStyle/>
-          <a:p>
-            <a:r>
-              <a:rPr lang="de-DE" sz="4200" dirty="0" smtClean="0"/>
-              <a:t>IT-Bezug</a:t>
-            </a:r>
-            <a:endParaRPr lang="de-DE" sz="4200" dirty="0"/>
-          </a:p>
-        </p:txBody>
-      </p:sp>
-      <p:sp>
-        <p:nvSpPr>
-          <p:cNvPr id="3" name="Inhaltsplatzhalter 2"/>
-          <p:cNvSpPr>
-            <a:spLocks noGrp="1"/>
-          </p:cNvSpPr>
-          <p:nvPr>
-            <p:ph idx="1"/>
-          </p:nvPr>
-        </p:nvSpPr>
-        <p:spPr/>
-        <p:txBody>
-          <a:bodyPr>
-            <a:normAutofit/>
-          </a:bodyPr>
-          <a:lstStyle/>
-          <a:p>
-            <a:r>
-              <a:rPr lang="de-DE" sz="2800" dirty="0" smtClean="0"/>
-              <a:t>Rechnerunterstützte Datenerfassung epidemiologischer Studienergebnisse</a:t>
-            </a:r>
-          </a:p>
-          <a:p>
-            <a:r>
-              <a:rPr lang="de-DE" sz="2800" dirty="0" smtClean="0"/>
-              <a:t>Rechnerunterstützte Erschließung bevölkerungsbezogener Daten </a:t>
-            </a:r>
-            <a:endParaRPr lang="de-DE" sz="2800" dirty="0"/>
-          </a:p>
-        </p:txBody>
-      </p:sp>
-      <p:sp>
-        <p:nvSpPr>
-          <p:cNvPr id="4" name="Fußzeilenplatzhalter 3"/>
-          <p:cNvSpPr>
-            <a:spLocks noGrp="1"/>
-          </p:cNvSpPr>
-          <p:nvPr>
-            <p:ph type="ftr" sz="quarter" idx="11"/>
-          </p:nvPr>
-        </p:nvSpPr>
-        <p:spPr/>
-        <p:txBody>
-          <a:bodyPr/>
-          <a:lstStyle/>
-          <a:p>
-            <a:r>
-              <a:rPr lang="en-US" smtClean="0"/>
-              <a:t>| Dominik Meixner | Dominique Cheray |</a:t>
-            </a:r>
-            <a:endParaRPr lang="en-US" dirty="0"/>
-          </a:p>
-        </p:txBody>
-      </p:sp>
-    </p:spTree>
-    <p:extLst>
-      <p:ext uri="{BB962C8B-B14F-4D97-AF65-F5344CB8AC3E}">
-        <p14:creationId xmlns:p14="http://schemas.microsoft.com/office/powerpoint/2010/main" val="2222928316"/>
+        <p14:creationId xmlns:p14="http://schemas.microsoft.com/office/powerpoint/2010/main" val="1222809687"/>
       </p:ext>
     </p:extLst>
   </p:cSld>
@@ -10471,56 +6850,29 @@
           <a:lstStyle/>
           <a:p>
             <a:r>
-              <a:rPr lang="de-DE" sz="4200" dirty="0" smtClean="0"/>
-              <a:t>Einführung</a:t>
-            </a:r>
-            <a:endParaRPr lang="de-DE" sz="4200" dirty="0"/>
-          </a:p>
-        </p:txBody>
-      </p:sp>
-      <p:sp>
-        <p:nvSpPr>
-          <p:cNvPr id="3" name="Inhaltsplatzhalter 2"/>
-          <p:cNvSpPr>
-            <a:spLocks noGrp="1"/>
-          </p:cNvSpPr>
-          <p:nvPr>
-            <p:ph idx="1"/>
+              <a:rPr lang="de-DE" dirty="0" smtClean="0"/>
+              <a:t>Definition</a:t>
+            </a:r>
+            <a:endParaRPr lang="de-DE" dirty="0"/>
+          </a:p>
+        </p:txBody>
+      </p:sp>
+      <p:sp>
+        <p:nvSpPr>
+          <p:cNvPr id="3" name="Textplatzhalter 2"/>
+          <p:cNvSpPr>
+            <a:spLocks noGrp="1"/>
+          </p:cNvSpPr>
+          <p:nvPr>
+            <p:ph type="body" idx="1"/>
           </p:nvPr>
         </p:nvSpPr>
         <p:spPr/>
         <p:txBody>
-          <a:bodyPr>
-            <a:normAutofit/>
-          </a:bodyPr>
-          <a:lstStyle/>
-          <a:p>
-            <a:r>
-              <a:rPr lang="de-DE" sz="2800" dirty="0" smtClean="0"/>
-              <a:t>Gesundheitsamt ist Teil des öffentlichen Gesundheitsdienstes</a:t>
-            </a:r>
-          </a:p>
-          <a:p>
-            <a:r>
-              <a:rPr lang="de-DE" sz="2800" dirty="0" smtClean="0"/>
-              <a:t>Ziel des öffentlichen Gesundheitsdienstes: Schutz der Gesundheit der Bevölkerung</a:t>
-            </a:r>
-          </a:p>
-          <a:p>
-            <a:r>
-              <a:rPr lang="de-DE" sz="2800" dirty="0" smtClean="0"/>
-              <a:t>Aufbau und Aufgaben des Gesundheitsamtes sind bundeslandspezifisch</a:t>
-            </a:r>
-            <a:br>
-              <a:rPr lang="de-DE" sz="2800" dirty="0" smtClean="0"/>
-            </a:br>
-            <a:r>
-              <a:rPr lang="de-DE" sz="2800" dirty="0" smtClean="0">
-                <a:sym typeface="Wingdings" panose="05000000000000000000" pitchFamily="2" charset="2"/>
-              </a:rPr>
-              <a:t> beispielhaft Baden-Württemberg </a:t>
-            </a:r>
-            <a:endParaRPr lang="de-DE" sz="2800" dirty="0" smtClean="0"/>
+          <a:bodyPr/>
+          <a:lstStyle/>
+          <a:p>
+            <a:endParaRPr lang="de-DE"/>
           </a:p>
         </p:txBody>
       </p:sp>
@@ -10540,16 +6892,8 @@
           <a:lstStyle/>
           <a:p>
             <a:r>
-              <a:rPr lang="en-US" dirty="0" smtClean="0"/>
-              <a:t>| Dominik </a:t>
-            </a:r>
-            <a:r>
-              <a:rPr lang="en-US" dirty="0" err="1" smtClean="0"/>
-              <a:t>Meixner</a:t>
-            </a:r>
-            <a:r>
-              <a:rPr lang="en-US" dirty="0" smtClean="0"/>
-              <a:t> | Dominique Cheray |</a:t>
+              <a:rPr lang="en-US" smtClean="0"/>
+              <a:t>| Dominik Meixner | Dominique Cheray |</a:t>
             </a:r>
             <a:endParaRPr lang="en-US" dirty="0"/>
           </a:p>
@@ -10558,7 +6902,7 @@
     </p:spTree>
     <p:extLst>
       <p:ext uri="{BB962C8B-B14F-4D97-AF65-F5344CB8AC3E}">
-        <p14:creationId xmlns:p14="http://schemas.microsoft.com/office/powerpoint/2010/main" val="1803939598"/>
+        <p14:creationId xmlns:p14="http://schemas.microsoft.com/office/powerpoint/2010/main" val="4075302834"/>
       </p:ext>
     </p:extLst>
   </p:cSld>
@@ -10604,16 +6948,37 @@
         </p:nvSpPr>
         <p:spPr/>
         <p:txBody>
-          <a:bodyPr>
-            <a:normAutofit/>
-          </a:bodyPr>
-          <a:lstStyle/>
-          <a:p>
-            <a:r>
-              <a:rPr lang="de-DE" sz="4200" dirty="0" smtClean="0"/>
-              <a:t>Struktur</a:t>
-            </a:r>
-            <a:endParaRPr lang="de-DE" sz="4200" dirty="0"/>
+          <a:bodyPr/>
+          <a:lstStyle/>
+          <a:p>
+            <a:r>
+              <a:rPr lang="de-DE" dirty="0" smtClean="0"/>
+              <a:t>Definition</a:t>
+            </a:r>
+            <a:endParaRPr lang="de-DE" dirty="0"/>
+          </a:p>
+        </p:txBody>
+      </p:sp>
+      <p:sp>
+        <p:nvSpPr>
+          <p:cNvPr id="3" name="Inhaltsplatzhalter 2"/>
+          <p:cNvSpPr>
+            <a:spLocks noGrp="1"/>
+          </p:cNvSpPr>
+          <p:nvPr>
+            <p:ph idx="1"/>
+          </p:nvPr>
+        </p:nvSpPr>
+        <p:spPr/>
+        <p:txBody>
+          <a:bodyPr/>
+          <a:lstStyle/>
+          <a:p>
+            <a:r>
+              <a:rPr lang="de-DE" dirty="0" smtClean="0"/>
+              <a:t>Eine groß angelegte Langzeit-Bevölkerungsstudie zur Erforschung von Volkskrankheiten, ihrer Früherkennung und Prävention</a:t>
+            </a:r>
+            <a:endParaRPr lang="de-DE" dirty="0"/>
           </a:p>
         </p:txBody>
       </p:sp>
@@ -10640,39 +7005,10 @@
           </a:p>
         </p:txBody>
       </p:sp>
-      <p:pic>
-        <p:nvPicPr>
-          <p:cNvPr id="7" name="Inhaltsplatzhalter 6"/>
-          <p:cNvPicPr>
-            <a:picLocks noGrp="1" noChangeAspect="1"/>
-          </p:cNvPicPr>
-          <p:nvPr>
-            <p:ph idx="1"/>
-          </p:nvPr>
-        </p:nvPicPr>
-        <p:blipFill>
-          <a:blip r:embed="rId3">
-            <a:extLst>
-              <a:ext uri="{28A0092B-C50C-407E-A947-70E740481C1C}">
-                <a14:useLocalDpi xmlns:a14="http://schemas.microsoft.com/office/drawing/2010/main" val="0"/>
-              </a:ext>
-            </a:extLst>
-          </a:blip>
-          <a:stretch>
-            <a:fillRect/>
-          </a:stretch>
-        </p:blipFill>
-        <p:spPr>
-          <a:xfrm>
-            <a:off x="2775744" y="2429669"/>
-            <a:ext cx="4400550" cy="3343275"/>
-          </a:xfrm>
-        </p:spPr>
-      </p:pic>
     </p:spTree>
     <p:extLst>
       <p:ext uri="{BB962C8B-B14F-4D97-AF65-F5344CB8AC3E}">
-        <p14:creationId xmlns:p14="http://schemas.microsoft.com/office/powerpoint/2010/main" val="3339776358"/>
+        <p14:creationId xmlns:p14="http://schemas.microsoft.com/office/powerpoint/2010/main" val="3351687333"/>
       </p:ext>
     </p:extLst>
   </p:cSld>
@@ -10718,59 +7054,33 @@
         </p:nvSpPr>
         <p:spPr/>
         <p:txBody>
-          <a:bodyPr>
-            <a:normAutofit/>
-          </a:bodyPr>
-          <a:lstStyle/>
-          <a:p>
-            <a:r>
-              <a:rPr lang="de-DE" sz="4200" dirty="0" smtClean="0"/>
-              <a:t>Struktur - Landesgesundheitsamt</a:t>
-            </a:r>
-            <a:endParaRPr lang="de-DE" sz="4200" dirty="0"/>
-          </a:p>
-        </p:txBody>
-      </p:sp>
-      <p:sp>
-        <p:nvSpPr>
-          <p:cNvPr id="3" name="Inhaltsplatzhalter 2"/>
-          <p:cNvSpPr>
-            <a:spLocks noGrp="1"/>
-          </p:cNvSpPr>
-          <p:nvPr>
-            <p:ph idx="1"/>
+          <a:bodyPr/>
+          <a:lstStyle/>
+          <a:p>
+            <a:r>
+              <a:rPr lang="de-DE" dirty="0" smtClean="0"/>
+              <a:t>Organisation</a:t>
+            </a:r>
+            <a:endParaRPr lang="de-DE" dirty="0"/>
+          </a:p>
+        </p:txBody>
+      </p:sp>
+      <p:sp>
+        <p:nvSpPr>
+          <p:cNvPr id="3" name="Textplatzhalter 2"/>
+          <p:cNvSpPr>
+            <a:spLocks noGrp="1"/>
+          </p:cNvSpPr>
+          <p:nvPr>
+            <p:ph type="body" idx="1"/>
           </p:nvPr>
         </p:nvSpPr>
         <p:spPr/>
         <p:txBody>
-          <a:bodyPr>
-            <a:normAutofit/>
-          </a:bodyPr>
-          <a:lstStyle/>
-          <a:p>
-            <a:r>
-              <a:rPr lang="de-DE" sz="2800" dirty="0" smtClean="0"/>
-              <a:t>Fachliche Leitstelle für öffentlichen Gesundheitsdienst</a:t>
-            </a:r>
-          </a:p>
-          <a:p>
-            <a:r>
-              <a:rPr lang="de-DE" sz="2800" dirty="0" smtClean="0"/>
-              <a:t>Abteilung 9 des Regierungspräsidiums Stuttgart</a:t>
-            </a:r>
-          </a:p>
-          <a:p>
-            <a:r>
-              <a:rPr lang="de-DE" sz="2800" dirty="0" smtClean="0"/>
-              <a:t>Besteht aus sechs Referaten</a:t>
-            </a:r>
-          </a:p>
-          <a:p>
-            <a:r>
-              <a:rPr lang="de-DE" sz="2800" dirty="0" smtClean="0"/>
-              <a:t>Mehrere Kompetenzzentren und Netzwerke eingegliedert</a:t>
-            </a:r>
-            <a:endParaRPr lang="de-DE" sz="2800" dirty="0"/>
+          <a:bodyPr/>
+          <a:lstStyle/>
+          <a:p>
+            <a:endParaRPr lang="de-DE"/>
           </a:p>
         </p:txBody>
       </p:sp>
@@ -10800,7 +7110,7 @@
     </p:spTree>
     <p:extLst>
       <p:ext uri="{BB962C8B-B14F-4D97-AF65-F5344CB8AC3E}">
-        <p14:creationId xmlns:p14="http://schemas.microsoft.com/office/powerpoint/2010/main" val="2685514354"/>
+        <p14:creationId xmlns:p14="http://schemas.microsoft.com/office/powerpoint/2010/main" val="2579892466"/>
       </p:ext>
     </p:extLst>
   </p:cSld>
@@ -10846,15 +7156,14 @@
         </p:nvSpPr>
         <p:spPr/>
         <p:txBody>
-          <a:bodyPr>
-            <a:normAutofit/>
-          </a:bodyPr>
-          <a:lstStyle/>
-          <a:p>
-            <a:r>
-              <a:rPr lang="de-DE" sz="4200" dirty="0"/>
-              <a:t>Struktur - Landesgesundheitsamt</a:t>
-            </a:r>
+          <a:bodyPr/>
+          <a:lstStyle/>
+          <a:p>
+            <a:r>
+              <a:rPr lang="de-DE" dirty="0" smtClean="0"/>
+              <a:t>Organisation - Beteiligte </a:t>
+            </a:r>
+            <a:endParaRPr lang="de-DE" dirty="0"/>
           </a:p>
         </p:txBody>
       </p:sp>
@@ -10870,36 +7179,32 @@
         </p:nvSpPr>
         <p:spPr/>
         <p:txBody>
-          <a:bodyPr>
-            <a:normAutofit/>
-          </a:bodyPr>
-          <a:lstStyle/>
-          <a:p>
-            <a:r>
-              <a:rPr lang="de-DE" sz="2800" dirty="0" smtClean="0"/>
-              <a:t>Referate des Landesgesundheitsamtes</a:t>
-            </a:r>
-          </a:p>
-          <a:p>
-            <a:pPr lvl="1"/>
-            <a:r>
-              <a:rPr lang="de-DE" sz="2800" dirty="0" smtClean="0"/>
-              <a:t>Referat 91: Recht und Verwaltung</a:t>
-            </a:r>
-          </a:p>
-          <a:p>
-            <a:pPr lvl="1"/>
-            <a:r>
-              <a:rPr lang="de-DE" sz="2800" dirty="0" smtClean="0"/>
-              <a:t>Referat 92: Landesprüfungsamt für Medizin und Pharmazie, Approbationswesen</a:t>
-            </a:r>
-          </a:p>
-          <a:p>
-            <a:pPr lvl="1"/>
-            <a:r>
-              <a:rPr lang="de-DE" sz="2800" dirty="0" smtClean="0"/>
-              <a:t>Referat 93: Allgemeine Hygiene, Infektionsschutz</a:t>
-            </a:r>
+          <a:bodyPr/>
+          <a:lstStyle/>
+          <a:p>
+            <a:r>
+              <a:rPr lang="de-DE" dirty="0" smtClean="0"/>
+              <a:t>Helmholtz-Gemeinschaft</a:t>
+            </a:r>
+          </a:p>
+          <a:p>
+            <a:r>
+              <a:rPr lang="de-DE" dirty="0" smtClean="0"/>
+              <a:t>13 Universitäten</a:t>
+            </a:r>
+          </a:p>
+          <a:p>
+            <a:r>
+              <a:rPr lang="de-DE" dirty="0" smtClean="0"/>
+              <a:t>Leibniz-Gemeinschaft</a:t>
+            </a:r>
+          </a:p>
+          <a:p>
+            <a:r>
+              <a:rPr lang="de-DE" dirty="0" smtClean="0"/>
+              <a:t>Fraunhofer Gesellschaft</a:t>
+            </a:r>
+            <a:endParaRPr lang="de-DE" dirty="0"/>
           </a:p>
         </p:txBody>
       </p:sp>
@@ -10929,7 +7234,7 @@
     </p:spTree>
     <p:extLst>
       <p:ext uri="{BB962C8B-B14F-4D97-AF65-F5344CB8AC3E}">
-        <p14:creationId xmlns:p14="http://schemas.microsoft.com/office/powerpoint/2010/main" val="489741512"/>
+        <p14:creationId xmlns:p14="http://schemas.microsoft.com/office/powerpoint/2010/main" val="3552169800"/>
       </p:ext>
     </p:extLst>
   </p:cSld>
@@ -10975,15 +7280,14 @@
         </p:nvSpPr>
         <p:spPr/>
         <p:txBody>
-          <a:bodyPr>
-            <a:normAutofit/>
-          </a:bodyPr>
-          <a:lstStyle/>
-          <a:p>
-            <a:r>
-              <a:rPr lang="de-DE" sz="4200" dirty="0"/>
-              <a:t>Struktur - Landesgesundheitsamt</a:t>
-            </a:r>
+          <a:bodyPr/>
+          <a:lstStyle/>
+          <a:p>
+            <a:r>
+              <a:rPr lang="de-DE" dirty="0" smtClean="0"/>
+              <a:t>Organisation - Finanzierung</a:t>
+            </a:r>
+            <a:endParaRPr lang="de-DE" dirty="0"/>
           </a:p>
         </p:txBody>
       </p:sp>
@@ -11003,39 +7307,28 @@
           <a:lstStyle/>
           <a:p>
             <a:r>
-              <a:rPr lang="de-DE" sz="2800" dirty="0"/>
-              <a:t>Referate des </a:t>
-            </a:r>
-            <a:r>
-              <a:rPr lang="de-DE" sz="2800" dirty="0" smtClean="0"/>
-              <a:t>Landesgesundheitsamtes</a:t>
-            </a:r>
-          </a:p>
-          <a:p>
-            <a:pPr lvl="1"/>
-            <a:r>
-              <a:rPr lang="de-DE" sz="2600" dirty="0"/>
-              <a:t>Referat 94: Gesundheitsförderung, Prävention, Landesarzt für behinderte </a:t>
-            </a:r>
-            <a:r>
-              <a:rPr lang="de-DE" sz="2600" dirty="0" smtClean="0"/>
-              <a:t>Menschen</a:t>
-            </a:r>
-            <a:endParaRPr lang="de-DE" sz="2600" dirty="0"/>
-          </a:p>
-          <a:p>
-            <a:pPr lvl="1"/>
-            <a:r>
-              <a:rPr lang="de-DE" sz="2800" dirty="0" smtClean="0"/>
-              <a:t>Referat 95: Epidemiologie</a:t>
-            </a:r>
-          </a:p>
-          <a:p>
-            <a:pPr lvl="1"/>
-            <a:r>
-              <a:rPr lang="de-DE" sz="2800" dirty="0" smtClean="0"/>
-              <a:t>Referat 96: Arbeitsmedizin, Umweltbezogener Gesundheitsschutz, Staatlicher Gewerbearzt</a:t>
-            </a:r>
+              <a:rPr lang="de-DE" dirty="0" smtClean="0"/>
+              <a:t>Bundesministerium für Bildung und Forschung</a:t>
+            </a:r>
+          </a:p>
+          <a:p>
+            <a:r>
+              <a:rPr lang="de-DE" dirty="0" smtClean="0"/>
+              <a:t>14 beteiligte Bundesländer</a:t>
+            </a:r>
+          </a:p>
+          <a:p>
+            <a:r>
+              <a:rPr lang="de-DE" dirty="0" smtClean="0"/>
+              <a:t>Helmholtz-Gemeinschaft</a:t>
+            </a:r>
+          </a:p>
+          <a:p>
+            <a:r>
+              <a:rPr lang="de-DE" dirty="0" smtClean="0"/>
+              <a:t>210 Mio. Euro</a:t>
+            </a:r>
+            <a:endParaRPr lang="de-DE" dirty="0"/>
           </a:p>
         </p:txBody>
       </p:sp>
@@ -11065,7 +7358,7 @@
     </p:spTree>
     <p:extLst>
       <p:ext uri="{BB962C8B-B14F-4D97-AF65-F5344CB8AC3E}">
-        <p14:creationId xmlns:p14="http://schemas.microsoft.com/office/powerpoint/2010/main" val="1485707775"/>
+        <p14:creationId xmlns:p14="http://schemas.microsoft.com/office/powerpoint/2010/main" val="48339080"/>
       </p:ext>
     </p:extLst>
   </p:cSld>
@@ -11111,20 +7404,14 @@
         </p:nvSpPr>
         <p:spPr/>
         <p:txBody>
-          <a:bodyPr>
-            <a:noAutofit/>
-          </a:bodyPr>
-          <a:lstStyle/>
-          <a:p>
-            <a:r>
-              <a:rPr lang="de-DE" sz="4200" dirty="0"/>
-              <a:t>Struktur </a:t>
-            </a:r>
-            <a:r>
-              <a:rPr lang="de-DE" sz="4200" dirty="0" smtClean="0"/>
-              <a:t>– Gesundheitsämter in Stadt- und Landkreisen</a:t>
-            </a:r>
-            <a:endParaRPr lang="de-DE" sz="4200" dirty="0"/>
+          <a:bodyPr/>
+          <a:lstStyle/>
+          <a:p>
+            <a:r>
+              <a:rPr lang="de-DE" dirty="0" smtClean="0"/>
+              <a:t>Organisation - Aufbau</a:t>
+            </a:r>
+            <a:endParaRPr lang="de-DE" dirty="0"/>
           </a:p>
         </p:txBody>
       </p:sp>
@@ -11140,34 +7427,44 @@
         </p:nvSpPr>
         <p:spPr/>
         <p:txBody>
-          <a:bodyPr>
-            <a:normAutofit/>
-          </a:bodyPr>
-          <a:lstStyle/>
-          <a:p>
-            <a:r>
-              <a:rPr lang="de-DE" sz="2800" dirty="0" smtClean="0"/>
-              <a:t>35 Gesundheitsämter in Landratsämtern</a:t>
-            </a:r>
-          </a:p>
-          <a:p>
-            <a:r>
-              <a:rPr lang="de-DE" sz="2800" dirty="0" smtClean="0"/>
-              <a:t>3 städtische Gesundheitsämter</a:t>
-            </a:r>
-          </a:p>
-          <a:p>
-            <a:r>
-              <a:rPr lang="de-DE" sz="2800" dirty="0" smtClean="0"/>
-              <a:t>Sind untere Gesundheitsbehörden vor Ort</a:t>
-            </a:r>
-          </a:p>
-          <a:p>
-            <a:r>
-              <a:rPr lang="de-DE" sz="2800" dirty="0" smtClean="0"/>
-              <a:t>Eigentliche Ansprechpartner für gesundheitliche Belange</a:t>
-            </a:r>
-            <a:endParaRPr lang="de-DE" sz="2800" dirty="0"/>
+          <a:bodyPr/>
+          <a:lstStyle/>
+          <a:p>
+            <a:r>
+              <a:rPr lang="de-DE" dirty="0" smtClean="0"/>
+              <a:t>18 Studienzentren</a:t>
+            </a:r>
+          </a:p>
+          <a:p>
+            <a:r>
+              <a:rPr lang="de-DE" dirty="0" smtClean="0"/>
+              <a:t>Ein Zentrales Bio-Repository</a:t>
+            </a:r>
+          </a:p>
+          <a:p>
+            <a:r>
+              <a:rPr lang="de-DE" dirty="0" smtClean="0"/>
+              <a:t>Zwei Integrationszentren</a:t>
+            </a:r>
+          </a:p>
+          <a:p>
+            <a:r>
+              <a:rPr lang="de-DE" dirty="0" smtClean="0"/>
+              <a:t>Ein Transferzentrum</a:t>
+            </a:r>
+          </a:p>
+          <a:p>
+            <a:r>
+              <a:rPr lang="de-DE" dirty="0" smtClean="0"/>
+              <a:t>Eine unabhängige Treuhandstelle</a:t>
+            </a:r>
+          </a:p>
+          <a:p>
+            <a:r>
+              <a:rPr lang="de-DE" dirty="0" smtClean="0"/>
+              <a:t>Zentrales Qualitätsmanagement</a:t>
+            </a:r>
+            <a:endParaRPr lang="de-DE" dirty="0"/>
           </a:p>
         </p:txBody>
       </p:sp>
@@ -11197,146 +7494,7 @@
     </p:spTree>
     <p:extLst>
       <p:ext uri="{BB962C8B-B14F-4D97-AF65-F5344CB8AC3E}">
-        <p14:creationId xmlns:p14="http://schemas.microsoft.com/office/powerpoint/2010/main" val="2547116917"/>
-      </p:ext>
-    </p:extLst>
-  </p:cSld>
-  <p:clrMapOvr>
-    <a:masterClrMapping/>
-  </p:clrMapOvr>
-  <p:timing>
-    <p:tnLst>
-      <p:par>
-        <p:cTn id="1" dur="indefinite" restart="never" nodeType="tmRoot"/>
-      </p:par>
-    </p:tnLst>
-  </p:timing>
-</p:sld>
-</file>
-
-<file path=ppt/slides/slide9.xml><?xml version="1.0" encoding="utf-8"?>
-<p:sld xmlns:a="http://schemas.openxmlformats.org/drawingml/2006/main" xmlns:r="http://schemas.openxmlformats.org/officeDocument/2006/relationships" xmlns:p="http://schemas.openxmlformats.org/presentationml/2006/main">
-  <p:cSld>
-    <p:spTree>
-      <p:nvGrpSpPr>
-        <p:cNvPr id="1" name=""/>
-        <p:cNvGrpSpPr/>
-        <p:nvPr/>
-      </p:nvGrpSpPr>
-      <p:grpSpPr>
-        <a:xfrm>
-          <a:off x="0" y="0"/>
-          <a:ext cx="0" cy="0"/>
-          <a:chOff x="0" y="0"/>
-          <a:chExt cx="0" cy="0"/>
-        </a:xfrm>
-      </p:grpSpPr>
-      <p:sp>
-        <p:nvSpPr>
-          <p:cNvPr id="2" name="Titel 1"/>
-          <p:cNvSpPr>
-            <a:spLocks noGrp="1"/>
-          </p:cNvSpPr>
-          <p:nvPr>
-            <p:ph type="title"/>
-          </p:nvPr>
-        </p:nvSpPr>
-        <p:spPr/>
-        <p:txBody>
-          <a:bodyPr>
-            <a:normAutofit/>
-          </a:bodyPr>
-          <a:lstStyle/>
-          <a:p>
-            <a:r>
-              <a:rPr lang="de-DE" sz="4200" dirty="0" smtClean="0"/>
-              <a:t>Aufgaben - Landesgesundheitsamt</a:t>
-            </a:r>
-            <a:endParaRPr lang="de-DE" sz="4200" dirty="0"/>
-          </a:p>
-        </p:txBody>
-      </p:sp>
-      <p:sp>
-        <p:nvSpPr>
-          <p:cNvPr id="3" name="Inhaltsplatzhalter 2"/>
-          <p:cNvSpPr>
-            <a:spLocks noGrp="1"/>
-          </p:cNvSpPr>
-          <p:nvPr>
-            <p:ph idx="1"/>
-          </p:nvPr>
-        </p:nvSpPr>
-        <p:spPr/>
-        <p:txBody>
-          <a:bodyPr>
-            <a:normAutofit/>
-          </a:bodyPr>
-          <a:lstStyle/>
-          <a:p>
-            <a:pPr marL="342900" lvl="1" indent="-342900"/>
-            <a:r>
-              <a:rPr lang="de-DE" sz="2800" dirty="0"/>
-              <a:t>Beratung </a:t>
-            </a:r>
-            <a:r>
-              <a:rPr lang="de-DE" sz="2800" dirty="0" smtClean="0"/>
-              <a:t> von Landesministerien</a:t>
-            </a:r>
-            <a:r>
-              <a:rPr lang="de-DE" sz="2800" dirty="0"/>
-              <a:t>, Behörden und Institutionen in Fragen des öffentlichen Gesundheitswesens</a:t>
-            </a:r>
-          </a:p>
-          <a:p>
-            <a:pPr marL="342900" lvl="1" indent="-342900"/>
-            <a:r>
-              <a:rPr lang="de-DE" sz="2800" dirty="0" smtClean="0"/>
-              <a:t>Aufgaben </a:t>
-            </a:r>
-            <a:r>
-              <a:rPr lang="de-DE" sz="2800" dirty="0"/>
-              <a:t>des Landesarztes für behinderte Menschen</a:t>
-            </a:r>
-          </a:p>
-          <a:p>
-            <a:pPr marL="342900" lvl="1" indent="-342900"/>
-            <a:r>
-              <a:rPr lang="de-DE" sz="2800" dirty="0"/>
-              <a:t>Unterstützung der Gewerbeaufsicht in der Funktion des Staatlichen Gewerbearztes</a:t>
-            </a:r>
-          </a:p>
-          <a:p>
-            <a:endParaRPr lang="de-DE" sz="2800" dirty="0"/>
-          </a:p>
-        </p:txBody>
-      </p:sp>
-      <p:sp>
-        <p:nvSpPr>
-          <p:cNvPr id="4" name="Fußzeilenplatzhalter 3"/>
-          <p:cNvSpPr>
-            <a:spLocks noGrp="1"/>
-          </p:cNvSpPr>
-          <p:nvPr>
-            <p:ph type="ftr" sz="quarter" idx="11"/>
-          </p:nvPr>
-        </p:nvSpPr>
-        <p:spPr/>
-        <p:txBody>
-          <a:bodyPr/>
-          <a:lstStyle/>
-          <a:p>
-            <a:r>
-              <a:rPr lang="en-US" smtClean="0"/>
-              <a:t>| Dominik Meixner | Dominique Cheray |</a:t>
-            </a:r>
-            <a:endParaRPr lang="en-US" dirty="0"/>
-          </a:p>
-        </p:txBody>
-      </p:sp>
-    </p:spTree>
-    <p:extLst>
-      <p:ext uri="{BB962C8B-B14F-4D97-AF65-F5344CB8AC3E}">
-        <p14:creationId xmlns:p14="http://schemas.microsoft.com/office/powerpoint/2010/main" val="1476526236"/>
+        <p14:creationId xmlns:p14="http://schemas.microsoft.com/office/powerpoint/2010/main" val="2900287839"/>
       </p:ext>
     </p:extLst>
   </p:cSld>
@@ -11394,76 +7552,16 @@
         <a:srgbClr val="B9D181"/>
       </a:folHlink>
     </a:clrScheme>
-    <a:fontScheme name="Facette">
+    <a:fontScheme name="PureCalibri">
       <a:majorFont>
-        <a:latin typeface="Trebuchet MS" panose="020B0603020202020204"/>
+        <a:latin typeface="Calibri"/>
         <a:ea typeface=""/>
         <a:cs typeface=""/>
-        <a:font script="Jpan" typeface="メイリオ"/>
-        <a:font script="Hang" typeface="맑은 고딕"/>
-        <a:font script="Hans" typeface="方正姚体"/>
-        <a:font script="Hant" typeface="微軟正黑體"/>
-        <a:font script="Arab" typeface="Tahoma"/>
-        <a:font script="Hebr" typeface="Arial"/>
-        <a:font script="Thai" typeface="Cordia New"/>
-        <a:font script="Ethi" typeface="Nyala"/>
-        <a:font script="Beng" typeface="Vrinda"/>
-        <a:font script="Gujr" typeface="Shruti"/>
-        <a:font script="Khmr" typeface="DaunPenh"/>
-        <a:font script="Knda" typeface="Tunga"/>
-        <a:font script="Guru" typeface="Raavi"/>
-        <a:font script="Cans" typeface="Euphemia"/>
-        <a:font script="Cher" typeface="Plantagenet Cherokee"/>
-        <a:font script="Yiii" typeface="Microsoft Yi Baiti"/>
-        <a:font script="Tibt" typeface="Microsoft Himalaya"/>
-        <a:font script="Thaa" typeface="MV Boli"/>
-        <a:font script="Deva" typeface="Mangal"/>
-        <a:font script="Telu" typeface="Gautami"/>
-        <a:font script="Taml" typeface="Latha"/>
-        <a:font script="Syrc" typeface="Estrangelo Edessa"/>
-        <a:font script="Orya" typeface="Kalinga"/>
-        <a:font script="Mlym" typeface="Kartika"/>
-        <a:font script="Laoo" typeface="DokChampa"/>
-        <a:font script="Sinh" typeface="Iskoola Pota"/>
-        <a:font script="Mong" typeface="Mongolian Baiti"/>
-        <a:font script="Viet" typeface="Tahoma"/>
-        <a:font script="Uigh" typeface="Microsoft Uighur"/>
-        <a:font script="Geor" typeface="Sylfaen"/>
       </a:majorFont>
       <a:minorFont>
-        <a:latin typeface="Trebuchet MS" panose="020B0603020202020204"/>
+        <a:latin typeface="Calibri"/>
         <a:ea typeface=""/>
         <a:cs typeface=""/>
-        <a:font script="Jpan" typeface="メイリオ"/>
-        <a:font script="Hang" typeface="HY그래픽M"/>
-        <a:font script="Hans" typeface="华文新魏"/>
-        <a:font script="Hant" typeface="微軟正黑體"/>
-        <a:font script="Arab" typeface="Tahoma"/>
-        <a:font script="Hebr" typeface="Gisha"/>
-        <a:font script="Thai" typeface="IrisUPC"/>
-        <a:font script="Ethi" typeface="Nyala"/>
-        <a:font script="Beng" typeface="Vrinda"/>
-        <a:font script="Gujr" typeface="Shruti"/>
-        <a:font script="Khmr" typeface="DaunPenh"/>
-        <a:font script="Knda" typeface="Tunga"/>
-        <a:font script="Guru" typeface="Raavi"/>
-        <a:font script="Cans" typeface="Euphemia"/>
-        <a:font script="Cher" typeface="Plantagenet Cherokee"/>
-        <a:font script="Yiii" typeface="Microsoft Yi Baiti"/>
-        <a:font script="Tibt" typeface="Microsoft Himalaya"/>
-        <a:font script="Thaa" typeface="MV Boli"/>
-        <a:font script="Deva" typeface="Mangal"/>
-        <a:font script="Telu" typeface="Gautami"/>
-        <a:font script="Taml" typeface="Latha"/>
-        <a:font script="Syrc" typeface="Estrangelo Edessa"/>
-        <a:font script="Orya" typeface="Kalinga"/>
-        <a:font script="Mlym" typeface="Kartika"/>
-        <a:font script="Laoo" typeface="DokChampa"/>
-        <a:font script="Sinh" typeface="Iskoola Pota"/>
-        <a:font script="Mong" typeface="Mongolian Baiti"/>
-        <a:font script="Viet" typeface="Arial"/>
-        <a:font script="Uigh" typeface="Microsoft Uighur"/>
-        <a:font script="Geor" typeface="Sylfaen"/>
       </a:minorFont>
     </a:fontScheme>
     <a:fmtScheme name="Facette">
@@ -11604,7 +7702,7 @@
   <a:extraClrSchemeLst/>
   <a:extLst>
     <a:ext uri="{05A4C25C-085E-4340-85A3-A5531E510DB2}">
-      <thm15:themeFamily xmlns:thm15="http://schemas.microsoft.com/office/thememl/2012/main" xmlns="" name="Facet" id="{C0C680CD-088A-49FC-A102-D699147F32B2}" vid="{CFBC31BA-B70F-4F30-BCAA-4F3011E16C4D}"/>
+      <thm15:themeFamily xmlns="" xmlns:thm15="http://schemas.microsoft.com/office/thememl/2012/main" name="Facet" id="{C0C680CD-088A-49FC-A102-D699147F32B2}" vid="{CFBC31BA-B70F-4F30-BCAA-4F3011E16C4D}"/>
     </a:ext>
   </a:extLst>
 </a:theme>
@@ -11865,7 +7963,7 @@
   <a:extraClrSchemeLst/>
   <a:extLst>
     <a:ext uri="{05A4C25C-085E-4340-85A3-A5531E510DB2}">
-      <thm15:themeFamily xmlns:thm15="http://schemas.microsoft.com/office/thememl/2012/main" xmlns="" name="Office Theme" id="{62F939B6-93AF-4DB8-9C6B-D6C7DFDC589F}" vid="{4A3C46E8-61CC-4603-A589-7422A47A8E4A}"/>
+      <thm15:themeFamily xmlns="" xmlns:thm15="http://schemas.microsoft.com/office/thememl/2012/main" name="Office Theme" id="{62F939B6-93AF-4DB8-9C6B-D6C7DFDC589F}" vid="{4A3C46E8-61CC-4603-A589-7422A47A8E4A}"/>
     </a:ext>
   </a:extLst>
 </a:theme>

--- a/NationaleKohorte/NationaleKohortePraes.pptx
+++ b/NationaleKohorte/NationaleKohortePraes.pptx
@@ -5,7 +5,7 @@
     <p:sldMasterId id="2147483685" r:id="rId1"/>
   </p:sldMasterIdLst>
   <p:notesMasterIdLst>
-    <p:notesMasterId r:id="rId10"/>
+    <p:notesMasterId r:id="rId25"/>
   </p:notesMasterIdLst>
   <p:sldIdLst>
     <p:sldId id="279" r:id="rId2"/>
@@ -16,6 +16,21 @@
     <p:sldId id="284" r:id="rId7"/>
     <p:sldId id="285" r:id="rId8"/>
     <p:sldId id="286" r:id="rId9"/>
+    <p:sldId id="287" r:id="rId10"/>
+    <p:sldId id="288" r:id="rId11"/>
+    <p:sldId id="289" r:id="rId12"/>
+    <p:sldId id="290" r:id="rId13"/>
+    <p:sldId id="291" r:id="rId14"/>
+    <p:sldId id="292" r:id="rId15"/>
+    <p:sldId id="293" r:id="rId16"/>
+    <p:sldId id="294" r:id="rId17"/>
+    <p:sldId id="295" r:id="rId18"/>
+    <p:sldId id="296" r:id="rId19"/>
+    <p:sldId id="297" r:id="rId20"/>
+    <p:sldId id="298" r:id="rId21"/>
+    <p:sldId id="299" r:id="rId22"/>
+    <p:sldId id="300" r:id="rId23"/>
+    <p:sldId id="301" r:id="rId24"/>
   </p:sldIdLst>
   <p:sldSz cx="12192000" cy="6858000"/>
   <p:notesSz cx="6858000" cy="9144000"/>
@@ -210,7 +225,7 @@
           <a:p>
             <a:fld id="{FD0E5214-A780-45B3-8C91-E131831524A4}" type="datetimeFigureOut">
               <a:rPr lang="de-DE" smtClean="0"/>
-              <a:t>28.03.2015</a:t>
+              <a:t>29.03.2015</a:t>
             </a:fld>
             <a:endParaRPr lang="de-DE"/>
           </a:p>
@@ -522,31 +537,43 @@
           <a:bodyPr/>
           <a:lstStyle/>
           <a:p>
+            <a:pPr marL="0" marR="0" indent="0" algn="l" defTabSz="914400" rtl="0" eaLnBrk="1" fontAlgn="auto" latinLnBrk="0" hangingPunct="1">
+              <a:lnSpc>
+                <a:spcPct val="100000"/>
+              </a:lnSpc>
+              <a:spcBef>
+                <a:spcPts val="0"/>
+              </a:spcBef>
+              <a:spcAft>
+                <a:spcPts val="0"/>
+              </a:spcAft>
+              <a:buClrTx/>
+              <a:buSzTx/>
+              <a:buFontTx/>
+              <a:buNone/>
+              <a:tabLst/>
+              <a:defRPr/>
+            </a:pPr>
             <a:r>
               <a:rPr lang="de-DE" dirty="0" smtClean="0"/>
-              <a:t>Helmholtz: deutsche Gesellschaft</a:t>
+              <a:t>Volkskrankheiten:</a:t>
             </a:r>
             <a:r>
               <a:rPr lang="de-DE" baseline="0" dirty="0" smtClean="0"/>
-              <a:t> zur Förderung und Finanzierung der Forschung</a:t>
-            </a:r>
-          </a:p>
-          <a:p>
-            <a:r>
-              <a:rPr lang="de-DE" baseline="0" dirty="0" smtClean="0"/>
-              <a:t>Uni Bsp.: Charité Berlin, Uniklinikum Freiburg, Uni HD</a:t>
-            </a:r>
-          </a:p>
-          <a:p>
-            <a:r>
-              <a:rPr lang="de-DE" baseline="0" dirty="0" smtClean="0"/>
-              <a:t>Leibniz: Zusammenschluss deutscher Forschungsinstitute unterschiedlicher </a:t>
-            </a:r>
-            <a:r>
-              <a:rPr lang="de-DE" baseline="0" dirty="0" err="1" smtClean="0"/>
-              <a:t>Fachrichtunge</a:t>
-            </a:r>
-            <a:endParaRPr lang="de-DE" baseline="0" dirty="0" smtClean="0"/>
+              <a:t> z.B. </a:t>
+            </a:r>
+            <a:r>
+              <a:rPr lang="de-DE" sz="1200" kern="1200" dirty="0" smtClean="0">
+                <a:solidFill>
+                  <a:schemeClr val="tx1"/>
+                </a:solidFill>
+                <a:effectLst/>
+                <a:latin typeface="+mn-lt"/>
+                <a:ea typeface="+mn-ea"/>
+                <a:cs typeface="+mn-cs"/>
+              </a:rPr>
+              <a:t>Diabetes, Demenz, Herz-Kreislauf-Erkrankungen und Krebs.</a:t>
+            </a:r>
           </a:p>
           <a:p>
             <a:endParaRPr lang="de-DE" dirty="0"/>
@@ -570,7 +597,7 @@
           <a:p>
             <a:fld id="{291A2AE1-9A89-46FB-B262-609F9F6D1590}" type="slidenum">
               <a:rPr lang="de-DE" smtClean="0"/>
-              <a:t>6</a:t>
+              <a:t>4</a:t>
             </a:fld>
             <a:endParaRPr lang="de-DE"/>
           </a:p>
@@ -579,7 +606,457 @@
     </p:spTree>
     <p:extLst>
       <p:ext uri="{BB962C8B-B14F-4D97-AF65-F5344CB8AC3E}">
-        <p14:creationId xmlns:p14="http://schemas.microsoft.com/office/powerpoint/2010/main" val="2849412613"/>
+        <p14:creationId xmlns:p14="http://schemas.microsoft.com/office/powerpoint/2010/main" val="903872789"/>
+      </p:ext>
+    </p:extLst>
+  </p:cSld>
+  <p:clrMapOvr>
+    <a:masterClrMapping/>
+  </p:clrMapOvr>
+</p:notes>
+</file>
+
+<file path=ppt/notesSlides/notesSlide10.xml><?xml version="1.0" encoding="utf-8"?>
+<p:notes xmlns:a="http://schemas.openxmlformats.org/drawingml/2006/main" xmlns:r="http://schemas.openxmlformats.org/officeDocument/2006/relationships" xmlns:p="http://schemas.openxmlformats.org/presentationml/2006/main">
+  <p:cSld>
+    <p:spTree>
+      <p:nvGrpSpPr>
+        <p:cNvPr id="1" name=""/>
+        <p:cNvGrpSpPr/>
+        <p:nvPr/>
+      </p:nvGrpSpPr>
+      <p:grpSpPr>
+        <a:xfrm>
+          <a:off x="0" y="0"/>
+          <a:ext cx="0" cy="0"/>
+          <a:chOff x="0" y="0"/>
+          <a:chExt cx="0" cy="0"/>
+        </a:xfrm>
+      </p:grpSpPr>
+      <p:sp>
+        <p:nvSpPr>
+          <p:cNvPr id="2" name="Folienbildplatzhalter 1"/>
+          <p:cNvSpPr>
+            <a:spLocks noGrp="1" noRot="1" noChangeAspect="1"/>
+          </p:cNvSpPr>
+          <p:nvPr>
+            <p:ph type="sldImg"/>
+          </p:nvPr>
+        </p:nvSpPr>
+        <p:spPr/>
+      </p:sp>
+      <p:sp>
+        <p:nvSpPr>
+          <p:cNvPr id="3" name="Notizenplatzhalter 2"/>
+          <p:cNvSpPr>
+            <a:spLocks noGrp="1"/>
+          </p:cNvSpPr>
+          <p:nvPr>
+            <p:ph type="body" idx="1"/>
+          </p:nvPr>
+        </p:nvSpPr>
+        <p:spPr/>
+        <p:txBody>
+          <a:bodyPr/>
+          <a:lstStyle/>
+          <a:p>
+            <a:r>
+              <a:rPr lang="de-DE" dirty="0" smtClean="0"/>
+              <a:t>Freiwillig: Einwilligungserklärung</a:t>
+            </a:r>
+          </a:p>
+          <a:p>
+            <a:r>
+              <a:rPr lang="de-DE" baseline="0" dirty="0" smtClean="0"/>
+              <a:t>Widerruf ohne Angabe von Gründen </a:t>
+            </a:r>
+          </a:p>
+          <a:p>
+            <a:endParaRPr lang="de-DE" dirty="0"/>
+          </a:p>
+        </p:txBody>
+      </p:sp>
+      <p:sp>
+        <p:nvSpPr>
+          <p:cNvPr id="4" name="Foliennummernplatzhalter 3"/>
+          <p:cNvSpPr>
+            <a:spLocks noGrp="1"/>
+          </p:cNvSpPr>
+          <p:nvPr>
+            <p:ph type="sldNum" sz="quarter" idx="10"/>
+          </p:nvPr>
+        </p:nvSpPr>
+        <p:spPr/>
+        <p:txBody>
+          <a:bodyPr/>
+          <a:lstStyle/>
+          <a:p>
+            <a:fld id="{291A2AE1-9A89-46FB-B262-609F9F6D1590}" type="slidenum">
+              <a:rPr lang="de-DE" smtClean="0"/>
+              <a:t>18</a:t>
+            </a:fld>
+            <a:endParaRPr lang="de-DE"/>
+          </a:p>
+        </p:txBody>
+      </p:sp>
+    </p:spTree>
+    <p:extLst>
+      <p:ext uri="{BB962C8B-B14F-4D97-AF65-F5344CB8AC3E}">
+        <p14:creationId xmlns:p14="http://schemas.microsoft.com/office/powerpoint/2010/main" val="408670673"/>
+      </p:ext>
+    </p:extLst>
+  </p:cSld>
+  <p:clrMapOvr>
+    <a:masterClrMapping/>
+  </p:clrMapOvr>
+</p:notes>
+</file>
+
+<file path=ppt/notesSlides/notesSlide11.xml><?xml version="1.0" encoding="utf-8"?>
+<p:notes xmlns:a="http://schemas.openxmlformats.org/drawingml/2006/main" xmlns:r="http://schemas.openxmlformats.org/officeDocument/2006/relationships" xmlns:p="http://schemas.openxmlformats.org/presentationml/2006/main">
+  <p:cSld>
+    <p:spTree>
+      <p:nvGrpSpPr>
+        <p:cNvPr id="1" name=""/>
+        <p:cNvGrpSpPr/>
+        <p:nvPr/>
+      </p:nvGrpSpPr>
+      <p:grpSpPr>
+        <a:xfrm>
+          <a:off x="0" y="0"/>
+          <a:ext cx="0" cy="0"/>
+          <a:chOff x="0" y="0"/>
+          <a:chExt cx="0" cy="0"/>
+        </a:xfrm>
+      </p:grpSpPr>
+      <p:sp>
+        <p:nvSpPr>
+          <p:cNvPr id="2" name="Folienbildplatzhalter 1"/>
+          <p:cNvSpPr>
+            <a:spLocks noGrp="1" noRot="1" noChangeAspect="1"/>
+          </p:cNvSpPr>
+          <p:nvPr>
+            <p:ph type="sldImg"/>
+          </p:nvPr>
+        </p:nvSpPr>
+        <p:spPr/>
+      </p:sp>
+      <p:sp>
+        <p:nvSpPr>
+          <p:cNvPr id="3" name="Notizenplatzhalter 2"/>
+          <p:cNvSpPr>
+            <a:spLocks noGrp="1"/>
+          </p:cNvSpPr>
+          <p:nvPr>
+            <p:ph type="body" idx="1"/>
+          </p:nvPr>
+        </p:nvSpPr>
+        <p:spPr/>
+        <p:txBody>
+          <a:bodyPr/>
+          <a:lstStyle/>
+          <a:p>
+            <a:r>
+              <a:rPr lang="de-DE" dirty="0" smtClean="0"/>
+              <a:t>26-seitiger Ethik-Kodex</a:t>
+            </a:r>
+            <a:r>
+              <a:rPr lang="de-DE" baseline="0" dirty="0" smtClean="0"/>
+              <a:t> im I-Net</a:t>
+            </a:r>
+            <a:endParaRPr lang="de-DE" dirty="0"/>
+          </a:p>
+        </p:txBody>
+      </p:sp>
+      <p:sp>
+        <p:nvSpPr>
+          <p:cNvPr id="4" name="Foliennummernplatzhalter 3"/>
+          <p:cNvSpPr>
+            <a:spLocks noGrp="1"/>
+          </p:cNvSpPr>
+          <p:nvPr>
+            <p:ph type="sldNum" sz="quarter" idx="10"/>
+          </p:nvPr>
+        </p:nvSpPr>
+        <p:spPr/>
+        <p:txBody>
+          <a:bodyPr/>
+          <a:lstStyle/>
+          <a:p>
+            <a:fld id="{291A2AE1-9A89-46FB-B262-609F9F6D1590}" type="slidenum">
+              <a:rPr lang="de-DE" smtClean="0"/>
+              <a:t>20</a:t>
+            </a:fld>
+            <a:endParaRPr lang="de-DE"/>
+          </a:p>
+        </p:txBody>
+      </p:sp>
+    </p:spTree>
+    <p:extLst>
+      <p:ext uri="{BB962C8B-B14F-4D97-AF65-F5344CB8AC3E}">
+        <p14:creationId xmlns:p14="http://schemas.microsoft.com/office/powerpoint/2010/main" val="3487112392"/>
+      </p:ext>
+    </p:extLst>
+  </p:cSld>
+  <p:clrMapOvr>
+    <a:masterClrMapping/>
+  </p:clrMapOvr>
+</p:notes>
+</file>
+
+<file path=ppt/notesSlides/notesSlide12.xml><?xml version="1.0" encoding="utf-8"?>
+<p:notes xmlns:a="http://schemas.openxmlformats.org/drawingml/2006/main" xmlns:r="http://schemas.openxmlformats.org/officeDocument/2006/relationships" xmlns:p="http://schemas.openxmlformats.org/presentationml/2006/main">
+  <p:cSld>
+    <p:spTree>
+      <p:nvGrpSpPr>
+        <p:cNvPr id="1" name=""/>
+        <p:cNvGrpSpPr/>
+        <p:nvPr/>
+      </p:nvGrpSpPr>
+      <p:grpSpPr>
+        <a:xfrm>
+          <a:off x="0" y="0"/>
+          <a:ext cx="0" cy="0"/>
+          <a:chOff x="0" y="0"/>
+          <a:chExt cx="0" cy="0"/>
+        </a:xfrm>
+      </p:grpSpPr>
+      <p:sp>
+        <p:nvSpPr>
+          <p:cNvPr id="2" name="Folienbildplatzhalter 1"/>
+          <p:cNvSpPr>
+            <a:spLocks noGrp="1" noRot="1" noChangeAspect="1"/>
+          </p:cNvSpPr>
+          <p:nvPr>
+            <p:ph type="sldImg"/>
+          </p:nvPr>
+        </p:nvSpPr>
+        <p:spPr/>
+      </p:sp>
+      <p:sp>
+        <p:nvSpPr>
+          <p:cNvPr id="3" name="Notizenplatzhalter 2"/>
+          <p:cNvSpPr>
+            <a:spLocks noGrp="1"/>
+          </p:cNvSpPr>
+          <p:nvPr>
+            <p:ph type="body" idx="1"/>
+          </p:nvPr>
+        </p:nvSpPr>
+        <p:spPr/>
+        <p:txBody>
+          <a:bodyPr/>
+          <a:lstStyle/>
+          <a:p>
+            <a:r>
+              <a:rPr lang="de-DE" dirty="0" smtClean="0"/>
+              <a:t>Datenverwendung: </a:t>
+            </a:r>
+            <a:r>
+              <a:rPr lang="de-DE" sz="1200" kern="1200" dirty="0" smtClean="0">
+                <a:solidFill>
+                  <a:schemeClr val="tx1"/>
+                </a:solidFill>
+                <a:effectLst/>
+                <a:latin typeface="+mn-lt"/>
+                <a:ea typeface="+mn-ea"/>
+                <a:cs typeface="+mn-cs"/>
+              </a:rPr>
+              <a:t>stehen auf Antrag (</a:t>
+            </a:r>
+            <a:r>
+              <a:rPr lang="de-DE" sz="1200" kern="1200" dirty="0" err="1" smtClean="0">
+                <a:solidFill>
+                  <a:schemeClr val="tx1"/>
+                </a:solidFill>
+                <a:effectLst/>
+                <a:latin typeface="+mn-lt"/>
+                <a:ea typeface="+mn-ea"/>
+                <a:cs typeface="+mn-cs"/>
+              </a:rPr>
+              <a:t>inter</a:t>
+            </a:r>
+            <a:r>
+              <a:rPr lang="de-DE" sz="1200" kern="1200" dirty="0" smtClean="0">
+                <a:solidFill>
+                  <a:schemeClr val="tx1"/>
+                </a:solidFill>
+                <a:effectLst/>
+                <a:latin typeface="+mn-lt"/>
+                <a:ea typeface="+mn-ea"/>
+                <a:cs typeface="+mn-cs"/>
+              </a:rPr>
+              <a:t>)nationalen Wissenschaftlern für wissenschaftliche Forschung zur Verfügung, hierbei muss eine 13-seitige Nutzungsordnung beachtet werden</a:t>
+            </a:r>
+          </a:p>
+          <a:p>
+            <a:r>
+              <a:rPr lang="de-DE" sz="1200" kern="1200" dirty="0" smtClean="0">
+                <a:solidFill>
+                  <a:schemeClr val="tx1"/>
+                </a:solidFill>
+                <a:effectLst/>
+                <a:latin typeface="+mn-lt"/>
+                <a:ea typeface="+mn-ea"/>
+                <a:cs typeface="+mn-cs"/>
+              </a:rPr>
+              <a:t>Abstimmung mit Bundesdatenschutzbeauftragten und zuständiger Ethikkommission</a:t>
+            </a:r>
+          </a:p>
+          <a:p>
+            <a:r>
+              <a:rPr lang="de-DE" sz="1200" kern="1200" dirty="0" smtClean="0">
+                <a:solidFill>
+                  <a:schemeClr val="tx1"/>
+                </a:solidFill>
+                <a:effectLst/>
+                <a:latin typeface="+mn-lt"/>
+                <a:ea typeface="+mn-ea"/>
+                <a:cs typeface="+mn-cs"/>
+              </a:rPr>
+              <a:t>90-seitiges Datenschutz- und IT-Sicherheitskonzept der NAKO</a:t>
+            </a:r>
+          </a:p>
+          <a:p>
+            <a:r>
+              <a:rPr lang="de-DE" sz="1200" kern="1200" dirty="0" smtClean="0">
+                <a:solidFill>
+                  <a:schemeClr val="tx1"/>
+                </a:solidFill>
+                <a:effectLst/>
+                <a:latin typeface="+mn-lt"/>
+                <a:ea typeface="+mn-ea"/>
+                <a:cs typeface="+mn-cs"/>
+              </a:rPr>
+              <a:t>43-seitiges Datenschutz- und IT-Sicherheitskonzept der unabhängigen Treuhandstelle der NAKO</a:t>
+            </a:r>
+            <a:endParaRPr lang="de-DE" dirty="0"/>
+          </a:p>
+        </p:txBody>
+      </p:sp>
+      <p:sp>
+        <p:nvSpPr>
+          <p:cNvPr id="4" name="Foliennummernplatzhalter 3"/>
+          <p:cNvSpPr>
+            <a:spLocks noGrp="1"/>
+          </p:cNvSpPr>
+          <p:nvPr>
+            <p:ph type="sldNum" sz="quarter" idx="10"/>
+          </p:nvPr>
+        </p:nvSpPr>
+        <p:spPr/>
+        <p:txBody>
+          <a:bodyPr/>
+          <a:lstStyle/>
+          <a:p>
+            <a:fld id="{291A2AE1-9A89-46FB-B262-609F9F6D1590}" type="slidenum">
+              <a:rPr lang="de-DE" smtClean="0"/>
+              <a:t>21</a:t>
+            </a:fld>
+            <a:endParaRPr lang="de-DE"/>
+          </a:p>
+        </p:txBody>
+      </p:sp>
+    </p:spTree>
+    <p:extLst>
+      <p:ext uri="{BB962C8B-B14F-4D97-AF65-F5344CB8AC3E}">
+        <p14:creationId xmlns:p14="http://schemas.microsoft.com/office/powerpoint/2010/main" val="744977189"/>
+      </p:ext>
+    </p:extLst>
+  </p:cSld>
+  <p:clrMapOvr>
+    <a:masterClrMapping/>
+  </p:clrMapOvr>
+</p:notes>
+</file>
+
+<file path=ppt/notesSlides/notesSlide13.xml><?xml version="1.0" encoding="utf-8"?>
+<p:notes xmlns:a="http://schemas.openxmlformats.org/drawingml/2006/main" xmlns:r="http://schemas.openxmlformats.org/officeDocument/2006/relationships" xmlns:p="http://schemas.openxmlformats.org/presentationml/2006/main">
+  <p:cSld>
+    <p:spTree>
+      <p:nvGrpSpPr>
+        <p:cNvPr id="1" name=""/>
+        <p:cNvGrpSpPr/>
+        <p:nvPr/>
+      </p:nvGrpSpPr>
+      <p:grpSpPr>
+        <a:xfrm>
+          <a:off x="0" y="0"/>
+          <a:ext cx="0" cy="0"/>
+          <a:chOff x="0" y="0"/>
+          <a:chExt cx="0" cy="0"/>
+        </a:xfrm>
+      </p:grpSpPr>
+      <p:sp>
+        <p:nvSpPr>
+          <p:cNvPr id="2" name="Folienbildplatzhalter 1"/>
+          <p:cNvSpPr>
+            <a:spLocks noGrp="1" noRot="1" noChangeAspect="1"/>
+          </p:cNvSpPr>
+          <p:nvPr>
+            <p:ph type="sldImg"/>
+          </p:nvPr>
+        </p:nvSpPr>
+        <p:spPr/>
+      </p:sp>
+      <p:sp>
+        <p:nvSpPr>
+          <p:cNvPr id="3" name="Notizenplatzhalter 2"/>
+          <p:cNvSpPr>
+            <a:spLocks noGrp="1"/>
+          </p:cNvSpPr>
+          <p:nvPr>
+            <p:ph type="body" idx="1"/>
+          </p:nvPr>
+        </p:nvSpPr>
+        <p:spPr/>
+        <p:txBody>
+          <a:bodyPr/>
+          <a:lstStyle/>
+          <a:p>
+            <a:r>
+              <a:rPr lang="de-DE" sz="1200" kern="1200" dirty="0" smtClean="0">
+                <a:solidFill>
+                  <a:schemeClr val="tx1"/>
+                </a:solidFill>
+                <a:effectLst/>
+                <a:latin typeface="+mn-lt"/>
+                <a:ea typeface="+mn-ea"/>
+                <a:cs typeface="+mn-cs"/>
+              </a:rPr>
+              <a:t>Zum Wohl der TN und um vergleichbare und damit statistisch verwertbare Daten zu erhalten</a:t>
+            </a:r>
+            <a:endParaRPr lang="de-DE" dirty="0"/>
+          </a:p>
+        </p:txBody>
+      </p:sp>
+      <p:sp>
+        <p:nvSpPr>
+          <p:cNvPr id="4" name="Foliennummernplatzhalter 3"/>
+          <p:cNvSpPr>
+            <a:spLocks noGrp="1"/>
+          </p:cNvSpPr>
+          <p:nvPr>
+            <p:ph type="sldNum" sz="quarter" idx="10"/>
+          </p:nvPr>
+        </p:nvSpPr>
+        <p:spPr/>
+        <p:txBody>
+          <a:bodyPr/>
+          <a:lstStyle/>
+          <a:p>
+            <a:fld id="{291A2AE1-9A89-46FB-B262-609F9F6D1590}" type="slidenum">
+              <a:rPr lang="de-DE" smtClean="0"/>
+              <a:t>22</a:t>
+            </a:fld>
+            <a:endParaRPr lang="de-DE"/>
+          </a:p>
+        </p:txBody>
+      </p:sp>
+    </p:spTree>
+    <p:extLst>
+      <p:ext uri="{BB962C8B-B14F-4D97-AF65-F5344CB8AC3E}">
+        <p14:creationId xmlns:p14="http://schemas.microsoft.com/office/powerpoint/2010/main" val="3490045610"/>
       </p:ext>
     </p:extLst>
   </p:cSld>
@@ -635,12 +1112,31 @@
           <a:p>
             <a:r>
               <a:rPr lang="de-DE" dirty="0" smtClean="0"/>
-              <a:t>Nicht beteiligte Bundesländer</a:t>
+              <a:t>Helmholtz: deutsche Gesellschaft</a:t>
             </a:r>
             <a:r>
               <a:rPr lang="de-DE" baseline="0" dirty="0" smtClean="0"/>
-              <a:t>: RLP, Thüringen</a:t>
-            </a:r>
+              <a:t> zur Förderung und Finanzierung der Forschung</a:t>
+            </a:r>
+          </a:p>
+          <a:p>
+            <a:r>
+              <a:rPr lang="de-DE" baseline="0" dirty="0" smtClean="0"/>
+              <a:t>Uni Bsp.: Charité Berlin, Uniklinikum Freiburg, Uni HD</a:t>
+            </a:r>
+          </a:p>
+          <a:p>
+            <a:r>
+              <a:rPr lang="de-DE" baseline="0" dirty="0" smtClean="0"/>
+              <a:t>Leibniz: Zusammenschluss deutscher Forschungsinstitute unterschiedlicher </a:t>
+            </a:r>
+            <a:r>
+              <a:rPr lang="de-DE" baseline="0" dirty="0" err="1" smtClean="0"/>
+              <a:t>Fachrichtunge</a:t>
+            </a:r>
+            <a:endParaRPr lang="de-DE" baseline="0" dirty="0" smtClean="0"/>
+          </a:p>
+          <a:p>
             <a:endParaRPr lang="de-DE" dirty="0"/>
           </a:p>
         </p:txBody>
@@ -662,7 +1158,7 @@
           <a:p>
             <a:fld id="{291A2AE1-9A89-46FB-B262-609F9F6D1590}" type="slidenum">
               <a:rPr lang="de-DE" smtClean="0"/>
-              <a:t>7</a:t>
+              <a:t>6</a:t>
             </a:fld>
             <a:endParaRPr lang="de-DE"/>
           </a:p>
@@ -671,7 +1167,7 @@
     </p:spTree>
     <p:extLst>
       <p:ext uri="{BB962C8B-B14F-4D97-AF65-F5344CB8AC3E}">
-        <p14:creationId xmlns:p14="http://schemas.microsoft.com/office/powerpoint/2010/main" val="3444590127"/>
+        <p14:creationId xmlns:p14="http://schemas.microsoft.com/office/powerpoint/2010/main" val="2849412613"/>
       </p:ext>
     </p:extLst>
   </p:cSld>
@@ -727,6 +1223,98 @@
           <a:p>
             <a:r>
               <a:rPr lang="de-DE" dirty="0" smtClean="0"/>
+              <a:t>Nicht beteiligte Bundesländer</a:t>
+            </a:r>
+            <a:r>
+              <a:rPr lang="de-DE" baseline="0" dirty="0" smtClean="0"/>
+              <a:t>: RLP, Thüringen</a:t>
+            </a:r>
+            <a:endParaRPr lang="de-DE" dirty="0"/>
+          </a:p>
+        </p:txBody>
+      </p:sp>
+      <p:sp>
+        <p:nvSpPr>
+          <p:cNvPr id="4" name="Foliennummernplatzhalter 3"/>
+          <p:cNvSpPr>
+            <a:spLocks noGrp="1"/>
+          </p:cNvSpPr>
+          <p:nvPr>
+            <p:ph type="sldNum" sz="quarter" idx="10"/>
+          </p:nvPr>
+        </p:nvSpPr>
+        <p:spPr/>
+        <p:txBody>
+          <a:bodyPr/>
+          <a:lstStyle/>
+          <a:p>
+            <a:fld id="{291A2AE1-9A89-46FB-B262-609F9F6D1590}" type="slidenum">
+              <a:rPr lang="de-DE" smtClean="0"/>
+              <a:t>7</a:t>
+            </a:fld>
+            <a:endParaRPr lang="de-DE"/>
+          </a:p>
+        </p:txBody>
+      </p:sp>
+    </p:spTree>
+    <p:extLst>
+      <p:ext uri="{BB962C8B-B14F-4D97-AF65-F5344CB8AC3E}">
+        <p14:creationId xmlns:p14="http://schemas.microsoft.com/office/powerpoint/2010/main" val="3444590127"/>
+      </p:ext>
+    </p:extLst>
+  </p:cSld>
+  <p:clrMapOvr>
+    <a:masterClrMapping/>
+  </p:clrMapOvr>
+</p:notes>
+</file>
+
+<file path=ppt/notesSlides/notesSlide4.xml><?xml version="1.0" encoding="utf-8"?>
+<p:notes xmlns:a="http://schemas.openxmlformats.org/drawingml/2006/main" xmlns:r="http://schemas.openxmlformats.org/officeDocument/2006/relationships" xmlns:p="http://schemas.openxmlformats.org/presentationml/2006/main">
+  <p:cSld>
+    <p:spTree>
+      <p:nvGrpSpPr>
+        <p:cNvPr id="1" name=""/>
+        <p:cNvGrpSpPr/>
+        <p:nvPr/>
+      </p:nvGrpSpPr>
+      <p:grpSpPr>
+        <a:xfrm>
+          <a:off x="0" y="0"/>
+          <a:ext cx="0" cy="0"/>
+          <a:chOff x="0" y="0"/>
+          <a:chExt cx="0" cy="0"/>
+        </a:xfrm>
+      </p:grpSpPr>
+      <p:sp>
+        <p:nvSpPr>
+          <p:cNvPr id="2" name="Folienbildplatzhalter 1"/>
+          <p:cNvSpPr>
+            <a:spLocks noGrp="1" noRot="1" noChangeAspect="1"/>
+          </p:cNvSpPr>
+          <p:nvPr>
+            <p:ph type="sldImg"/>
+          </p:nvPr>
+        </p:nvSpPr>
+        <p:spPr/>
+      </p:sp>
+      <p:sp>
+        <p:nvSpPr>
+          <p:cNvPr id="3" name="Notizenplatzhalter 2"/>
+          <p:cNvSpPr>
+            <a:spLocks noGrp="1"/>
+          </p:cNvSpPr>
+          <p:nvPr>
+            <p:ph type="body" idx="1"/>
+          </p:nvPr>
+        </p:nvSpPr>
+        <p:spPr/>
+        <p:txBody>
+          <a:bodyPr/>
+          <a:lstStyle/>
+          <a:p>
+            <a:r>
+              <a:rPr lang="de-DE" dirty="0" smtClean="0"/>
               <a:t>Bio-Rep:</a:t>
             </a:r>
             <a:r>
@@ -926,6 +1514,937 @@
     <p:extLst>
       <p:ext uri="{BB962C8B-B14F-4D97-AF65-F5344CB8AC3E}">
         <p14:creationId xmlns:p14="http://schemas.microsoft.com/office/powerpoint/2010/main" val="685790575"/>
+      </p:ext>
+    </p:extLst>
+  </p:cSld>
+  <p:clrMapOvr>
+    <a:masterClrMapping/>
+  </p:clrMapOvr>
+</p:notes>
+</file>
+
+<file path=ppt/notesSlides/notesSlide5.xml><?xml version="1.0" encoding="utf-8"?>
+<p:notes xmlns:a="http://schemas.openxmlformats.org/drawingml/2006/main" xmlns:r="http://schemas.openxmlformats.org/officeDocument/2006/relationships" xmlns:p="http://schemas.openxmlformats.org/presentationml/2006/main">
+  <p:cSld>
+    <p:spTree>
+      <p:nvGrpSpPr>
+        <p:cNvPr id="1" name=""/>
+        <p:cNvGrpSpPr/>
+        <p:nvPr/>
+      </p:nvGrpSpPr>
+      <p:grpSpPr>
+        <a:xfrm>
+          <a:off x="0" y="0"/>
+          <a:ext cx="0" cy="0"/>
+          <a:chOff x="0" y="0"/>
+          <a:chExt cx="0" cy="0"/>
+        </a:xfrm>
+      </p:grpSpPr>
+      <p:sp>
+        <p:nvSpPr>
+          <p:cNvPr id="2" name="Folienbildplatzhalter 1"/>
+          <p:cNvSpPr>
+            <a:spLocks noGrp="1" noRot="1" noChangeAspect="1"/>
+          </p:cNvSpPr>
+          <p:nvPr>
+            <p:ph type="sldImg"/>
+          </p:nvPr>
+        </p:nvSpPr>
+        <p:spPr/>
+      </p:sp>
+      <p:sp>
+        <p:nvSpPr>
+          <p:cNvPr id="3" name="Notizenplatzhalter 2"/>
+          <p:cNvSpPr>
+            <a:spLocks noGrp="1"/>
+          </p:cNvSpPr>
+          <p:nvPr>
+            <p:ph type="body" idx="1"/>
+          </p:nvPr>
+        </p:nvSpPr>
+        <p:spPr/>
+        <p:txBody>
+          <a:bodyPr/>
+          <a:lstStyle/>
+          <a:p>
+            <a:r>
+              <a:rPr lang="de-DE" dirty="0" smtClean="0"/>
+              <a:t>Soziodemographisch: Zugehörigkeit zu einer bestimmten Gruppe (z. B. Alter, Einkommen, Geschlecht) betreffend</a:t>
+            </a:r>
+          </a:p>
+          <a:p>
+            <a:r>
+              <a:rPr lang="de-DE" dirty="0" smtClean="0"/>
+              <a:t>Sozioökonomisch: Wirtschaft in ihrer gesellschaftlichen Struktur betreffend</a:t>
+            </a:r>
+            <a:endParaRPr lang="de-DE" dirty="0"/>
+          </a:p>
+        </p:txBody>
+      </p:sp>
+      <p:sp>
+        <p:nvSpPr>
+          <p:cNvPr id="4" name="Foliennummernplatzhalter 3"/>
+          <p:cNvSpPr>
+            <a:spLocks noGrp="1"/>
+          </p:cNvSpPr>
+          <p:nvPr>
+            <p:ph type="sldNum" sz="quarter" idx="10"/>
+          </p:nvPr>
+        </p:nvSpPr>
+        <p:spPr/>
+        <p:txBody>
+          <a:bodyPr/>
+          <a:lstStyle/>
+          <a:p>
+            <a:fld id="{291A2AE1-9A89-46FB-B262-609F9F6D1590}" type="slidenum">
+              <a:rPr lang="de-DE" smtClean="0"/>
+              <a:t>10</a:t>
+            </a:fld>
+            <a:endParaRPr lang="de-DE"/>
+          </a:p>
+        </p:txBody>
+      </p:sp>
+    </p:spTree>
+    <p:extLst>
+      <p:ext uri="{BB962C8B-B14F-4D97-AF65-F5344CB8AC3E}">
+        <p14:creationId xmlns:p14="http://schemas.microsoft.com/office/powerpoint/2010/main" val="530106388"/>
+      </p:ext>
+    </p:extLst>
+  </p:cSld>
+  <p:clrMapOvr>
+    <a:masterClrMapping/>
+  </p:clrMapOvr>
+</p:notes>
+</file>
+
+<file path=ppt/notesSlides/notesSlide6.xml><?xml version="1.0" encoding="utf-8"?>
+<p:notes xmlns:a="http://schemas.openxmlformats.org/drawingml/2006/main" xmlns:r="http://schemas.openxmlformats.org/officeDocument/2006/relationships" xmlns:p="http://schemas.openxmlformats.org/presentationml/2006/main">
+  <p:cSld>
+    <p:spTree>
+      <p:nvGrpSpPr>
+        <p:cNvPr id="1" name=""/>
+        <p:cNvGrpSpPr/>
+        <p:nvPr/>
+      </p:nvGrpSpPr>
+      <p:grpSpPr>
+        <a:xfrm>
+          <a:off x="0" y="0"/>
+          <a:ext cx="0" cy="0"/>
+          <a:chOff x="0" y="0"/>
+          <a:chExt cx="0" cy="0"/>
+        </a:xfrm>
+      </p:grpSpPr>
+      <p:sp>
+        <p:nvSpPr>
+          <p:cNvPr id="2" name="Folienbildplatzhalter 1"/>
+          <p:cNvSpPr>
+            <a:spLocks noGrp="1" noRot="1" noChangeAspect="1"/>
+          </p:cNvSpPr>
+          <p:nvPr>
+            <p:ph type="sldImg"/>
+          </p:nvPr>
+        </p:nvSpPr>
+        <p:spPr/>
+      </p:sp>
+      <p:sp>
+        <p:nvSpPr>
+          <p:cNvPr id="3" name="Notizenplatzhalter 2"/>
+          <p:cNvSpPr>
+            <a:spLocks noGrp="1"/>
+          </p:cNvSpPr>
+          <p:nvPr>
+            <p:ph type="body" idx="1"/>
+          </p:nvPr>
+        </p:nvSpPr>
+        <p:spPr/>
+        <p:txBody>
+          <a:bodyPr/>
+          <a:lstStyle/>
+          <a:p>
+            <a:r>
+              <a:rPr lang="de-DE" dirty="0" smtClean="0"/>
+              <a:t>Prospektiv: vorausschauend</a:t>
+            </a:r>
+          </a:p>
+          <a:p>
+            <a:r>
+              <a:rPr lang="de-DE" dirty="0" smtClean="0"/>
+              <a:t>Kohorte:</a:t>
+            </a:r>
+            <a:r>
+              <a:rPr lang="de-DE" baseline="0" dirty="0" smtClean="0"/>
+              <a:t> Gruppe </a:t>
+            </a:r>
+            <a:r>
+              <a:rPr lang="de-DE" baseline="0" dirty="0" err="1" smtClean="0"/>
+              <a:t>od</a:t>
+            </a:r>
+            <a:r>
+              <a:rPr lang="de-DE" baseline="0" dirty="0" smtClean="0"/>
+              <a:t> Teil einer Bevölkerung</a:t>
+            </a:r>
+          </a:p>
+          <a:p>
+            <a:r>
+              <a:rPr lang="de-DE" baseline="0" dirty="0" smtClean="0"/>
+              <a:t>TN: 400.000 angeschrieben, aber Verlust gibt es ja immer</a:t>
+            </a:r>
+            <a:endParaRPr lang="de-DE" dirty="0"/>
+          </a:p>
+        </p:txBody>
+      </p:sp>
+      <p:sp>
+        <p:nvSpPr>
+          <p:cNvPr id="4" name="Foliennummernplatzhalter 3"/>
+          <p:cNvSpPr>
+            <a:spLocks noGrp="1"/>
+          </p:cNvSpPr>
+          <p:nvPr>
+            <p:ph type="sldNum" sz="quarter" idx="10"/>
+          </p:nvPr>
+        </p:nvSpPr>
+        <p:spPr/>
+        <p:txBody>
+          <a:bodyPr/>
+          <a:lstStyle/>
+          <a:p>
+            <a:fld id="{291A2AE1-9A89-46FB-B262-609F9F6D1590}" type="slidenum">
+              <a:rPr lang="de-DE" smtClean="0"/>
+              <a:t>13</a:t>
+            </a:fld>
+            <a:endParaRPr lang="de-DE"/>
+          </a:p>
+        </p:txBody>
+      </p:sp>
+    </p:spTree>
+    <p:extLst>
+      <p:ext uri="{BB962C8B-B14F-4D97-AF65-F5344CB8AC3E}">
+        <p14:creationId xmlns:p14="http://schemas.microsoft.com/office/powerpoint/2010/main" val="1991956707"/>
+      </p:ext>
+    </p:extLst>
+  </p:cSld>
+  <p:clrMapOvr>
+    <a:masterClrMapping/>
+  </p:clrMapOvr>
+</p:notes>
+</file>
+
+<file path=ppt/notesSlides/notesSlide7.xml><?xml version="1.0" encoding="utf-8"?>
+<p:notes xmlns:a="http://schemas.openxmlformats.org/drawingml/2006/main" xmlns:r="http://schemas.openxmlformats.org/officeDocument/2006/relationships" xmlns:p="http://schemas.openxmlformats.org/presentationml/2006/main">
+  <p:cSld>
+    <p:spTree>
+      <p:nvGrpSpPr>
+        <p:cNvPr id="1" name=""/>
+        <p:cNvGrpSpPr/>
+        <p:nvPr/>
+      </p:nvGrpSpPr>
+      <p:grpSpPr>
+        <a:xfrm>
+          <a:off x="0" y="0"/>
+          <a:ext cx="0" cy="0"/>
+          <a:chOff x="0" y="0"/>
+          <a:chExt cx="0" cy="0"/>
+        </a:xfrm>
+      </p:grpSpPr>
+      <p:sp>
+        <p:nvSpPr>
+          <p:cNvPr id="2" name="Folienbildplatzhalter 1"/>
+          <p:cNvSpPr>
+            <a:spLocks noGrp="1" noRot="1" noChangeAspect="1"/>
+          </p:cNvSpPr>
+          <p:nvPr>
+            <p:ph type="sldImg"/>
+          </p:nvPr>
+        </p:nvSpPr>
+        <p:spPr/>
+      </p:sp>
+      <p:sp>
+        <p:nvSpPr>
+          <p:cNvPr id="3" name="Notizenplatzhalter 2"/>
+          <p:cNvSpPr>
+            <a:spLocks noGrp="1"/>
+          </p:cNvSpPr>
+          <p:nvPr>
+            <p:ph type="body" idx="1"/>
+          </p:nvPr>
+        </p:nvSpPr>
+        <p:spPr/>
+        <p:txBody>
+          <a:bodyPr/>
+          <a:lstStyle/>
+          <a:p>
+            <a:r>
+              <a:rPr lang="de-DE" dirty="0" smtClean="0"/>
+              <a:t>Aktiv: postalische Fragebögen alle 2 -3</a:t>
+            </a:r>
+            <a:r>
+              <a:rPr lang="de-DE" baseline="0" dirty="0" smtClean="0"/>
+              <a:t> Jahre</a:t>
+            </a:r>
+          </a:p>
+          <a:p>
+            <a:r>
+              <a:rPr lang="de-DE" baseline="0" dirty="0" smtClean="0"/>
+              <a:t>Passiv: Verknüpfung mit Registern</a:t>
+            </a:r>
+            <a:endParaRPr lang="de-DE" dirty="0"/>
+          </a:p>
+        </p:txBody>
+      </p:sp>
+      <p:sp>
+        <p:nvSpPr>
+          <p:cNvPr id="4" name="Foliennummernplatzhalter 3"/>
+          <p:cNvSpPr>
+            <a:spLocks noGrp="1"/>
+          </p:cNvSpPr>
+          <p:nvPr>
+            <p:ph type="sldNum" sz="quarter" idx="10"/>
+          </p:nvPr>
+        </p:nvSpPr>
+        <p:spPr/>
+        <p:txBody>
+          <a:bodyPr/>
+          <a:lstStyle/>
+          <a:p>
+            <a:fld id="{291A2AE1-9A89-46FB-B262-609F9F6D1590}" type="slidenum">
+              <a:rPr lang="de-DE" smtClean="0"/>
+              <a:t>14</a:t>
+            </a:fld>
+            <a:endParaRPr lang="de-DE"/>
+          </a:p>
+        </p:txBody>
+      </p:sp>
+    </p:spTree>
+    <p:extLst>
+      <p:ext uri="{BB962C8B-B14F-4D97-AF65-F5344CB8AC3E}">
+        <p14:creationId xmlns:p14="http://schemas.microsoft.com/office/powerpoint/2010/main" val="3503475929"/>
+      </p:ext>
+    </p:extLst>
+  </p:cSld>
+  <p:clrMapOvr>
+    <a:masterClrMapping/>
+  </p:clrMapOvr>
+</p:notes>
+</file>
+
+<file path=ppt/notesSlides/notesSlide8.xml><?xml version="1.0" encoding="utf-8"?>
+<p:notes xmlns:a="http://schemas.openxmlformats.org/drawingml/2006/main" xmlns:r="http://schemas.openxmlformats.org/officeDocument/2006/relationships" xmlns:p="http://schemas.openxmlformats.org/presentationml/2006/main">
+  <p:cSld>
+    <p:spTree>
+      <p:nvGrpSpPr>
+        <p:cNvPr id="1" name=""/>
+        <p:cNvGrpSpPr/>
+        <p:nvPr/>
+      </p:nvGrpSpPr>
+      <p:grpSpPr>
+        <a:xfrm>
+          <a:off x="0" y="0"/>
+          <a:ext cx="0" cy="0"/>
+          <a:chOff x="0" y="0"/>
+          <a:chExt cx="0" cy="0"/>
+        </a:xfrm>
+      </p:grpSpPr>
+      <p:sp>
+        <p:nvSpPr>
+          <p:cNvPr id="2" name="Folienbildplatzhalter 1"/>
+          <p:cNvSpPr>
+            <a:spLocks noGrp="1" noRot="1" noChangeAspect="1"/>
+          </p:cNvSpPr>
+          <p:nvPr>
+            <p:ph type="sldImg"/>
+          </p:nvPr>
+        </p:nvSpPr>
+        <p:spPr/>
+      </p:sp>
+      <p:sp>
+        <p:nvSpPr>
+          <p:cNvPr id="3" name="Notizenplatzhalter 2"/>
+          <p:cNvSpPr>
+            <a:spLocks noGrp="1"/>
+          </p:cNvSpPr>
+          <p:nvPr>
+            <p:ph type="body" idx="1"/>
+          </p:nvPr>
+        </p:nvSpPr>
+        <p:spPr/>
+        <p:txBody>
+          <a:bodyPr/>
+          <a:lstStyle/>
+          <a:p>
+            <a:r>
+              <a:rPr lang="de-DE" dirty="0" smtClean="0"/>
+              <a:t>HK: RR, </a:t>
+            </a:r>
+            <a:r>
+              <a:rPr lang="de-DE" dirty="0" err="1" smtClean="0"/>
+              <a:t>Hf</a:t>
+            </a:r>
+            <a:r>
+              <a:rPr lang="de-DE" dirty="0" smtClean="0"/>
+              <a:t>, EKG, </a:t>
+            </a:r>
+            <a:r>
+              <a:rPr lang="de-DE" dirty="0" err="1" smtClean="0"/>
+              <a:t>Carotis</a:t>
+            </a:r>
+            <a:r>
+              <a:rPr lang="de-DE" dirty="0" smtClean="0"/>
+              <a:t>-Sonographie</a:t>
+            </a:r>
+          </a:p>
+          <a:p>
+            <a:r>
+              <a:rPr lang="de-DE" dirty="0" smtClean="0"/>
+              <a:t>Diab: </a:t>
+            </a:r>
+            <a:r>
+              <a:rPr lang="de-DE" sz="1200" kern="1200" dirty="0" smtClean="0">
+                <a:solidFill>
+                  <a:schemeClr val="tx1"/>
+                </a:solidFill>
+                <a:effectLst/>
+                <a:latin typeface="+mn-lt"/>
+                <a:ea typeface="+mn-ea"/>
+                <a:cs typeface="+mn-cs"/>
+              </a:rPr>
+              <a:t>Oraler-Glucose-Toleranz-Test, </a:t>
+            </a:r>
+            <a:r>
+              <a:rPr lang="de-DE" sz="1200" kern="1200" dirty="0" err="1" smtClean="0">
+                <a:solidFill>
+                  <a:schemeClr val="tx1"/>
+                </a:solidFill>
+                <a:effectLst/>
+                <a:latin typeface="+mn-lt"/>
+                <a:ea typeface="+mn-ea"/>
+                <a:cs typeface="+mn-cs"/>
+              </a:rPr>
+              <a:t>Advanced</a:t>
+            </a:r>
+            <a:r>
+              <a:rPr lang="de-DE" sz="1200" kern="1200" dirty="0" smtClean="0">
+                <a:solidFill>
+                  <a:schemeClr val="tx1"/>
+                </a:solidFill>
+                <a:effectLst/>
+                <a:latin typeface="+mn-lt"/>
+                <a:ea typeface="+mn-ea"/>
+                <a:cs typeface="+mn-cs"/>
+              </a:rPr>
+              <a:t>-</a:t>
+            </a:r>
+            <a:r>
+              <a:rPr lang="de-DE" sz="1200" kern="1200" dirty="0" err="1" smtClean="0">
+                <a:solidFill>
+                  <a:schemeClr val="tx1"/>
+                </a:solidFill>
+                <a:effectLst/>
+                <a:latin typeface="+mn-lt"/>
+                <a:ea typeface="+mn-ea"/>
+                <a:cs typeface="+mn-cs"/>
+              </a:rPr>
+              <a:t>Glycation</a:t>
+            </a:r>
+            <a:r>
+              <a:rPr lang="de-DE" sz="1200" kern="1200" dirty="0" smtClean="0">
+                <a:solidFill>
+                  <a:schemeClr val="tx1"/>
+                </a:solidFill>
+                <a:effectLst/>
+                <a:latin typeface="+mn-lt"/>
+                <a:ea typeface="+mn-ea"/>
+                <a:cs typeface="+mn-cs"/>
+              </a:rPr>
+              <a:t>-</a:t>
+            </a:r>
+            <a:r>
+              <a:rPr lang="de-DE" sz="1200" kern="1200" dirty="0" err="1" smtClean="0">
+                <a:solidFill>
+                  <a:schemeClr val="tx1"/>
+                </a:solidFill>
+                <a:effectLst/>
+                <a:latin typeface="+mn-lt"/>
+                <a:ea typeface="+mn-ea"/>
+                <a:cs typeface="+mn-cs"/>
+              </a:rPr>
+              <a:t>Endproducts</a:t>
+            </a:r>
+            <a:r>
+              <a:rPr lang="de-DE" sz="1200" kern="1200" dirty="0" smtClean="0">
+                <a:solidFill>
+                  <a:schemeClr val="tx1"/>
+                </a:solidFill>
+                <a:effectLst/>
+                <a:latin typeface="+mn-lt"/>
+                <a:ea typeface="+mn-ea"/>
+                <a:cs typeface="+mn-cs"/>
+              </a:rPr>
+              <a:t>-Messung der Haut</a:t>
+            </a:r>
+          </a:p>
+          <a:p>
+            <a:r>
+              <a:rPr lang="de-DE" sz="1200" kern="1200" dirty="0" err="1" smtClean="0">
+                <a:solidFill>
+                  <a:schemeClr val="tx1"/>
+                </a:solidFill>
+                <a:effectLst/>
+                <a:latin typeface="+mn-lt"/>
+                <a:ea typeface="+mn-ea"/>
+                <a:cs typeface="+mn-cs"/>
+              </a:rPr>
+              <a:t>Kogn</a:t>
+            </a:r>
+            <a:r>
+              <a:rPr lang="de-DE" sz="1200" kern="1200" dirty="0" smtClean="0">
+                <a:solidFill>
+                  <a:schemeClr val="tx1"/>
+                </a:solidFill>
+                <a:effectLst/>
+                <a:latin typeface="+mn-lt"/>
+                <a:ea typeface="+mn-ea"/>
+                <a:cs typeface="+mn-cs"/>
+              </a:rPr>
+              <a:t>: Testbatterie</a:t>
+            </a:r>
+            <a:br>
+              <a:rPr lang="de-DE" sz="1200" kern="1200" dirty="0" smtClean="0">
+                <a:solidFill>
+                  <a:schemeClr val="tx1"/>
+                </a:solidFill>
+                <a:effectLst/>
+                <a:latin typeface="+mn-lt"/>
+                <a:ea typeface="+mn-ea"/>
+                <a:cs typeface="+mn-cs"/>
+              </a:rPr>
+            </a:br>
+            <a:r>
+              <a:rPr lang="de-DE" sz="1200" kern="1200" dirty="0" err="1" smtClean="0">
+                <a:solidFill>
+                  <a:schemeClr val="tx1"/>
+                </a:solidFill>
+                <a:effectLst/>
+                <a:latin typeface="+mn-lt"/>
+                <a:ea typeface="+mn-ea"/>
+                <a:cs typeface="+mn-cs"/>
+              </a:rPr>
+              <a:t>Lufu</a:t>
+            </a:r>
+            <a:r>
+              <a:rPr lang="de-DE" sz="1200" kern="1200" dirty="0" smtClean="0">
+                <a:solidFill>
+                  <a:schemeClr val="tx1"/>
+                </a:solidFill>
+                <a:effectLst/>
+                <a:latin typeface="+mn-lt"/>
+                <a:ea typeface="+mn-ea"/>
+                <a:cs typeface="+mn-cs"/>
+              </a:rPr>
+              <a:t>: Spirometrie, exhaliertes Stickstoffmonoxid</a:t>
+            </a:r>
+          </a:p>
+          <a:p>
+            <a:r>
+              <a:rPr lang="de-DE" sz="1200" kern="1200" dirty="0" smtClean="0">
+                <a:solidFill>
+                  <a:schemeClr val="tx1"/>
+                </a:solidFill>
+                <a:effectLst/>
+                <a:latin typeface="+mn-lt"/>
+                <a:ea typeface="+mn-ea"/>
+                <a:cs typeface="+mn-cs"/>
+              </a:rPr>
+              <a:t>Muskel: Medizinische Untersuchung</a:t>
+            </a:r>
+          </a:p>
+          <a:p>
+            <a:r>
+              <a:rPr lang="de-DE" sz="1200" kern="1200" dirty="0" smtClean="0">
+                <a:solidFill>
+                  <a:schemeClr val="tx1"/>
+                </a:solidFill>
+                <a:effectLst/>
+                <a:latin typeface="+mn-lt"/>
+                <a:ea typeface="+mn-ea"/>
+                <a:cs typeface="+mn-cs"/>
+              </a:rPr>
+              <a:t>Mund: Zahnstatus, Untersuchung</a:t>
+            </a:r>
+            <a:r>
+              <a:rPr lang="de-DE" sz="1200" kern="1200" baseline="0" dirty="0" smtClean="0">
+                <a:solidFill>
+                  <a:schemeClr val="tx1"/>
+                </a:solidFill>
+                <a:effectLst/>
+                <a:latin typeface="+mn-lt"/>
+                <a:ea typeface="+mn-ea"/>
+                <a:cs typeface="+mn-cs"/>
+              </a:rPr>
+              <a:t> Mundhöhle</a:t>
+            </a:r>
+          </a:p>
+          <a:p>
+            <a:r>
+              <a:rPr lang="de-DE" dirty="0" smtClean="0"/>
+              <a:t>Sinne: Augenuntersuchung, Hör-, Riechtest</a:t>
+            </a:r>
+            <a:endParaRPr lang="de-DE" dirty="0"/>
+          </a:p>
+        </p:txBody>
+      </p:sp>
+      <p:sp>
+        <p:nvSpPr>
+          <p:cNvPr id="4" name="Foliennummernplatzhalter 3"/>
+          <p:cNvSpPr>
+            <a:spLocks noGrp="1"/>
+          </p:cNvSpPr>
+          <p:nvPr>
+            <p:ph type="sldNum" sz="quarter" idx="10"/>
+          </p:nvPr>
+        </p:nvSpPr>
+        <p:spPr/>
+        <p:txBody>
+          <a:bodyPr/>
+          <a:lstStyle/>
+          <a:p>
+            <a:fld id="{291A2AE1-9A89-46FB-B262-609F9F6D1590}" type="slidenum">
+              <a:rPr lang="de-DE" smtClean="0"/>
+              <a:t>15</a:t>
+            </a:fld>
+            <a:endParaRPr lang="de-DE"/>
+          </a:p>
+        </p:txBody>
+      </p:sp>
+    </p:spTree>
+    <p:extLst>
+      <p:ext uri="{BB962C8B-B14F-4D97-AF65-F5344CB8AC3E}">
+        <p14:creationId xmlns:p14="http://schemas.microsoft.com/office/powerpoint/2010/main" val="3856346814"/>
+      </p:ext>
+    </p:extLst>
+  </p:cSld>
+  <p:clrMapOvr>
+    <a:masterClrMapping/>
+  </p:clrMapOvr>
+</p:notes>
+</file>
+
+<file path=ppt/notesSlides/notesSlide9.xml><?xml version="1.0" encoding="utf-8"?>
+<p:notes xmlns:a="http://schemas.openxmlformats.org/drawingml/2006/main" xmlns:r="http://schemas.openxmlformats.org/officeDocument/2006/relationships" xmlns:p="http://schemas.openxmlformats.org/presentationml/2006/main">
+  <p:cSld>
+    <p:spTree>
+      <p:nvGrpSpPr>
+        <p:cNvPr id="1" name=""/>
+        <p:cNvGrpSpPr/>
+        <p:nvPr/>
+      </p:nvGrpSpPr>
+      <p:grpSpPr>
+        <a:xfrm>
+          <a:off x="0" y="0"/>
+          <a:ext cx="0" cy="0"/>
+          <a:chOff x="0" y="0"/>
+          <a:chExt cx="0" cy="0"/>
+        </a:xfrm>
+      </p:grpSpPr>
+      <p:sp>
+        <p:nvSpPr>
+          <p:cNvPr id="2" name="Folienbildplatzhalter 1"/>
+          <p:cNvSpPr>
+            <a:spLocks noGrp="1" noRot="1" noChangeAspect="1"/>
+          </p:cNvSpPr>
+          <p:nvPr>
+            <p:ph type="sldImg"/>
+          </p:nvPr>
+        </p:nvSpPr>
+        <p:spPr/>
+      </p:sp>
+      <p:sp>
+        <p:nvSpPr>
+          <p:cNvPr id="3" name="Notizenplatzhalter 2"/>
+          <p:cNvSpPr>
+            <a:spLocks noGrp="1"/>
+          </p:cNvSpPr>
+          <p:nvPr>
+            <p:ph type="body" idx="1"/>
+          </p:nvPr>
+        </p:nvSpPr>
+        <p:spPr/>
+        <p:txBody>
+          <a:bodyPr/>
+          <a:lstStyle/>
+          <a:p>
+            <a:r>
+              <a:rPr lang="de-DE" dirty="0" smtClean="0"/>
+              <a:t>Fitness: </a:t>
+            </a:r>
+            <a:r>
+              <a:rPr lang="de-DE" sz="1200" kern="1200" dirty="0" smtClean="0">
+                <a:solidFill>
+                  <a:schemeClr val="tx1"/>
+                </a:solidFill>
+                <a:effectLst/>
+                <a:latin typeface="+mn-lt"/>
+                <a:ea typeface="+mn-ea"/>
+                <a:cs typeface="+mn-cs"/>
+              </a:rPr>
+              <a:t>7-Tage-Akzelerometrie, kardiorespiratorischer Fitnesstest, Handgreifstärke</a:t>
+            </a:r>
+          </a:p>
+          <a:p>
+            <a:r>
+              <a:rPr lang="de-DE" dirty="0" err="1" smtClean="0"/>
+              <a:t>Anthro</a:t>
+            </a:r>
+            <a:r>
+              <a:rPr lang="de-DE" dirty="0" smtClean="0"/>
+              <a:t>:</a:t>
+            </a:r>
+            <a:r>
+              <a:rPr lang="de-DE" baseline="0" dirty="0" smtClean="0"/>
+              <a:t> </a:t>
+            </a:r>
+            <a:r>
+              <a:rPr lang="de-DE" sz="1200" kern="1200" dirty="0" smtClean="0">
+                <a:solidFill>
+                  <a:schemeClr val="tx1"/>
+                </a:solidFill>
+                <a:effectLst/>
+                <a:latin typeface="+mn-lt"/>
+                <a:ea typeface="+mn-ea"/>
+                <a:cs typeface="+mn-cs"/>
+              </a:rPr>
+              <a:t>Körpergewicht, Körpergröße, Taillen- und Hüftumfang</a:t>
+            </a:r>
+          </a:p>
+          <a:p>
+            <a:r>
+              <a:rPr lang="de-DE" dirty="0" smtClean="0"/>
+              <a:t>MRT: nur 30.000TN</a:t>
+            </a:r>
+          </a:p>
+          <a:p>
+            <a:r>
+              <a:rPr lang="de-DE" dirty="0" smtClean="0"/>
+              <a:t>Ultraschall: nur Teil</a:t>
+            </a:r>
+            <a:r>
+              <a:rPr lang="de-DE" baseline="0" dirty="0" smtClean="0"/>
+              <a:t> der TN</a:t>
+            </a:r>
+          </a:p>
+          <a:p>
+            <a:r>
+              <a:rPr lang="de-DE" baseline="0" dirty="0" smtClean="0"/>
+              <a:t>Bioproben: </a:t>
+            </a:r>
+            <a:r>
+              <a:rPr lang="de-DE" sz="1200" kern="1200" dirty="0" smtClean="0">
+                <a:solidFill>
+                  <a:schemeClr val="tx1"/>
+                </a:solidFill>
+                <a:effectLst/>
+                <a:latin typeface="+mn-lt"/>
+                <a:ea typeface="+mn-ea"/>
+                <a:cs typeface="+mn-cs"/>
+              </a:rPr>
+              <a:t>Serum, Blut, Plasma, </a:t>
+            </a:r>
+            <a:r>
+              <a:rPr lang="de-DE" sz="1200" kern="1200" dirty="0" err="1" smtClean="0">
+                <a:solidFill>
+                  <a:schemeClr val="tx1"/>
+                </a:solidFill>
+                <a:effectLst/>
+                <a:latin typeface="+mn-lt"/>
+                <a:ea typeface="+mn-ea"/>
+                <a:cs typeface="+mn-cs"/>
+              </a:rPr>
+              <a:t>Erys</a:t>
+            </a:r>
+            <a:r>
+              <a:rPr lang="de-DE" sz="1200" kern="1200" dirty="0" smtClean="0">
+                <a:solidFill>
+                  <a:schemeClr val="tx1"/>
+                </a:solidFill>
+                <a:effectLst/>
+                <a:latin typeface="+mn-lt"/>
+                <a:ea typeface="+mn-ea"/>
+                <a:cs typeface="+mn-cs"/>
+              </a:rPr>
+              <a:t>, DNA, RNA, lebende Zellen, Speichel, Nasenabstrich, Urin, Stuhl</a:t>
+            </a:r>
+          </a:p>
+          <a:p>
+            <a:r>
+              <a:rPr lang="de-DE" sz="1200" kern="1200" dirty="0" smtClean="0">
+                <a:solidFill>
+                  <a:schemeClr val="tx1"/>
+                </a:solidFill>
+                <a:effectLst/>
+                <a:latin typeface="+mn-lt"/>
+                <a:ea typeface="+mn-ea"/>
+                <a:cs typeface="+mn-cs"/>
+              </a:rPr>
+              <a:t>Sozioökonom: Familie und Ausbildung</a:t>
+            </a:r>
+          </a:p>
+          <a:p>
+            <a:r>
+              <a:rPr lang="de-DE" sz="1200" kern="1200" dirty="0" smtClean="0">
+                <a:solidFill>
+                  <a:schemeClr val="tx1"/>
+                </a:solidFill>
+                <a:effectLst/>
+                <a:latin typeface="+mn-lt"/>
+                <a:ea typeface="+mn-ea"/>
+                <a:cs typeface="+mn-cs"/>
+              </a:rPr>
+              <a:t>Gesundheit:</a:t>
+            </a:r>
+            <a:r>
+              <a:rPr lang="de-DE" sz="1200" kern="1200" baseline="0" dirty="0" smtClean="0">
+                <a:solidFill>
+                  <a:schemeClr val="tx1"/>
+                </a:solidFill>
+                <a:effectLst/>
+                <a:latin typeface="+mn-lt"/>
+                <a:ea typeface="+mn-ea"/>
+                <a:cs typeface="+mn-cs"/>
+              </a:rPr>
+              <a:t> medizinische Vorgeschichte, Einnahme von </a:t>
+            </a:r>
+            <a:r>
+              <a:rPr lang="de-DE" sz="1200" kern="1200" baseline="0" dirty="0" err="1" smtClean="0">
+                <a:solidFill>
+                  <a:schemeClr val="tx1"/>
+                </a:solidFill>
+                <a:effectLst/>
+                <a:latin typeface="+mn-lt"/>
+                <a:ea typeface="+mn-ea"/>
+                <a:cs typeface="+mn-cs"/>
+              </a:rPr>
+              <a:t>Medis</a:t>
+            </a:r>
+            <a:endParaRPr lang="de-DE" sz="1200" kern="1200" baseline="0" dirty="0" smtClean="0">
+              <a:solidFill>
+                <a:schemeClr val="tx1"/>
+              </a:solidFill>
+              <a:effectLst/>
+              <a:latin typeface="+mn-lt"/>
+              <a:ea typeface="+mn-ea"/>
+              <a:cs typeface="+mn-cs"/>
+            </a:endParaRPr>
+          </a:p>
+          <a:p>
+            <a:r>
+              <a:rPr lang="de-DE" sz="1200" kern="1200" baseline="0" dirty="0" smtClean="0">
+                <a:solidFill>
+                  <a:schemeClr val="tx1"/>
+                </a:solidFill>
+                <a:effectLst/>
+                <a:latin typeface="+mn-lt"/>
+                <a:ea typeface="+mn-ea"/>
+                <a:cs typeface="+mn-cs"/>
+              </a:rPr>
+              <a:t>Lebensstil: Ernährung körperliche Aktivität</a:t>
+            </a:r>
+          </a:p>
+          <a:p>
+            <a:endParaRPr lang="de-DE" sz="1200" kern="1200" baseline="0" dirty="0" smtClean="0">
+              <a:solidFill>
+                <a:schemeClr val="tx1"/>
+              </a:solidFill>
+              <a:effectLst/>
+              <a:latin typeface="+mn-lt"/>
+              <a:ea typeface="+mn-ea"/>
+              <a:cs typeface="+mn-cs"/>
+            </a:endParaRPr>
+          </a:p>
+          <a:p>
+            <a:r>
+              <a:rPr lang="de-DE" sz="1200" kern="1200" baseline="0" dirty="0" smtClean="0">
+                <a:solidFill>
+                  <a:schemeClr val="tx1"/>
+                </a:solidFill>
+                <a:effectLst/>
+                <a:latin typeface="+mn-lt"/>
+                <a:ea typeface="+mn-ea"/>
+                <a:cs typeface="+mn-cs"/>
+              </a:rPr>
+              <a:t>Erfassung vieler Faktoren, mögen zunächst bedeutungslos erscheinen</a:t>
+            </a:r>
+          </a:p>
+          <a:p>
+            <a:r>
+              <a:rPr lang="de-DE" sz="1200" kern="1200" baseline="0" dirty="0" smtClean="0">
+                <a:solidFill>
+                  <a:schemeClr val="tx1"/>
+                </a:solidFill>
+                <a:effectLst/>
+                <a:latin typeface="+mn-lt"/>
+                <a:ea typeface="+mn-ea"/>
+                <a:cs typeface="+mn-cs"/>
+              </a:rPr>
+              <a:t>Später kann sich herausstellen, dass auf Krankheiten hinweisen</a:t>
+            </a:r>
+          </a:p>
+          <a:p>
+            <a:r>
+              <a:rPr lang="de-DE" sz="1200" kern="1200" baseline="0" dirty="0" smtClean="0">
+                <a:solidFill>
+                  <a:schemeClr val="tx1"/>
+                </a:solidFill>
+                <a:effectLst/>
+                <a:latin typeface="+mn-lt"/>
+                <a:ea typeface="+mn-ea"/>
+                <a:cs typeface="+mn-cs"/>
+              </a:rPr>
+              <a:t>Zusammenwirken verschiedener Faktoren und wie sie zu Krankheit führen können im Nachhinein ermittelbar</a:t>
+            </a:r>
+          </a:p>
+          <a:p>
+            <a:r>
+              <a:rPr lang="de-DE" sz="1200" kern="1200" baseline="0" dirty="0" smtClean="0">
+                <a:solidFill>
+                  <a:schemeClr val="tx1"/>
+                </a:solidFill>
+                <a:effectLst/>
+                <a:latin typeface="+mn-lt"/>
+                <a:ea typeface="+mn-ea"/>
+                <a:cs typeface="+mn-cs"/>
+              </a:rPr>
+              <a:t>=&gt; Krankheiten früher erkannt und effektiver behandelt werden</a:t>
+            </a:r>
+            <a:endParaRPr lang="de-DE" dirty="0"/>
+          </a:p>
+        </p:txBody>
+      </p:sp>
+      <p:sp>
+        <p:nvSpPr>
+          <p:cNvPr id="4" name="Foliennummernplatzhalter 3"/>
+          <p:cNvSpPr>
+            <a:spLocks noGrp="1"/>
+          </p:cNvSpPr>
+          <p:nvPr>
+            <p:ph type="sldNum" sz="quarter" idx="10"/>
+          </p:nvPr>
+        </p:nvSpPr>
+        <p:spPr/>
+        <p:txBody>
+          <a:bodyPr/>
+          <a:lstStyle/>
+          <a:p>
+            <a:fld id="{291A2AE1-9A89-46FB-B262-609F9F6D1590}" type="slidenum">
+              <a:rPr lang="de-DE" smtClean="0"/>
+              <a:t>16</a:t>
+            </a:fld>
+            <a:endParaRPr lang="de-DE"/>
+          </a:p>
+        </p:txBody>
+      </p:sp>
+    </p:spTree>
+    <p:extLst>
+      <p:ext uri="{BB962C8B-B14F-4D97-AF65-F5344CB8AC3E}">
+        <p14:creationId xmlns:p14="http://schemas.microsoft.com/office/powerpoint/2010/main" val="3500684610"/>
       </p:ext>
     </p:extLst>
   </p:cSld>
@@ -1657,7 +3176,7 @@
           <a:p>
             <a:fld id="{430DCDF4-4212-41DE-881A-86CC5F4C4960}" type="datetime1">
               <a:rPr lang="en-US" smtClean="0"/>
-              <a:t>3/28/2015</a:t>
+              <a:t>3/29/2015</a:t>
             </a:fld>
             <a:endParaRPr lang="en-US" dirty="0"/>
           </a:p>
@@ -1936,7 +3455,7 @@
           <a:p>
             <a:fld id="{7D7F22C2-E00C-402C-9237-97B2DDDB1C1E}" type="datetime1">
               <a:rPr lang="en-US" smtClean="0"/>
-              <a:t>3/28/2015</a:t>
+              <a:t>3/29/2015</a:t>
             </a:fld>
             <a:endParaRPr lang="en-US" dirty="0"/>
           </a:p>
@@ -2231,7 +3750,7 @@
           <a:p>
             <a:fld id="{4751C775-F499-41CA-BB69-5F0CE1DC728B}" type="datetime1">
               <a:rPr lang="en-US" smtClean="0"/>
-              <a:t>3/28/2015</a:t>
+              <a:t>3/29/2015</a:t>
             </a:fld>
             <a:endParaRPr lang="en-US" dirty="0"/>
           </a:p>
@@ -2553,7 +4072,7 @@
           <a:p>
             <a:fld id="{EF0B729F-5E1E-40E7-8D1F-2FBC0AA7C9CD}" type="datetime1">
               <a:rPr lang="en-US" smtClean="0"/>
-              <a:t>3/28/2015</a:t>
+              <a:t>3/29/2015</a:t>
             </a:fld>
             <a:endParaRPr lang="en-US" dirty="0"/>
           </a:p>
@@ -2848,7 +4367,7 @@
           <a:p>
             <a:fld id="{6C610283-F1E1-40D0-ACF0-C635052CA35C}" type="datetime1">
               <a:rPr lang="en-US" smtClean="0"/>
-              <a:t>3/28/2015</a:t>
+              <a:t>3/29/2015</a:t>
             </a:fld>
             <a:endParaRPr lang="en-US" dirty="0"/>
           </a:p>
@@ -3222,7 +4741,7 @@
           <a:p>
             <a:fld id="{DDCC8832-2E28-430A-AD8F-583F9F33222D}" type="datetime1">
               <a:rPr lang="en-US" smtClean="0"/>
-              <a:t>3/28/2015</a:t>
+              <a:t>3/29/2015</a:t>
             </a:fld>
             <a:endParaRPr lang="en-US" dirty="0"/>
           </a:p>
@@ -3380,7 +4899,7 @@
           <a:p>
             <a:fld id="{76E487D9-92EA-4374-B9A8-0C938596B06B}" type="datetime1">
               <a:rPr lang="en-US" smtClean="0"/>
-              <a:t>3/28/2015</a:t>
+              <a:t>3/29/2015</a:t>
             </a:fld>
             <a:endParaRPr lang="en-US" dirty="0"/>
           </a:p>
@@ -3541,7 +5060,7 @@
           <a:p>
             <a:fld id="{03B2E87A-4C56-4FB1-83A8-C433C44AFBA9}" type="datetime1">
               <a:rPr lang="en-US" smtClean="0"/>
-              <a:t>3/28/2015</a:t>
+              <a:t>3/29/2015</a:t>
             </a:fld>
             <a:endParaRPr lang="en-US" dirty="0"/>
           </a:p>
@@ -3721,7 +5240,7 @@
           <a:p>
             <a:fld id="{A5828E15-EAE5-4696-A498-9462A8D07DB3}" type="datetime1">
               <a:rPr lang="en-US" smtClean="0"/>
-              <a:t>3/28/2015</a:t>
+              <a:t>3/29/2015</a:t>
             </a:fld>
             <a:endParaRPr lang="en-US" dirty="0"/>
           </a:p>
@@ -3963,7 +5482,7 @@
           <a:p>
             <a:fld id="{30C89575-A7F9-45D9-8DD0-EEE9ED1F7FA0}" type="datetime1">
               <a:rPr lang="en-US" smtClean="0"/>
-              <a:t>3/28/2015</a:t>
+              <a:t>3/29/2015</a:t>
             </a:fld>
             <a:endParaRPr lang="en-US" dirty="0"/>
           </a:p>
@@ -4183,7 +5702,7 @@
           <a:p>
             <a:fld id="{7A131F54-E68E-47BE-8946-F526F364CBA6}" type="datetime1">
               <a:rPr lang="en-US" smtClean="0"/>
-              <a:t>3/28/2015</a:t>
+              <a:t>3/29/2015</a:t>
             </a:fld>
             <a:endParaRPr lang="en-US" dirty="0"/>
           </a:p>
@@ -4538,7 +6057,7 @@
           <a:p>
             <a:fld id="{54938A4C-ABDD-4D7F-9EE8-D2212DFA111A}" type="datetime1">
               <a:rPr lang="en-US" smtClean="0"/>
-              <a:t>3/28/2015</a:t>
+              <a:t>3/29/2015</a:t>
             </a:fld>
             <a:endParaRPr lang="en-US" dirty="0"/>
           </a:p>
@@ -4642,7 +6161,7 @@
           <a:p>
             <a:fld id="{472087FD-69A5-4863-93C8-147616460B5F}" type="datetime1">
               <a:rPr lang="en-US" smtClean="0"/>
-              <a:t>3/28/2015</a:t>
+              <a:t>3/29/2015</a:t>
             </a:fld>
             <a:endParaRPr lang="en-US" dirty="0"/>
           </a:p>
@@ -4718,7 +6237,7 @@
           <a:p>
             <a:fld id="{DE67AA65-3958-4B15-93E3-62DB88057388}" type="datetime1">
               <a:rPr lang="en-US" smtClean="0"/>
-              <a:t>3/28/2015</a:t>
+              <a:t>3/29/2015</a:t>
             </a:fld>
             <a:endParaRPr lang="en-US" dirty="0"/>
           </a:p>
@@ -4954,7 +6473,7 @@
           <a:p>
             <a:fld id="{3A3AF593-EE7A-4564-A95B-6C86BAEF9839}" type="datetime1">
               <a:rPr lang="en-US" smtClean="0"/>
-              <a:t>3/28/2015</a:t>
+              <a:t>3/29/2015</a:t>
             </a:fld>
             <a:endParaRPr lang="en-US" dirty="0"/>
           </a:p>
@@ -5198,7 +6717,7 @@
           <a:p>
             <a:fld id="{D226D4E0-B61D-4B17-878D-83CEB6B35F48}" type="datetime1">
               <a:rPr lang="en-US" smtClean="0"/>
-              <a:t>3/28/2015</a:t>
+              <a:t>3/29/2015</a:t>
             </a:fld>
             <a:endParaRPr lang="en-US" dirty="0"/>
           </a:p>
@@ -5922,7 +7441,7 @@
           <a:p>
             <a:fld id="{FA7EC809-ED1F-4983-9906-520EA3F002C5}" type="datetime1">
               <a:rPr lang="en-US" smtClean="0"/>
-              <a:t>3/28/2015</a:t>
+              <a:t>3/29/2015</a:t>
             </a:fld>
             <a:endParaRPr lang="en-US" dirty="0"/>
           </a:p>
@@ -6600,10 +8119,10 @@
             </a:r>
           </a:p>
           <a:p>
-            <a:r>
-              <a:rPr lang="de-DE" dirty="0" smtClean="0"/>
-              <a:t>Samstag, 28. März 2015</a:t>
-            </a:r>
+            <a:fld id="{B68A97D9-23A2-4961-BD27-93DAEBE0E1E1}" type="datetime2">
+              <a:rPr lang="de-DE" smtClean="0"/>
+              <a:t>Sonntag, 29. März 2015</a:t>
+            </a:fld>
             <a:endParaRPr lang="de-DE" dirty="0"/>
           </a:p>
         </p:txBody>
@@ -6655,6 +8174,36 @@
           </a:p>
         </p:txBody>
       </p:sp>
+      <p:pic>
+        <p:nvPicPr>
+          <p:cNvPr id="7" name="Grafik 6"/>
+          <p:cNvPicPr>
+            <a:picLocks noChangeAspect="1"/>
+          </p:cNvPicPr>
+          <p:nvPr/>
+        </p:nvPicPr>
+        <p:blipFill>
+          <a:blip r:embed="rId2">
+            <a:extLst>
+              <a:ext uri="{28A0092B-C50C-407E-A947-70E740481C1C}">
+                <a14:useLocalDpi xmlns:a14="http://schemas.microsoft.com/office/drawing/2010/main" val="0"/>
+              </a:ext>
+            </a:extLst>
+          </a:blip>
+          <a:stretch>
+            <a:fillRect/>
+          </a:stretch>
+        </p:blipFill>
+        <p:spPr>
+          <a:xfrm>
+            <a:off x="747946" y="4226808"/>
+            <a:ext cx="1377915" cy="1292242"/>
+          </a:xfrm>
+          <a:prstGeom prst="rect">
+            <a:avLst/>
+          </a:prstGeom>
+        </p:spPr>
+      </p:pic>
     </p:spTree>
     <p:extLst>
       <p:ext uri="{BB962C8B-B14F-4D97-AF65-F5344CB8AC3E}">
@@ -6675,6 +8224,1289 @@
 </p:sld>
 </file>
 
+<file path=ppt/slides/slide10.xml><?xml version="1.0" encoding="utf-8"?>
+<p:sld xmlns:a="http://schemas.openxmlformats.org/drawingml/2006/main" xmlns:r="http://schemas.openxmlformats.org/officeDocument/2006/relationships" xmlns:p="http://schemas.openxmlformats.org/presentationml/2006/main">
+  <p:cSld>
+    <p:spTree>
+      <p:nvGrpSpPr>
+        <p:cNvPr id="1" name=""/>
+        <p:cNvGrpSpPr/>
+        <p:nvPr/>
+      </p:nvGrpSpPr>
+      <p:grpSpPr>
+        <a:xfrm>
+          <a:off x="0" y="0"/>
+          <a:ext cx="0" cy="0"/>
+          <a:chOff x="0" y="0"/>
+          <a:chExt cx="0" cy="0"/>
+        </a:xfrm>
+      </p:grpSpPr>
+      <p:sp>
+        <p:nvSpPr>
+          <p:cNvPr id="2" name="Titel 1"/>
+          <p:cNvSpPr>
+            <a:spLocks noGrp="1"/>
+          </p:cNvSpPr>
+          <p:nvPr>
+            <p:ph type="title"/>
+          </p:nvPr>
+        </p:nvSpPr>
+        <p:spPr/>
+        <p:txBody>
+          <a:bodyPr/>
+          <a:lstStyle/>
+          <a:p>
+            <a:r>
+              <a:rPr lang="de-DE" dirty="0" smtClean="0"/>
+              <a:t>Studienziele &amp; -aufgaben</a:t>
+            </a:r>
+            <a:endParaRPr lang="de-DE" dirty="0"/>
+          </a:p>
+        </p:txBody>
+      </p:sp>
+      <p:sp>
+        <p:nvSpPr>
+          <p:cNvPr id="3" name="Inhaltsplatzhalter 2"/>
+          <p:cNvSpPr>
+            <a:spLocks noGrp="1"/>
+          </p:cNvSpPr>
+          <p:nvPr>
+            <p:ph idx="1"/>
+          </p:nvPr>
+        </p:nvSpPr>
+        <p:spPr/>
+        <p:txBody>
+          <a:bodyPr/>
+          <a:lstStyle/>
+          <a:p>
+            <a:pPr lvl="0"/>
+            <a:r>
+              <a:rPr lang="de-DE" dirty="0"/>
+              <a:t>Aufklärung von Ursachen chronischer Erkrankungen und ihrem Zusammenhang mit Lebensstil, Umwelt-, genetischen und soziodemographischen Faktoren </a:t>
+            </a:r>
+            <a:endParaRPr lang="de-DE" dirty="0" smtClean="0"/>
+          </a:p>
+          <a:p>
+            <a:r>
+              <a:rPr lang="de-DE" dirty="0"/>
+              <a:t>Identifikation neuer Krankheitsrisikofaktoren</a:t>
+            </a:r>
+          </a:p>
+          <a:p>
+            <a:r>
+              <a:rPr lang="de-DE" dirty="0"/>
+              <a:t>Auswirkungen geografischer und sozioökonomischer Ungleichheiten auf den Gesundheitsstand und das Krankheitsrisiko in Deutschland</a:t>
+            </a:r>
+          </a:p>
+          <a:p>
+            <a:pPr lvl="0"/>
+            <a:endParaRPr lang="de-DE" dirty="0"/>
+          </a:p>
+          <a:p>
+            <a:endParaRPr lang="de-DE" dirty="0"/>
+          </a:p>
+        </p:txBody>
+      </p:sp>
+      <p:sp>
+        <p:nvSpPr>
+          <p:cNvPr id="4" name="Fußzeilenplatzhalter 3"/>
+          <p:cNvSpPr>
+            <a:spLocks noGrp="1"/>
+          </p:cNvSpPr>
+          <p:nvPr>
+            <p:ph type="ftr" sz="quarter" idx="11"/>
+          </p:nvPr>
+        </p:nvSpPr>
+        <p:spPr/>
+        <p:txBody>
+          <a:bodyPr/>
+          <a:lstStyle/>
+          <a:p>
+            <a:r>
+              <a:rPr lang="en-US" smtClean="0"/>
+              <a:t>| Dominik Meixner | Dominique Cheray |</a:t>
+            </a:r>
+            <a:endParaRPr lang="en-US" dirty="0"/>
+          </a:p>
+        </p:txBody>
+      </p:sp>
+    </p:spTree>
+    <p:extLst>
+      <p:ext uri="{BB962C8B-B14F-4D97-AF65-F5344CB8AC3E}">
+        <p14:creationId xmlns:p14="http://schemas.microsoft.com/office/powerpoint/2010/main" val="1310610028"/>
+      </p:ext>
+    </p:extLst>
+  </p:cSld>
+  <p:clrMapOvr>
+    <a:masterClrMapping/>
+  </p:clrMapOvr>
+</p:sld>
+</file>
+
+<file path=ppt/slides/slide11.xml><?xml version="1.0" encoding="utf-8"?>
+<p:sld xmlns:a="http://schemas.openxmlformats.org/drawingml/2006/main" xmlns:r="http://schemas.openxmlformats.org/officeDocument/2006/relationships" xmlns:p="http://schemas.openxmlformats.org/presentationml/2006/main">
+  <p:cSld>
+    <p:spTree>
+      <p:nvGrpSpPr>
+        <p:cNvPr id="1" name=""/>
+        <p:cNvGrpSpPr/>
+        <p:nvPr/>
+      </p:nvGrpSpPr>
+      <p:grpSpPr>
+        <a:xfrm>
+          <a:off x="0" y="0"/>
+          <a:ext cx="0" cy="0"/>
+          <a:chOff x="0" y="0"/>
+          <a:chExt cx="0" cy="0"/>
+        </a:xfrm>
+      </p:grpSpPr>
+      <p:sp>
+        <p:nvSpPr>
+          <p:cNvPr id="2" name="Titel 1"/>
+          <p:cNvSpPr>
+            <a:spLocks noGrp="1"/>
+          </p:cNvSpPr>
+          <p:nvPr>
+            <p:ph type="title"/>
+          </p:nvPr>
+        </p:nvSpPr>
+        <p:spPr/>
+        <p:txBody>
+          <a:bodyPr/>
+          <a:lstStyle/>
+          <a:p>
+            <a:r>
+              <a:rPr lang="de-DE" dirty="0"/>
+              <a:t>Studienziele &amp; -aufgaben</a:t>
+            </a:r>
+          </a:p>
+        </p:txBody>
+      </p:sp>
+      <p:sp>
+        <p:nvSpPr>
+          <p:cNvPr id="3" name="Inhaltsplatzhalter 2"/>
+          <p:cNvSpPr>
+            <a:spLocks noGrp="1"/>
+          </p:cNvSpPr>
+          <p:nvPr>
+            <p:ph idx="1"/>
+          </p:nvPr>
+        </p:nvSpPr>
+        <p:spPr/>
+        <p:txBody>
+          <a:bodyPr/>
+          <a:lstStyle/>
+          <a:p>
+            <a:pPr lvl="0"/>
+            <a:r>
+              <a:rPr lang="de-DE" dirty="0"/>
+              <a:t>Entwicklung von Risikovorhersagemodellen für chronische Erkrankungen</a:t>
+            </a:r>
+          </a:p>
+          <a:p>
+            <a:pPr lvl="0"/>
+            <a:r>
+              <a:rPr lang="de-DE" dirty="0"/>
+              <a:t>Entwicklung personalisierter Präventionsstrategien</a:t>
+            </a:r>
+          </a:p>
+          <a:p>
+            <a:pPr lvl="0"/>
+            <a:r>
+              <a:rPr lang="de-DE"/>
+              <a:t>Evaluation von Markern als effektive Hilfsmittel zur Früherkennung von chronischen </a:t>
+            </a:r>
+            <a:r>
+              <a:rPr lang="de-DE" smtClean="0"/>
+              <a:t>Krankheiten</a:t>
+            </a:r>
+            <a:endParaRPr lang="de-DE"/>
+          </a:p>
+        </p:txBody>
+      </p:sp>
+      <p:sp>
+        <p:nvSpPr>
+          <p:cNvPr id="4" name="Fußzeilenplatzhalter 3"/>
+          <p:cNvSpPr>
+            <a:spLocks noGrp="1"/>
+          </p:cNvSpPr>
+          <p:nvPr>
+            <p:ph type="ftr" sz="quarter" idx="11"/>
+          </p:nvPr>
+        </p:nvSpPr>
+        <p:spPr/>
+        <p:txBody>
+          <a:bodyPr/>
+          <a:lstStyle/>
+          <a:p>
+            <a:r>
+              <a:rPr lang="en-US" smtClean="0"/>
+              <a:t>| Dominik Meixner | Dominique Cheray |</a:t>
+            </a:r>
+            <a:endParaRPr lang="en-US" dirty="0"/>
+          </a:p>
+        </p:txBody>
+      </p:sp>
+    </p:spTree>
+    <p:extLst>
+      <p:ext uri="{BB962C8B-B14F-4D97-AF65-F5344CB8AC3E}">
+        <p14:creationId xmlns:p14="http://schemas.microsoft.com/office/powerpoint/2010/main" val="1097216019"/>
+      </p:ext>
+    </p:extLst>
+  </p:cSld>
+  <p:clrMapOvr>
+    <a:masterClrMapping/>
+  </p:clrMapOvr>
+</p:sld>
+</file>
+
+<file path=ppt/slides/slide12.xml><?xml version="1.0" encoding="utf-8"?>
+<p:sld xmlns:a="http://schemas.openxmlformats.org/drawingml/2006/main" xmlns:r="http://schemas.openxmlformats.org/officeDocument/2006/relationships" xmlns:p="http://schemas.openxmlformats.org/presentationml/2006/main">
+  <p:cSld>
+    <p:spTree>
+      <p:nvGrpSpPr>
+        <p:cNvPr id="1" name=""/>
+        <p:cNvGrpSpPr/>
+        <p:nvPr/>
+      </p:nvGrpSpPr>
+      <p:grpSpPr>
+        <a:xfrm>
+          <a:off x="0" y="0"/>
+          <a:ext cx="0" cy="0"/>
+          <a:chOff x="0" y="0"/>
+          <a:chExt cx="0" cy="0"/>
+        </a:xfrm>
+      </p:grpSpPr>
+      <p:sp>
+        <p:nvSpPr>
+          <p:cNvPr id="2" name="Titel 1"/>
+          <p:cNvSpPr>
+            <a:spLocks noGrp="1"/>
+          </p:cNvSpPr>
+          <p:nvPr>
+            <p:ph type="title"/>
+          </p:nvPr>
+        </p:nvSpPr>
+        <p:spPr/>
+        <p:txBody>
+          <a:bodyPr/>
+          <a:lstStyle/>
+          <a:p>
+            <a:r>
+              <a:rPr lang="de-DE" dirty="0" smtClean="0"/>
+              <a:t>Studienaufbau</a:t>
+            </a:r>
+            <a:endParaRPr lang="de-DE" dirty="0"/>
+          </a:p>
+        </p:txBody>
+      </p:sp>
+      <p:sp>
+        <p:nvSpPr>
+          <p:cNvPr id="3" name="Textplatzhalter 2"/>
+          <p:cNvSpPr>
+            <a:spLocks noGrp="1"/>
+          </p:cNvSpPr>
+          <p:nvPr>
+            <p:ph type="body" idx="1"/>
+          </p:nvPr>
+        </p:nvSpPr>
+        <p:spPr/>
+        <p:txBody>
+          <a:bodyPr/>
+          <a:lstStyle/>
+          <a:p>
+            <a:endParaRPr lang="de-DE"/>
+          </a:p>
+        </p:txBody>
+      </p:sp>
+      <p:sp>
+        <p:nvSpPr>
+          <p:cNvPr id="4" name="Fußzeilenplatzhalter 3"/>
+          <p:cNvSpPr>
+            <a:spLocks noGrp="1"/>
+          </p:cNvSpPr>
+          <p:nvPr>
+            <p:ph type="ftr" sz="quarter" idx="11"/>
+          </p:nvPr>
+        </p:nvSpPr>
+        <p:spPr/>
+        <p:txBody>
+          <a:bodyPr/>
+          <a:lstStyle/>
+          <a:p>
+            <a:r>
+              <a:rPr lang="en-US" smtClean="0"/>
+              <a:t>| Dominik Meixner | Dominique Cheray |</a:t>
+            </a:r>
+            <a:endParaRPr lang="en-US" dirty="0"/>
+          </a:p>
+        </p:txBody>
+      </p:sp>
+      <p:pic>
+        <p:nvPicPr>
+          <p:cNvPr id="5" name="Grafik 4"/>
+          <p:cNvPicPr>
+            <a:picLocks noChangeAspect="1"/>
+          </p:cNvPicPr>
+          <p:nvPr/>
+        </p:nvPicPr>
+        <p:blipFill>
+          <a:blip r:embed="rId2">
+            <a:extLst>
+              <a:ext uri="{28A0092B-C50C-407E-A947-70E740481C1C}">
+                <a14:useLocalDpi xmlns:a14="http://schemas.microsoft.com/office/drawing/2010/main" val="0"/>
+              </a:ext>
+            </a:extLst>
+          </a:blip>
+          <a:stretch>
+            <a:fillRect/>
+          </a:stretch>
+        </p:blipFill>
+        <p:spPr>
+          <a:xfrm>
+            <a:off x="6646586" y="683663"/>
+            <a:ext cx="1838582" cy="1724266"/>
+          </a:xfrm>
+          <a:prstGeom prst="rect">
+            <a:avLst/>
+          </a:prstGeom>
+        </p:spPr>
+      </p:pic>
+    </p:spTree>
+    <p:extLst>
+      <p:ext uri="{BB962C8B-B14F-4D97-AF65-F5344CB8AC3E}">
+        <p14:creationId xmlns:p14="http://schemas.microsoft.com/office/powerpoint/2010/main" val="2328165854"/>
+      </p:ext>
+    </p:extLst>
+  </p:cSld>
+  <p:clrMapOvr>
+    <a:masterClrMapping/>
+  </p:clrMapOvr>
+</p:sld>
+</file>
+
+<file path=ppt/slides/slide13.xml><?xml version="1.0" encoding="utf-8"?>
+<p:sld xmlns:a="http://schemas.openxmlformats.org/drawingml/2006/main" xmlns:r="http://schemas.openxmlformats.org/officeDocument/2006/relationships" xmlns:p="http://schemas.openxmlformats.org/presentationml/2006/main">
+  <p:cSld>
+    <p:spTree>
+      <p:nvGrpSpPr>
+        <p:cNvPr id="1" name=""/>
+        <p:cNvGrpSpPr/>
+        <p:nvPr/>
+      </p:nvGrpSpPr>
+      <p:grpSpPr>
+        <a:xfrm>
+          <a:off x="0" y="0"/>
+          <a:ext cx="0" cy="0"/>
+          <a:chOff x="0" y="0"/>
+          <a:chExt cx="0" cy="0"/>
+        </a:xfrm>
+      </p:grpSpPr>
+      <p:sp>
+        <p:nvSpPr>
+          <p:cNvPr id="2" name="Titel 1"/>
+          <p:cNvSpPr>
+            <a:spLocks noGrp="1"/>
+          </p:cNvSpPr>
+          <p:nvPr>
+            <p:ph type="title"/>
+          </p:nvPr>
+        </p:nvSpPr>
+        <p:spPr/>
+        <p:txBody>
+          <a:bodyPr/>
+          <a:lstStyle/>
+          <a:p>
+            <a:r>
+              <a:rPr lang="de-DE" dirty="0" smtClean="0"/>
+              <a:t>Studienaufbau – Charakteristika</a:t>
+            </a:r>
+            <a:endParaRPr lang="de-DE" dirty="0"/>
+          </a:p>
+        </p:txBody>
+      </p:sp>
+      <p:sp>
+        <p:nvSpPr>
+          <p:cNvPr id="3" name="Inhaltsplatzhalter 2"/>
+          <p:cNvSpPr>
+            <a:spLocks noGrp="1"/>
+          </p:cNvSpPr>
+          <p:nvPr>
+            <p:ph idx="1"/>
+          </p:nvPr>
+        </p:nvSpPr>
+        <p:spPr/>
+        <p:txBody>
+          <a:bodyPr/>
+          <a:lstStyle/>
+          <a:p>
+            <a:r>
+              <a:rPr lang="de-DE" dirty="0" smtClean="0"/>
+              <a:t>Prospektive </a:t>
+            </a:r>
+            <a:r>
+              <a:rPr lang="de-DE" dirty="0" err="1" smtClean="0"/>
+              <a:t>Kohortenstudie</a:t>
+            </a:r>
+            <a:endParaRPr lang="de-DE" dirty="0" smtClean="0"/>
+          </a:p>
+          <a:p>
+            <a:r>
+              <a:rPr lang="de-DE" dirty="0" smtClean="0"/>
+              <a:t>Randomisiert</a:t>
+            </a:r>
+          </a:p>
+          <a:p>
+            <a:r>
+              <a:rPr lang="de-DE" dirty="0" smtClean="0"/>
+              <a:t>Teilnehmer: 200.000 Männer und Frauen</a:t>
+            </a:r>
+          </a:p>
+          <a:p>
+            <a:r>
+              <a:rPr lang="de-DE" dirty="0" smtClean="0"/>
+              <a:t>Alter: 20 – 69 Jahre</a:t>
+            </a:r>
+          </a:p>
+          <a:p>
+            <a:r>
+              <a:rPr lang="de-DE" dirty="0" smtClean="0"/>
+              <a:t>Dauer: 20 – 30 Jahre</a:t>
+            </a:r>
+          </a:p>
+        </p:txBody>
+      </p:sp>
+      <p:sp>
+        <p:nvSpPr>
+          <p:cNvPr id="4" name="Fußzeilenplatzhalter 3"/>
+          <p:cNvSpPr>
+            <a:spLocks noGrp="1"/>
+          </p:cNvSpPr>
+          <p:nvPr>
+            <p:ph type="ftr" sz="quarter" idx="11"/>
+          </p:nvPr>
+        </p:nvSpPr>
+        <p:spPr/>
+        <p:txBody>
+          <a:bodyPr/>
+          <a:lstStyle/>
+          <a:p>
+            <a:r>
+              <a:rPr lang="en-US" smtClean="0"/>
+              <a:t>| Dominik Meixner | Dominique Cheray |</a:t>
+            </a:r>
+            <a:endParaRPr lang="en-US" dirty="0"/>
+          </a:p>
+        </p:txBody>
+      </p:sp>
+    </p:spTree>
+    <p:extLst>
+      <p:ext uri="{BB962C8B-B14F-4D97-AF65-F5344CB8AC3E}">
+        <p14:creationId xmlns:p14="http://schemas.microsoft.com/office/powerpoint/2010/main" val="4260189821"/>
+      </p:ext>
+    </p:extLst>
+  </p:cSld>
+  <p:clrMapOvr>
+    <a:masterClrMapping/>
+  </p:clrMapOvr>
+</p:sld>
+</file>
+
+<file path=ppt/slides/slide14.xml><?xml version="1.0" encoding="utf-8"?>
+<p:sld xmlns:a="http://schemas.openxmlformats.org/drawingml/2006/main" xmlns:r="http://schemas.openxmlformats.org/officeDocument/2006/relationships" xmlns:p="http://schemas.openxmlformats.org/presentationml/2006/main">
+  <p:cSld>
+    <p:spTree>
+      <p:nvGrpSpPr>
+        <p:cNvPr id="1" name=""/>
+        <p:cNvGrpSpPr/>
+        <p:nvPr/>
+      </p:nvGrpSpPr>
+      <p:grpSpPr>
+        <a:xfrm>
+          <a:off x="0" y="0"/>
+          <a:ext cx="0" cy="0"/>
+          <a:chOff x="0" y="0"/>
+          <a:chExt cx="0" cy="0"/>
+        </a:xfrm>
+      </p:grpSpPr>
+      <p:sp>
+        <p:nvSpPr>
+          <p:cNvPr id="2" name="Titel 1"/>
+          <p:cNvSpPr>
+            <a:spLocks noGrp="1"/>
+          </p:cNvSpPr>
+          <p:nvPr>
+            <p:ph type="title"/>
+          </p:nvPr>
+        </p:nvSpPr>
+        <p:spPr/>
+        <p:txBody>
+          <a:bodyPr/>
+          <a:lstStyle/>
+          <a:p>
+            <a:r>
+              <a:rPr lang="de-DE" dirty="0"/>
+              <a:t>Studienaufbau – Charakteristika</a:t>
+            </a:r>
+          </a:p>
+        </p:txBody>
+      </p:sp>
+      <p:sp>
+        <p:nvSpPr>
+          <p:cNvPr id="3" name="Inhaltsplatzhalter 2"/>
+          <p:cNvSpPr>
+            <a:spLocks noGrp="1"/>
+          </p:cNvSpPr>
+          <p:nvPr>
+            <p:ph idx="1"/>
+          </p:nvPr>
+        </p:nvSpPr>
+        <p:spPr/>
+        <p:txBody>
+          <a:bodyPr/>
+          <a:lstStyle/>
+          <a:p>
+            <a:r>
+              <a:rPr lang="de-DE" dirty="0" smtClean="0"/>
+              <a:t>Basisuntersuchung</a:t>
+            </a:r>
+          </a:p>
+          <a:p>
+            <a:r>
+              <a:rPr lang="de-DE" dirty="0" smtClean="0"/>
+              <a:t>Folgeuntersuchung </a:t>
+            </a:r>
+            <a:r>
+              <a:rPr lang="de-DE" dirty="0"/>
+              <a:t>nach </a:t>
+            </a:r>
+            <a:br>
+              <a:rPr lang="de-DE" dirty="0"/>
+            </a:br>
+            <a:r>
+              <a:rPr lang="de-DE" dirty="0" smtClean="0"/>
+              <a:t>4-5 Jahren</a:t>
+            </a:r>
+          </a:p>
+          <a:p>
+            <a:r>
+              <a:rPr lang="de-DE" dirty="0" smtClean="0"/>
+              <a:t>Kombination aktiver und </a:t>
+            </a:r>
+            <a:br>
+              <a:rPr lang="de-DE" dirty="0" smtClean="0"/>
+            </a:br>
+            <a:r>
+              <a:rPr lang="de-DE" dirty="0" smtClean="0"/>
+              <a:t>passiver Nachbeobachtung</a:t>
+            </a:r>
+            <a:endParaRPr lang="de-DE" dirty="0"/>
+          </a:p>
+        </p:txBody>
+      </p:sp>
+      <p:sp>
+        <p:nvSpPr>
+          <p:cNvPr id="4" name="Fußzeilenplatzhalter 3"/>
+          <p:cNvSpPr>
+            <a:spLocks noGrp="1"/>
+          </p:cNvSpPr>
+          <p:nvPr>
+            <p:ph type="ftr" sz="quarter" idx="11"/>
+          </p:nvPr>
+        </p:nvSpPr>
+        <p:spPr/>
+        <p:txBody>
+          <a:bodyPr/>
+          <a:lstStyle/>
+          <a:p>
+            <a:r>
+              <a:rPr lang="en-US" smtClean="0"/>
+              <a:t>| Dominik Meixner | Dominique Cheray |</a:t>
+            </a:r>
+            <a:endParaRPr lang="en-US" dirty="0"/>
+          </a:p>
+        </p:txBody>
+      </p:sp>
+      <p:pic>
+        <p:nvPicPr>
+          <p:cNvPr id="5" name="Grafik 4"/>
+          <p:cNvPicPr>
+            <a:picLocks noChangeAspect="1"/>
+          </p:cNvPicPr>
+          <p:nvPr/>
+        </p:nvPicPr>
+        <p:blipFill>
+          <a:blip r:embed="rId3">
+            <a:extLst>
+              <a:ext uri="{BEBA8EAE-BF5A-486C-A8C5-ECC9F3942E4B}">
+                <a14:imgProps xmlns:a14="http://schemas.microsoft.com/office/drawing/2010/main">
+                  <a14:imgLayer r:embed="rId4">
+                    <a14:imgEffect>
+                      <a14:sharpenSoften amount="25000"/>
+                    </a14:imgEffect>
+                  </a14:imgLayer>
+                </a14:imgProps>
+              </a:ext>
+              <a:ext uri="{28A0092B-C50C-407E-A947-70E740481C1C}">
+                <a14:useLocalDpi xmlns:a14="http://schemas.microsoft.com/office/drawing/2010/main" val="0"/>
+              </a:ext>
+            </a:extLst>
+          </a:blip>
+          <a:stretch>
+            <a:fillRect/>
+          </a:stretch>
+        </p:blipFill>
+        <p:spPr>
+          <a:xfrm>
+            <a:off x="5453992" y="2025354"/>
+            <a:ext cx="5670856" cy="2708304"/>
+          </a:xfrm>
+          <a:prstGeom prst="rect">
+            <a:avLst/>
+          </a:prstGeom>
+        </p:spPr>
+      </p:pic>
+      <p:sp>
+        <p:nvSpPr>
+          <p:cNvPr id="6" name="Textfeld 5"/>
+          <p:cNvSpPr txBox="1"/>
+          <p:nvPr/>
+        </p:nvSpPr>
+        <p:spPr>
+          <a:xfrm>
+            <a:off x="5964964" y="4733657"/>
+            <a:ext cx="4648913" cy="246221"/>
+          </a:xfrm>
+          <a:prstGeom prst="rect">
+            <a:avLst/>
+          </a:prstGeom>
+          <a:noFill/>
+        </p:spPr>
+        <p:txBody>
+          <a:bodyPr wrap="square" rtlCol="0">
+            <a:spAutoFit/>
+          </a:bodyPr>
+          <a:lstStyle/>
+          <a:p>
+            <a:r>
+              <a:rPr lang="de-DE" sz="1000" dirty="0"/>
+              <a:t>http://www.nationale-kohorte.de/content/nationale-kohorte.pdf</a:t>
+            </a:r>
+          </a:p>
+        </p:txBody>
+      </p:sp>
+    </p:spTree>
+    <p:extLst>
+      <p:ext uri="{BB962C8B-B14F-4D97-AF65-F5344CB8AC3E}">
+        <p14:creationId xmlns:p14="http://schemas.microsoft.com/office/powerpoint/2010/main" val="3487651324"/>
+      </p:ext>
+    </p:extLst>
+  </p:cSld>
+  <p:clrMapOvr>
+    <a:masterClrMapping/>
+  </p:clrMapOvr>
+</p:sld>
+</file>
+
+<file path=ppt/slides/slide15.xml><?xml version="1.0" encoding="utf-8"?>
+<p:sld xmlns:a="http://schemas.openxmlformats.org/drawingml/2006/main" xmlns:r="http://schemas.openxmlformats.org/officeDocument/2006/relationships" xmlns:p="http://schemas.openxmlformats.org/presentationml/2006/main">
+  <p:cSld>
+    <p:spTree>
+      <p:nvGrpSpPr>
+        <p:cNvPr id="1" name=""/>
+        <p:cNvGrpSpPr/>
+        <p:nvPr/>
+      </p:nvGrpSpPr>
+      <p:grpSpPr>
+        <a:xfrm>
+          <a:off x="0" y="0"/>
+          <a:ext cx="0" cy="0"/>
+          <a:chOff x="0" y="0"/>
+          <a:chExt cx="0" cy="0"/>
+        </a:xfrm>
+      </p:grpSpPr>
+      <p:sp>
+        <p:nvSpPr>
+          <p:cNvPr id="2" name="Titel 1"/>
+          <p:cNvSpPr>
+            <a:spLocks noGrp="1"/>
+          </p:cNvSpPr>
+          <p:nvPr>
+            <p:ph type="title"/>
+          </p:nvPr>
+        </p:nvSpPr>
+        <p:spPr/>
+        <p:txBody>
+          <a:bodyPr>
+            <a:noAutofit/>
+          </a:bodyPr>
+          <a:lstStyle/>
+          <a:p>
+            <a:r>
+              <a:rPr lang="de-DE" dirty="0" smtClean="0"/>
+              <a:t>Studienaufbau - Untersuchungsmodule</a:t>
+            </a:r>
+            <a:endParaRPr lang="de-DE" dirty="0"/>
+          </a:p>
+        </p:txBody>
+      </p:sp>
+      <p:sp>
+        <p:nvSpPr>
+          <p:cNvPr id="3" name="Inhaltsplatzhalter 2"/>
+          <p:cNvSpPr>
+            <a:spLocks noGrp="1"/>
+          </p:cNvSpPr>
+          <p:nvPr>
+            <p:ph idx="1"/>
+          </p:nvPr>
+        </p:nvSpPr>
+        <p:spPr/>
+        <p:txBody>
+          <a:bodyPr/>
+          <a:lstStyle/>
+          <a:p>
+            <a:r>
+              <a:rPr lang="de-DE" dirty="0" smtClean="0"/>
+              <a:t>Herz-Kreislauf-System</a:t>
+            </a:r>
+          </a:p>
+          <a:p>
+            <a:r>
+              <a:rPr lang="de-DE" dirty="0" smtClean="0"/>
+              <a:t>Diabetes</a:t>
+            </a:r>
+          </a:p>
+          <a:p>
+            <a:r>
+              <a:rPr lang="de-DE" dirty="0" smtClean="0"/>
+              <a:t>Kognitive Funktion</a:t>
+            </a:r>
+          </a:p>
+          <a:p>
+            <a:r>
+              <a:rPr lang="de-DE" dirty="0" smtClean="0"/>
+              <a:t>Lungenfunktion</a:t>
+            </a:r>
+          </a:p>
+          <a:p>
+            <a:r>
+              <a:rPr lang="de-DE" dirty="0" smtClean="0"/>
+              <a:t>Muskel-Skelett-System</a:t>
+            </a:r>
+          </a:p>
+          <a:p>
+            <a:r>
+              <a:rPr lang="de-DE" dirty="0" smtClean="0"/>
+              <a:t>Mundgesundheit</a:t>
+            </a:r>
+          </a:p>
+          <a:p>
+            <a:r>
+              <a:rPr lang="de-DE" dirty="0" smtClean="0"/>
+              <a:t>Sinnesorgane</a:t>
+            </a:r>
+            <a:endParaRPr lang="de-DE" dirty="0"/>
+          </a:p>
+        </p:txBody>
+      </p:sp>
+      <p:sp>
+        <p:nvSpPr>
+          <p:cNvPr id="4" name="Fußzeilenplatzhalter 3"/>
+          <p:cNvSpPr>
+            <a:spLocks noGrp="1"/>
+          </p:cNvSpPr>
+          <p:nvPr>
+            <p:ph type="ftr" sz="quarter" idx="11"/>
+          </p:nvPr>
+        </p:nvSpPr>
+        <p:spPr/>
+        <p:txBody>
+          <a:bodyPr/>
+          <a:lstStyle/>
+          <a:p>
+            <a:r>
+              <a:rPr lang="en-US" smtClean="0"/>
+              <a:t>| Dominik Meixner | Dominique Cheray |</a:t>
+            </a:r>
+            <a:endParaRPr lang="en-US" dirty="0"/>
+          </a:p>
+        </p:txBody>
+      </p:sp>
+    </p:spTree>
+    <p:extLst>
+      <p:ext uri="{BB962C8B-B14F-4D97-AF65-F5344CB8AC3E}">
+        <p14:creationId xmlns:p14="http://schemas.microsoft.com/office/powerpoint/2010/main" val="3117971425"/>
+      </p:ext>
+    </p:extLst>
+  </p:cSld>
+  <p:clrMapOvr>
+    <a:masterClrMapping/>
+  </p:clrMapOvr>
+</p:sld>
+</file>
+
+<file path=ppt/slides/slide16.xml><?xml version="1.0" encoding="utf-8"?>
+<p:sld xmlns:a="http://schemas.openxmlformats.org/drawingml/2006/main" xmlns:r="http://schemas.openxmlformats.org/officeDocument/2006/relationships" xmlns:p="http://schemas.openxmlformats.org/presentationml/2006/main">
+  <p:cSld>
+    <p:spTree>
+      <p:nvGrpSpPr>
+        <p:cNvPr id="1" name=""/>
+        <p:cNvGrpSpPr/>
+        <p:nvPr/>
+      </p:nvGrpSpPr>
+      <p:grpSpPr>
+        <a:xfrm>
+          <a:off x="0" y="0"/>
+          <a:ext cx="0" cy="0"/>
+          <a:chOff x="0" y="0"/>
+          <a:chExt cx="0" cy="0"/>
+        </a:xfrm>
+      </p:grpSpPr>
+      <p:sp>
+        <p:nvSpPr>
+          <p:cNvPr id="2" name="Titel 1"/>
+          <p:cNvSpPr>
+            <a:spLocks noGrp="1"/>
+          </p:cNvSpPr>
+          <p:nvPr>
+            <p:ph type="title"/>
+          </p:nvPr>
+        </p:nvSpPr>
+        <p:spPr/>
+        <p:txBody>
+          <a:bodyPr>
+            <a:noAutofit/>
+          </a:bodyPr>
+          <a:lstStyle/>
+          <a:p>
+            <a:r>
+              <a:rPr lang="de-DE" dirty="0"/>
+              <a:t>Studienaufbau - Untersuchungsmodule</a:t>
+            </a:r>
+          </a:p>
+        </p:txBody>
+      </p:sp>
+      <p:sp>
+        <p:nvSpPr>
+          <p:cNvPr id="3" name="Inhaltsplatzhalter 2"/>
+          <p:cNvSpPr>
+            <a:spLocks noGrp="1"/>
+          </p:cNvSpPr>
+          <p:nvPr>
+            <p:ph idx="1"/>
+          </p:nvPr>
+        </p:nvSpPr>
+        <p:spPr/>
+        <p:txBody>
+          <a:bodyPr/>
+          <a:lstStyle/>
+          <a:p>
+            <a:r>
+              <a:rPr lang="de-DE" dirty="0" smtClean="0"/>
+              <a:t>Körperliche Aktivität und Fitness</a:t>
+            </a:r>
+          </a:p>
+          <a:p>
+            <a:r>
+              <a:rPr lang="de-DE" dirty="0" smtClean="0"/>
+              <a:t>Anthropometrie</a:t>
+            </a:r>
+          </a:p>
+          <a:p>
+            <a:r>
+              <a:rPr lang="de-DE" dirty="0" smtClean="0"/>
+              <a:t>MRT-Untersuchung</a:t>
+            </a:r>
+          </a:p>
+          <a:p>
+            <a:r>
+              <a:rPr lang="de-DE" dirty="0" smtClean="0"/>
+              <a:t>Ultraschall des Herzens</a:t>
+            </a:r>
+            <a:endParaRPr lang="de-DE" dirty="0"/>
+          </a:p>
+          <a:p>
+            <a:r>
+              <a:rPr lang="de-DE" dirty="0" smtClean="0"/>
+              <a:t>Sammlung von Bioproben</a:t>
+            </a:r>
+          </a:p>
+          <a:p>
+            <a:r>
+              <a:rPr lang="de-DE" dirty="0" smtClean="0"/>
+              <a:t>Befragung zu sozioökonomischen Faktoren, Gesundheit und Lebensstil</a:t>
+            </a:r>
+            <a:endParaRPr lang="de-DE" dirty="0"/>
+          </a:p>
+        </p:txBody>
+      </p:sp>
+      <p:sp>
+        <p:nvSpPr>
+          <p:cNvPr id="4" name="Fußzeilenplatzhalter 3"/>
+          <p:cNvSpPr>
+            <a:spLocks noGrp="1"/>
+          </p:cNvSpPr>
+          <p:nvPr>
+            <p:ph type="ftr" sz="quarter" idx="11"/>
+          </p:nvPr>
+        </p:nvSpPr>
+        <p:spPr/>
+        <p:txBody>
+          <a:bodyPr/>
+          <a:lstStyle/>
+          <a:p>
+            <a:r>
+              <a:rPr lang="en-US" smtClean="0"/>
+              <a:t>| Dominik Meixner | Dominique Cheray |</a:t>
+            </a:r>
+            <a:endParaRPr lang="en-US" dirty="0"/>
+          </a:p>
+        </p:txBody>
+      </p:sp>
+    </p:spTree>
+    <p:extLst>
+      <p:ext uri="{BB962C8B-B14F-4D97-AF65-F5344CB8AC3E}">
+        <p14:creationId xmlns:p14="http://schemas.microsoft.com/office/powerpoint/2010/main" val="381225604"/>
+      </p:ext>
+    </p:extLst>
+  </p:cSld>
+  <p:clrMapOvr>
+    <a:masterClrMapping/>
+  </p:clrMapOvr>
+</p:sld>
+</file>
+
+<file path=ppt/slides/slide17.xml><?xml version="1.0" encoding="utf-8"?>
+<p:sld xmlns:a="http://schemas.openxmlformats.org/drawingml/2006/main" xmlns:r="http://schemas.openxmlformats.org/officeDocument/2006/relationships" xmlns:p="http://schemas.openxmlformats.org/presentationml/2006/main">
+  <p:cSld>
+    <p:spTree>
+      <p:nvGrpSpPr>
+        <p:cNvPr id="1" name=""/>
+        <p:cNvGrpSpPr/>
+        <p:nvPr/>
+      </p:nvGrpSpPr>
+      <p:grpSpPr>
+        <a:xfrm>
+          <a:off x="0" y="0"/>
+          <a:ext cx="0" cy="0"/>
+          <a:chOff x="0" y="0"/>
+          <a:chExt cx="0" cy="0"/>
+        </a:xfrm>
+      </p:grpSpPr>
+      <p:sp>
+        <p:nvSpPr>
+          <p:cNvPr id="2" name="Titel 1"/>
+          <p:cNvSpPr>
+            <a:spLocks noGrp="1"/>
+          </p:cNvSpPr>
+          <p:nvPr>
+            <p:ph type="title"/>
+          </p:nvPr>
+        </p:nvSpPr>
+        <p:spPr/>
+        <p:txBody>
+          <a:bodyPr/>
+          <a:lstStyle/>
+          <a:p>
+            <a:r>
+              <a:rPr lang="de-DE" dirty="0" smtClean="0"/>
+              <a:t>Rechtliche Aspekte</a:t>
+            </a:r>
+            <a:endParaRPr lang="de-DE" dirty="0"/>
+          </a:p>
+        </p:txBody>
+      </p:sp>
+      <p:sp>
+        <p:nvSpPr>
+          <p:cNvPr id="3" name="Textplatzhalter 2"/>
+          <p:cNvSpPr>
+            <a:spLocks noGrp="1"/>
+          </p:cNvSpPr>
+          <p:nvPr>
+            <p:ph type="body" idx="1"/>
+          </p:nvPr>
+        </p:nvSpPr>
+        <p:spPr/>
+        <p:txBody>
+          <a:bodyPr/>
+          <a:lstStyle/>
+          <a:p>
+            <a:endParaRPr lang="de-DE"/>
+          </a:p>
+        </p:txBody>
+      </p:sp>
+      <p:sp>
+        <p:nvSpPr>
+          <p:cNvPr id="4" name="Fußzeilenplatzhalter 3"/>
+          <p:cNvSpPr>
+            <a:spLocks noGrp="1"/>
+          </p:cNvSpPr>
+          <p:nvPr>
+            <p:ph type="ftr" sz="quarter" idx="11"/>
+          </p:nvPr>
+        </p:nvSpPr>
+        <p:spPr/>
+        <p:txBody>
+          <a:bodyPr/>
+          <a:lstStyle/>
+          <a:p>
+            <a:r>
+              <a:rPr lang="en-US" smtClean="0"/>
+              <a:t>| Dominik Meixner | Dominique Cheray |</a:t>
+            </a:r>
+            <a:endParaRPr lang="en-US" dirty="0"/>
+          </a:p>
+        </p:txBody>
+      </p:sp>
+      <p:pic>
+        <p:nvPicPr>
+          <p:cNvPr id="5" name="Grafik 4"/>
+          <p:cNvPicPr>
+            <a:picLocks noChangeAspect="1"/>
+          </p:cNvPicPr>
+          <p:nvPr/>
+        </p:nvPicPr>
+        <p:blipFill>
+          <a:blip r:embed="rId2">
+            <a:extLst>
+              <a:ext uri="{28A0092B-C50C-407E-A947-70E740481C1C}">
+                <a14:useLocalDpi xmlns:a14="http://schemas.microsoft.com/office/drawing/2010/main" val="0"/>
+              </a:ext>
+            </a:extLst>
+          </a:blip>
+          <a:stretch>
+            <a:fillRect/>
+          </a:stretch>
+        </p:blipFill>
+        <p:spPr>
+          <a:xfrm>
+            <a:off x="6646586" y="683663"/>
+            <a:ext cx="1838582" cy="1724266"/>
+          </a:xfrm>
+          <a:prstGeom prst="rect">
+            <a:avLst/>
+          </a:prstGeom>
+        </p:spPr>
+      </p:pic>
+    </p:spTree>
+    <p:extLst>
+      <p:ext uri="{BB962C8B-B14F-4D97-AF65-F5344CB8AC3E}">
+        <p14:creationId xmlns:p14="http://schemas.microsoft.com/office/powerpoint/2010/main" val="1936364652"/>
+      </p:ext>
+    </p:extLst>
+  </p:cSld>
+  <p:clrMapOvr>
+    <a:masterClrMapping/>
+  </p:clrMapOvr>
+</p:sld>
+</file>
+
+<file path=ppt/slides/slide18.xml><?xml version="1.0" encoding="utf-8"?>
+<p:sld xmlns:a="http://schemas.openxmlformats.org/drawingml/2006/main" xmlns:r="http://schemas.openxmlformats.org/officeDocument/2006/relationships" xmlns:p="http://schemas.openxmlformats.org/presentationml/2006/main">
+  <p:cSld>
+    <p:spTree>
+      <p:nvGrpSpPr>
+        <p:cNvPr id="1" name=""/>
+        <p:cNvGrpSpPr/>
+        <p:nvPr/>
+      </p:nvGrpSpPr>
+      <p:grpSpPr>
+        <a:xfrm>
+          <a:off x="0" y="0"/>
+          <a:ext cx="0" cy="0"/>
+          <a:chOff x="0" y="0"/>
+          <a:chExt cx="0" cy="0"/>
+        </a:xfrm>
+      </p:grpSpPr>
+      <p:sp>
+        <p:nvSpPr>
+          <p:cNvPr id="2" name="Titel 1"/>
+          <p:cNvSpPr>
+            <a:spLocks noGrp="1"/>
+          </p:cNvSpPr>
+          <p:nvPr>
+            <p:ph type="title"/>
+          </p:nvPr>
+        </p:nvSpPr>
+        <p:spPr/>
+        <p:txBody>
+          <a:bodyPr/>
+          <a:lstStyle/>
+          <a:p>
+            <a:r>
+              <a:rPr lang="de-DE" dirty="0" smtClean="0"/>
+              <a:t>Rechtliche Aspekte - Freiwilligkeit</a:t>
+            </a:r>
+            <a:endParaRPr lang="de-DE" dirty="0"/>
+          </a:p>
+        </p:txBody>
+      </p:sp>
+      <p:sp>
+        <p:nvSpPr>
+          <p:cNvPr id="3" name="Inhaltsplatzhalter 2"/>
+          <p:cNvSpPr>
+            <a:spLocks noGrp="1"/>
+          </p:cNvSpPr>
+          <p:nvPr>
+            <p:ph idx="1"/>
+          </p:nvPr>
+        </p:nvSpPr>
+        <p:spPr/>
+        <p:txBody>
+          <a:bodyPr/>
+          <a:lstStyle/>
+          <a:p>
+            <a:r>
+              <a:rPr lang="de-DE" dirty="0" smtClean="0"/>
+              <a:t>Freiwillige Studienteilnahme</a:t>
+            </a:r>
+          </a:p>
+          <a:p>
+            <a:r>
+              <a:rPr lang="de-DE" dirty="0" smtClean="0"/>
+              <a:t>Teilnahme jederzeit widerrufbar</a:t>
+            </a:r>
+            <a:endParaRPr lang="de-DE" dirty="0"/>
+          </a:p>
+        </p:txBody>
+      </p:sp>
+      <p:sp>
+        <p:nvSpPr>
+          <p:cNvPr id="4" name="Fußzeilenplatzhalter 3"/>
+          <p:cNvSpPr>
+            <a:spLocks noGrp="1"/>
+          </p:cNvSpPr>
+          <p:nvPr>
+            <p:ph type="ftr" sz="quarter" idx="11"/>
+          </p:nvPr>
+        </p:nvSpPr>
+        <p:spPr/>
+        <p:txBody>
+          <a:bodyPr/>
+          <a:lstStyle/>
+          <a:p>
+            <a:r>
+              <a:rPr lang="en-US" smtClean="0"/>
+              <a:t>| Dominik Meixner | Dominique Cheray |</a:t>
+            </a:r>
+            <a:endParaRPr lang="en-US" dirty="0"/>
+          </a:p>
+        </p:txBody>
+      </p:sp>
+    </p:spTree>
+    <p:extLst>
+      <p:ext uri="{BB962C8B-B14F-4D97-AF65-F5344CB8AC3E}">
+        <p14:creationId xmlns:p14="http://schemas.microsoft.com/office/powerpoint/2010/main" val="755049033"/>
+      </p:ext>
+    </p:extLst>
+  </p:cSld>
+  <p:clrMapOvr>
+    <a:masterClrMapping/>
+  </p:clrMapOvr>
+</p:sld>
+</file>
+
+<file path=ppt/slides/slide19.xml><?xml version="1.0" encoding="utf-8"?>
+<p:sld xmlns:a="http://schemas.openxmlformats.org/drawingml/2006/main" xmlns:r="http://schemas.openxmlformats.org/officeDocument/2006/relationships" xmlns:p="http://schemas.openxmlformats.org/presentationml/2006/main">
+  <p:cSld>
+    <p:spTree>
+      <p:nvGrpSpPr>
+        <p:cNvPr id="1" name=""/>
+        <p:cNvGrpSpPr/>
+        <p:nvPr/>
+      </p:nvGrpSpPr>
+      <p:grpSpPr>
+        <a:xfrm>
+          <a:off x="0" y="0"/>
+          <a:ext cx="0" cy="0"/>
+          <a:chOff x="0" y="0"/>
+          <a:chExt cx="0" cy="0"/>
+        </a:xfrm>
+      </p:grpSpPr>
+      <p:sp>
+        <p:nvSpPr>
+          <p:cNvPr id="2" name="Titel 1"/>
+          <p:cNvSpPr>
+            <a:spLocks noGrp="1"/>
+          </p:cNvSpPr>
+          <p:nvPr>
+            <p:ph type="title"/>
+          </p:nvPr>
+        </p:nvSpPr>
+        <p:spPr/>
+        <p:txBody>
+          <a:bodyPr>
+            <a:noAutofit/>
+          </a:bodyPr>
+          <a:lstStyle/>
+          <a:p>
+            <a:r>
+              <a:rPr lang="de-DE" dirty="0" smtClean="0"/>
+              <a:t>Rechtliche Aspekte – Recht auf Nichtwissen</a:t>
+            </a:r>
+            <a:endParaRPr lang="de-DE" dirty="0"/>
+          </a:p>
+        </p:txBody>
+      </p:sp>
+      <p:sp>
+        <p:nvSpPr>
+          <p:cNvPr id="3" name="Inhaltsplatzhalter 2"/>
+          <p:cNvSpPr>
+            <a:spLocks noGrp="1"/>
+          </p:cNvSpPr>
+          <p:nvPr>
+            <p:ph idx="1"/>
+          </p:nvPr>
+        </p:nvSpPr>
+        <p:spPr/>
+        <p:txBody>
+          <a:bodyPr/>
+          <a:lstStyle/>
+          <a:p>
+            <a:r>
+              <a:rPr lang="de-DE" dirty="0" smtClean="0"/>
+              <a:t>Teilnehmer entscheidet vor Studienteilnahme ob er über die Untersuchungsergebnisse informiert werden möchte</a:t>
+            </a:r>
+            <a:endParaRPr lang="de-DE" dirty="0"/>
+          </a:p>
+        </p:txBody>
+      </p:sp>
+      <p:sp>
+        <p:nvSpPr>
+          <p:cNvPr id="4" name="Fußzeilenplatzhalter 3"/>
+          <p:cNvSpPr>
+            <a:spLocks noGrp="1"/>
+          </p:cNvSpPr>
+          <p:nvPr>
+            <p:ph type="ftr" sz="quarter" idx="11"/>
+          </p:nvPr>
+        </p:nvSpPr>
+        <p:spPr/>
+        <p:txBody>
+          <a:bodyPr/>
+          <a:lstStyle/>
+          <a:p>
+            <a:r>
+              <a:rPr lang="en-US" smtClean="0"/>
+              <a:t>| Dominik Meixner | Dominique Cheray |</a:t>
+            </a:r>
+            <a:endParaRPr lang="en-US" dirty="0"/>
+          </a:p>
+        </p:txBody>
+      </p:sp>
+    </p:spTree>
+    <p:extLst>
+      <p:ext uri="{BB962C8B-B14F-4D97-AF65-F5344CB8AC3E}">
+        <p14:creationId xmlns:p14="http://schemas.microsoft.com/office/powerpoint/2010/main" val="3812788204"/>
+      </p:ext>
+    </p:extLst>
+  </p:cSld>
+  <p:clrMapOvr>
+    <a:masterClrMapping/>
+  </p:clrMapOvr>
+</p:sld>
+</file>
+
 <file path=ppt/slides/slide2.xml><?xml version="1.0" encoding="utf-8"?>
 <p:sld xmlns:a="http://schemas.openxmlformats.org/drawingml/2006/main" xmlns:r="http://schemas.openxmlformats.org/officeDocument/2006/relationships" xmlns:p="http://schemas.openxmlformats.org/presentationml/2006/main">
   <p:cSld>
@@ -6817,6 +9649,538 @@
 </p:sld>
 </file>
 
+<file path=ppt/slides/slide20.xml><?xml version="1.0" encoding="utf-8"?>
+<p:sld xmlns:a="http://schemas.openxmlformats.org/drawingml/2006/main" xmlns:r="http://schemas.openxmlformats.org/officeDocument/2006/relationships" xmlns:p="http://schemas.openxmlformats.org/presentationml/2006/main">
+  <p:cSld>
+    <p:spTree>
+      <p:nvGrpSpPr>
+        <p:cNvPr id="1" name=""/>
+        <p:cNvGrpSpPr/>
+        <p:nvPr/>
+      </p:nvGrpSpPr>
+      <p:grpSpPr>
+        <a:xfrm>
+          <a:off x="0" y="0"/>
+          <a:ext cx="0" cy="0"/>
+          <a:chOff x="0" y="0"/>
+          <a:chExt cx="0" cy="0"/>
+        </a:xfrm>
+      </p:grpSpPr>
+      <p:sp>
+        <p:nvSpPr>
+          <p:cNvPr id="2" name="Titel 1"/>
+          <p:cNvSpPr>
+            <a:spLocks noGrp="1"/>
+          </p:cNvSpPr>
+          <p:nvPr>
+            <p:ph type="title"/>
+          </p:nvPr>
+        </p:nvSpPr>
+        <p:spPr/>
+        <p:txBody>
+          <a:bodyPr/>
+          <a:lstStyle/>
+          <a:p>
+            <a:r>
+              <a:rPr lang="de-DE" dirty="0" smtClean="0"/>
+              <a:t>Rechtliche Aspekte – Ethik Kodex </a:t>
+            </a:r>
+            <a:endParaRPr lang="de-DE" dirty="0"/>
+          </a:p>
+        </p:txBody>
+      </p:sp>
+      <p:sp>
+        <p:nvSpPr>
+          <p:cNvPr id="3" name="Inhaltsplatzhalter 2"/>
+          <p:cNvSpPr>
+            <a:spLocks noGrp="1"/>
+          </p:cNvSpPr>
+          <p:nvPr>
+            <p:ph idx="1"/>
+          </p:nvPr>
+        </p:nvSpPr>
+        <p:spPr/>
+        <p:txBody>
+          <a:bodyPr/>
+          <a:lstStyle/>
+          <a:p>
+            <a:r>
+              <a:rPr lang="de-DE" dirty="0" smtClean="0"/>
+              <a:t>Hohes Schutzniveau zugunsten der Teilnehmer</a:t>
+            </a:r>
+          </a:p>
+          <a:p>
+            <a:r>
+              <a:rPr lang="de-DE" dirty="0" smtClean="0"/>
+              <a:t>Wahrung der Prinzipien der guten wissenschaftlichen Praxis</a:t>
+            </a:r>
+          </a:p>
+          <a:p>
+            <a:r>
+              <a:rPr lang="de-DE" dirty="0" smtClean="0"/>
+              <a:t>Unabhängiger Beirat überwacht Einhaltung der ethischen Standards</a:t>
+            </a:r>
+            <a:endParaRPr lang="de-DE" dirty="0"/>
+          </a:p>
+        </p:txBody>
+      </p:sp>
+      <p:sp>
+        <p:nvSpPr>
+          <p:cNvPr id="4" name="Fußzeilenplatzhalter 3"/>
+          <p:cNvSpPr>
+            <a:spLocks noGrp="1"/>
+          </p:cNvSpPr>
+          <p:nvPr>
+            <p:ph type="ftr" sz="quarter" idx="11"/>
+          </p:nvPr>
+        </p:nvSpPr>
+        <p:spPr/>
+        <p:txBody>
+          <a:bodyPr/>
+          <a:lstStyle/>
+          <a:p>
+            <a:r>
+              <a:rPr lang="en-US" smtClean="0"/>
+              <a:t>| Dominik Meixner | Dominique Cheray |</a:t>
+            </a:r>
+            <a:endParaRPr lang="en-US" dirty="0"/>
+          </a:p>
+        </p:txBody>
+      </p:sp>
+    </p:spTree>
+    <p:extLst>
+      <p:ext uri="{BB962C8B-B14F-4D97-AF65-F5344CB8AC3E}">
+        <p14:creationId xmlns:p14="http://schemas.microsoft.com/office/powerpoint/2010/main" val="3061972887"/>
+      </p:ext>
+    </p:extLst>
+  </p:cSld>
+  <p:clrMapOvr>
+    <a:masterClrMapping/>
+  </p:clrMapOvr>
+</p:sld>
+</file>
+
+<file path=ppt/slides/slide21.xml><?xml version="1.0" encoding="utf-8"?>
+<p:sld xmlns:a="http://schemas.openxmlformats.org/drawingml/2006/main" xmlns:r="http://schemas.openxmlformats.org/officeDocument/2006/relationships" xmlns:p="http://schemas.openxmlformats.org/presentationml/2006/main">
+  <p:cSld>
+    <p:spTree>
+      <p:nvGrpSpPr>
+        <p:cNvPr id="1" name=""/>
+        <p:cNvGrpSpPr/>
+        <p:nvPr/>
+      </p:nvGrpSpPr>
+      <p:grpSpPr>
+        <a:xfrm>
+          <a:off x="0" y="0"/>
+          <a:ext cx="0" cy="0"/>
+          <a:chOff x="0" y="0"/>
+          <a:chExt cx="0" cy="0"/>
+        </a:xfrm>
+      </p:grpSpPr>
+      <p:sp>
+        <p:nvSpPr>
+          <p:cNvPr id="2" name="Titel 1"/>
+          <p:cNvSpPr>
+            <a:spLocks noGrp="1"/>
+          </p:cNvSpPr>
+          <p:nvPr>
+            <p:ph type="title"/>
+          </p:nvPr>
+        </p:nvSpPr>
+        <p:spPr/>
+        <p:txBody>
+          <a:bodyPr>
+            <a:noAutofit/>
+          </a:bodyPr>
+          <a:lstStyle/>
+          <a:p>
+            <a:r>
+              <a:rPr lang="de-DE" dirty="0" smtClean="0"/>
+              <a:t>Rechtliche Aspekte – </a:t>
+            </a:r>
+            <a:r>
+              <a:rPr lang="de-DE" dirty="0" err="1" smtClean="0"/>
+              <a:t>Datenschutzbestimmmungen</a:t>
+            </a:r>
+            <a:r>
+              <a:rPr lang="de-DE" dirty="0" smtClean="0"/>
+              <a:t> und IT- Sicherheit</a:t>
+            </a:r>
+            <a:endParaRPr lang="de-DE" dirty="0"/>
+          </a:p>
+        </p:txBody>
+      </p:sp>
+      <p:sp>
+        <p:nvSpPr>
+          <p:cNvPr id="3" name="Inhaltsplatzhalter 2"/>
+          <p:cNvSpPr>
+            <a:spLocks noGrp="1"/>
+          </p:cNvSpPr>
+          <p:nvPr>
+            <p:ph idx="1"/>
+          </p:nvPr>
+        </p:nvSpPr>
+        <p:spPr>
+          <a:xfrm>
+            <a:off x="677334" y="2555193"/>
+            <a:ext cx="8596668" cy="3486169"/>
+          </a:xfrm>
+        </p:spPr>
+        <p:txBody>
+          <a:bodyPr/>
+          <a:lstStyle/>
+          <a:p>
+            <a:pPr marL="342900" lvl="1" indent="-342900"/>
+            <a:r>
+              <a:rPr lang="de-DE" dirty="0" smtClean="0"/>
+              <a:t>keine </a:t>
+            </a:r>
+            <a:r>
+              <a:rPr lang="de-DE" dirty="0"/>
+              <a:t>Identifizierung der </a:t>
+            </a:r>
+            <a:r>
+              <a:rPr lang="de-DE" dirty="0" err="1" smtClean="0"/>
+              <a:t>StudienteilnehmerInnen</a:t>
+            </a:r>
+            <a:r>
+              <a:rPr lang="de-DE" dirty="0"/>
+              <a:t> </a:t>
+            </a:r>
+            <a:r>
+              <a:rPr lang="de-DE" dirty="0" smtClean="0"/>
+              <a:t>anhand </a:t>
+            </a:r>
+            <a:r>
+              <a:rPr lang="de-DE" dirty="0"/>
+              <a:t>der Studiendaten möglich</a:t>
+            </a:r>
+          </a:p>
+          <a:p>
+            <a:pPr marL="342900" lvl="1" indent="-342900"/>
+            <a:r>
+              <a:rPr lang="de-DE" dirty="0"/>
+              <a:t>ärztliche Schweigepflicht gewahrt </a:t>
+            </a:r>
+          </a:p>
+          <a:p>
+            <a:r>
+              <a:rPr lang="de-DE" dirty="0"/>
+              <a:t>Verwendung der Daten ausschließlich zu wissenschaftlichen Zwecken </a:t>
+            </a:r>
+            <a:endParaRPr lang="de-DE" dirty="0"/>
+          </a:p>
+        </p:txBody>
+      </p:sp>
+      <p:sp>
+        <p:nvSpPr>
+          <p:cNvPr id="4" name="Fußzeilenplatzhalter 3"/>
+          <p:cNvSpPr>
+            <a:spLocks noGrp="1"/>
+          </p:cNvSpPr>
+          <p:nvPr>
+            <p:ph type="ftr" sz="quarter" idx="11"/>
+          </p:nvPr>
+        </p:nvSpPr>
+        <p:spPr/>
+        <p:txBody>
+          <a:bodyPr/>
+          <a:lstStyle/>
+          <a:p>
+            <a:r>
+              <a:rPr lang="en-US" smtClean="0"/>
+              <a:t>| Dominik Meixner | Dominique Cheray |</a:t>
+            </a:r>
+            <a:endParaRPr lang="en-US" dirty="0"/>
+          </a:p>
+        </p:txBody>
+      </p:sp>
+    </p:spTree>
+    <p:extLst>
+      <p:ext uri="{BB962C8B-B14F-4D97-AF65-F5344CB8AC3E}">
+        <p14:creationId xmlns:p14="http://schemas.microsoft.com/office/powerpoint/2010/main" val="3215482943"/>
+      </p:ext>
+    </p:extLst>
+  </p:cSld>
+  <p:clrMapOvr>
+    <a:masterClrMapping/>
+  </p:clrMapOvr>
+</p:sld>
+</file>
+
+<file path=ppt/slides/slide22.xml><?xml version="1.0" encoding="utf-8"?>
+<p:sld xmlns:a="http://schemas.openxmlformats.org/drawingml/2006/main" xmlns:r="http://schemas.openxmlformats.org/officeDocument/2006/relationships" xmlns:p="http://schemas.openxmlformats.org/presentationml/2006/main">
+  <p:cSld>
+    <p:spTree>
+      <p:nvGrpSpPr>
+        <p:cNvPr id="1" name=""/>
+        <p:cNvGrpSpPr/>
+        <p:nvPr/>
+      </p:nvGrpSpPr>
+      <p:grpSpPr>
+        <a:xfrm>
+          <a:off x="0" y="0"/>
+          <a:ext cx="0" cy="0"/>
+          <a:chOff x="0" y="0"/>
+          <a:chExt cx="0" cy="0"/>
+        </a:xfrm>
+      </p:grpSpPr>
+      <p:sp>
+        <p:nvSpPr>
+          <p:cNvPr id="2" name="Titel 1"/>
+          <p:cNvSpPr>
+            <a:spLocks noGrp="1"/>
+          </p:cNvSpPr>
+          <p:nvPr>
+            <p:ph type="title"/>
+          </p:nvPr>
+        </p:nvSpPr>
+        <p:spPr/>
+        <p:txBody>
+          <a:bodyPr>
+            <a:noAutofit/>
+          </a:bodyPr>
+          <a:lstStyle/>
+          <a:p>
+            <a:r>
+              <a:rPr lang="de-DE" dirty="0" smtClean="0"/>
+              <a:t>Rechtliche Aspekte - Qualitätssicherung</a:t>
+            </a:r>
+            <a:endParaRPr lang="de-DE" dirty="0"/>
+          </a:p>
+        </p:txBody>
+      </p:sp>
+      <p:sp>
+        <p:nvSpPr>
+          <p:cNvPr id="3" name="Inhaltsplatzhalter 2"/>
+          <p:cNvSpPr>
+            <a:spLocks noGrp="1"/>
+          </p:cNvSpPr>
+          <p:nvPr>
+            <p:ph idx="1"/>
+          </p:nvPr>
+        </p:nvSpPr>
+        <p:spPr/>
+        <p:txBody>
+          <a:bodyPr/>
+          <a:lstStyle/>
+          <a:p>
+            <a:r>
+              <a:rPr lang="de-DE" dirty="0" smtClean="0"/>
+              <a:t>Durchführung der Untersuchungen und Befragungen anhand von wissenschaftlich festgelegten standardisierten Protokollen</a:t>
+            </a:r>
+            <a:endParaRPr lang="de-DE" dirty="0"/>
+          </a:p>
+        </p:txBody>
+      </p:sp>
+      <p:sp>
+        <p:nvSpPr>
+          <p:cNvPr id="4" name="Fußzeilenplatzhalter 3"/>
+          <p:cNvSpPr>
+            <a:spLocks noGrp="1"/>
+          </p:cNvSpPr>
+          <p:nvPr>
+            <p:ph type="ftr" sz="quarter" idx="11"/>
+          </p:nvPr>
+        </p:nvSpPr>
+        <p:spPr/>
+        <p:txBody>
+          <a:bodyPr/>
+          <a:lstStyle/>
+          <a:p>
+            <a:r>
+              <a:rPr lang="en-US" smtClean="0"/>
+              <a:t>| Dominik Meixner | Dominique Cheray |</a:t>
+            </a:r>
+            <a:endParaRPr lang="en-US" dirty="0"/>
+          </a:p>
+        </p:txBody>
+      </p:sp>
+    </p:spTree>
+    <p:extLst>
+      <p:ext uri="{BB962C8B-B14F-4D97-AF65-F5344CB8AC3E}">
+        <p14:creationId xmlns:p14="http://schemas.microsoft.com/office/powerpoint/2010/main" val="1237747868"/>
+      </p:ext>
+    </p:extLst>
+  </p:cSld>
+  <p:clrMapOvr>
+    <a:masterClrMapping/>
+  </p:clrMapOvr>
+</p:sld>
+</file>
+
+<file path=ppt/slides/slide23.xml><?xml version="1.0" encoding="utf-8"?>
+<p:sld xmlns:a="http://schemas.openxmlformats.org/drawingml/2006/main" xmlns:r="http://schemas.openxmlformats.org/officeDocument/2006/relationships" xmlns:p="http://schemas.openxmlformats.org/presentationml/2006/main">
+  <p:cSld>
+    <p:spTree>
+      <p:nvGrpSpPr>
+        <p:cNvPr id="1" name=""/>
+        <p:cNvGrpSpPr/>
+        <p:nvPr/>
+      </p:nvGrpSpPr>
+      <p:grpSpPr>
+        <a:xfrm>
+          <a:off x="0" y="0"/>
+          <a:ext cx="0" cy="0"/>
+          <a:chOff x="0" y="0"/>
+          <a:chExt cx="0" cy="0"/>
+        </a:xfrm>
+      </p:grpSpPr>
+      <p:pic>
+        <p:nvPicPr>
+          <p:cNvPr id="5" name="Picture 2" descr="https://r3sq.files.wordpress.com/2010/09/blutbild_2.jpg?w=460&amp;h=575"/>
+          <p:cNvPicPr>
+            <a:picLocks noChangeAspect="1" noChangeArrowheads="1"/>
+          </p:cNvPicPr>
+          <p:nvPr/>
+        </p:nvPicPr>
+        <p:blipFill>
+          <a:blip r:embed="rId2">
+            <a:extLst>
+              <a:ext uri="{28A0092B-C50C-407E-A947-70E740481C1C}">
+                <a14:useLocalDpi xmlns:a14="http://schemas.microsoft.com/office/drawing/2010/main" val="0"/>
+              </a:ext>
+            </a:extLst>
+          </a:blip>
+          <a:srcRect/>
+          <a:stretch>
+            <a:fillRect/>
+          </a:stretch>
+        </p:blipFill>
+        <p:spPr bwMode="auto">
+          <a:xfrm>
+            <a:off x="593853" y="924328"/>
+            <a:ext cx="4024540" cy="5039424"/>
+          </a:xfrm>
+          <a:prstGeom prst="rect">
+            <a:avLst/>
+          </a:prstGeom>
+          <a:noFill/>
+          <a:extLst>
+            <a:ext uri="{909E8E84-426E-40DD-AFC4-6F175D3DCCD1}">
+              <a14:hiddenFill xmlns:a14="http://schemas.microsoft.com/office/drawing/2010/main">
+                <a:solidFill>
+                  <a:srgbClr val="FFFFFF"/>
+                </a:solidFill>
+              </a14:hiddenFill>
+            </a:ext>
+          </a:extLst>
+        </p:spPr>
+      </p:pic>
+      <p:sp>
+        <p:nvSpPr>
+          <p:cNvPr id="2" name="Titel 1"/>
+          <p:cNvSpPr>
+            <a:spLocks noGrp="1"/>
+          </p:cNvSpPr>
+          <p:nvPr>
+            <p:ph type="title"/>
+          </p:nvPr>
+        </p:nvSpPr>
+        <p:spPr/>
+        <p:txBody>
+          <a:bodyPr/>
+          <a:lstStyle/>
+          <a:p>
+            <a:r>
+              <a:rPr lang="de-DE" dirty="0" smtClean="0"/>
+              <a:t>Fragen? </a:t>
+            </a:r>
+            <a:endParaRPr lang="de-DE" dirty="0"/>
+          </a:p>
+        </p:txBody>
+      </p:sp>
+      <p:sp>
+        <p:nvSpPr>
+          <p:cNvPr id="3" name="Inhaltsplatzhalter 2"/>
+          <p:cNvSpPr>
+            <a:spLocks noGrp="1"/>
+          </p:cNvSpPr>
+          <p:nvPr>
+            <p:ph idx="1"/>
+          </p:nvPr>
+        </p:nvSpPr>
+        <p:spPr>
+          <a:xfrm>
+            <a:off x="5007836" y="2160590"/>
+            <a:ext cx="4266166" cy="2701968"/>
+          </a:xfrm>
+        </p:spPr>
+        <p:txBody>
+          <a:bodyPr>
+            <a:normAutofit/>
+          </a:bodyPr>
+          <a:lstStyle/>
+          <a:p>
+            <a:r>
+              <a:rPr lang="de-DE" sz="1800" dirty="0" smtClean="0"/>
+              <a:t>Quellen (29.3.15):</a:t>
+            </a:r>
+          </a:p>
+          <a:p>
+            <a:pPr lvl="1"/>
+            <a:r>
+              <a:rPr lang="de-DE" sz="1800" dirty="0"/>
+              <a:t>www.nationale-kohorte.de</a:t>
+            </a:r>
+          </a:p>
+          <a:p>
+            <a:pPr lvl="1"/>
+            <a:r>
+              <a:rPr lang="de-DE" sz="1800" dirty="0"/>
+              <a:t>http://de.wikipedia.org/w/index.php?title=Nationale_Kohorte&amp;oldid=138423161</a:t>
+            </a:r>
+          </a:p>
+          <a:p>
+            <a:pPr lvl="1"/>
+            <a:r>
+              <a:rPr lang="de-DE" sz="1800" dirty="0"/>
+              <a:t>http://</a:t>
+            </a:r>
+            <a:r>
+              <a:rPr lang="de-DE" sz="1800" dirty="0" smtClean="0"/>
+              <a:t>www.bmbf.de/press/3480.php</a:t>
+            </a:r>
+            <a:endParaRPr lang="de-DE" sz="1800" dirty="0"/>
+          </a:p>
+        </p:txBody>
+      </p:sp>
+      <p:sp>
+        <p:nvSpPr>
+          <p:cNvPr id="4" name="Fußzeilenplatzhalter 3"/>
+          <p:cNvSpPr>
+            <a:spLocks noGrp="1"/>
+          </p:cNvSpPr>
+          <p:nvPr>
+            <p:ph type="ftr" sz="quarter" idx="11"/>
+          </p:nvPr>
+        </p:nvSpPr>
+        <p:spPr/>
+        <p:txBody>
+          <a:bodyPr/>
+          <a:lstStyle/>
+          <a:p>
+            <a:r>
+              <a:rPr lang="en-US" smtClean="0"/>
+              <a:t>| Dominik Meixner | Dominique Cheray |</a:t>
+            </a:r>
+            <a:endParaRPr lang="en-US" dirty="0"/>
+          </a:p>
+        </p:txBody>
+      </p:sp>
+    </p:spTree>
+    <p:extLst>
+      <p:ext uri="{BB962C8B-B14F-4D97-AF65-F5344CB8AC3E}">
+        <p14:creationId xmlns:p14="http://schemas.microsoft.com/office/powerpoint/2010/main" val="1827241420"/>
+      </p:ext>
+    </p:extLst>
+  </p:cSld>
+  <p:clrMapOvr>
+    <a:masterClrMapping/>
+  </p:clrMapOvr>
+</p:sld>
+</file>
+
 <file path=ppt/slides/slide3.xml><?xml version="1.0" encoding="utf-8"?>
 <p:sld xmlns:a="http://schemas.openxmlformats.org/drawingml/2006/main" xmlns:r="http://schemas.openxmlformats.org/officeDocument/2006/relationships" xmlns:p="http://schemas.openxmlformats.org/presentationml/2006/main">
   <p:cSld>
@@ -6899,6 +10263,36 @@
           </a:p>
         </p:txBody>
       </p:sp>
+      <p:pic>
+        <p:nvPicPr>
+          <p:cNvPr id="5" name="Grafik 4"/>
+          <p:cNvPicPr>
+            <a:picLocks noChangeAspect="1"/>
+          </p:cNvPicPr>
+          <p:nvPr/>
+        </p:nvPicPr>
+        <p:blipFill>
+          <a:blip r:embed="rId2">
+            <a:extLst>
+              <a:ext uri="{28A0092B-C50C-407E-A947-70E740481C1C}">
+                <a14:useLocalDpi xmlns:a14="http://schemas.microsoft.com/office/drawing/2010/main" val="0"/>
+              </a:ext>
+            </a:extLst>
+          </a:blip>
+          <a:stretch>
+            <a:fillRect/>
+          </a:stretch>
+        </p:blipFill>
+        <p:spPr>
+          <a:xfrm>
+            <a:off x="6646586" y="683663"/>
+            <a:ext cx="1838582" cy="1724266"/>
+          </a:xfrm>
+          <a:prstGeom prst="rect">
+            <a:avLst/>
+          </a:prstGeom>
+        </p:spPr>
+      </p:pic>
     </p:spTree>
     <p:extLst>
       <p:ext uri="{BB962C8B-B14F-4D97-AF65-F5344CB8AC3E}">
@@ -6976,7 +10370,17 @@
           <a:p>
             <a:r>
               <a:rPr lang="de-DE" dirty="0" smtClean="0"/>
-              <a:t>Eine groß angelegte Langzeit-Bevölkerungsstudie zur Erforschung von Volkskrankheiten, ihrer Früherkennung und Prävention</a:t>
+              <a:t>Eine groß angelegte Langzeit-Bevölkerungsstudie zur Erforschung von Volkskrankheiten, ihrer Früherkennung und </a:t>
+            </a:r>
+            <a:r>
+              <a:rPr lang="de-DE" dirty="0" smtClean="0"/>
+              <a:t>Prävention</a:t>
+            </a:r>
+          </a:p>
+          <a:p>
+            <a:r>
+              <a:rPr lang="de-DE" dirty="0" smtClean="0"/>
+              <a:t>Deutschlands größte Gesundheitsstudie</a:t>
             </a:r>
             <a:endParaRPr lang="de-DE" dirty="0"/>
           </a:p>
@@ -7107,6 +10511,36 @@
           </a:p>
         </p:txBody>
       </p:sp>
+      <p:pic>
+        <p:nvPicPr>
+          <p:cNvPr id="5" name="Grafik 4"/>
+          <p:cNvPicPr>
+            <a:picLocks noChangeAspect="1"/>
+          </p:cNvPicPr>
+          <p:nvPr/>
+        </p:nvPicPr>
+        <p:blipFill>
+          <a:blip r:embed="rId2">
+            <a:extLst>
+              <a:ext uri="{28A0092B-C50C-407E-A947-70E740481C1C}">
+                <a14:useLocalDpi xmlns:a14="http://schemas.microsoft.com/office/drawing/2010/main" val="0"/>
+              </a:ext>
+            </a:extLst>
+          </a:blip>
+          <a:stretch>
+            <a:fillRect/>
+          </a:stretch>
+        </p:blipFill>
+        <p:spPr>
+          <a:xfrm>
+            <a:off x="6706407" y="683663"/>
+            <a:ext cx="1838582" cy="1724266"/>
+          </a:xfrm>
+          <a:prstGeom prst="rect">
+            <a:avLst/>
+          </a:prstGeom>
+        </p:spPr>
+      </p:pic>
     </p:spTree>
     <p:extLst>
       <p:ext uri="{BB962C8B-B14F-4D97-AF65-F5344CB8AC3E}">
@@ -7392,6 +10826,45 @@
           <a:chExt cx="0" cy="0"/>
         </a:xfrm>
       </p:grpSpPr>
+      <p:pic>
+        <p:nvPicPr>
+          <p:cNvPr id="5" name="Grafik 4"/>
+          <p:cNvPicPr>
+            <a:picLocks noChangeAspect="1"/>
+          </p:cNvPicPr>
+          <p:nvPr/>
+        </p:nvPicPr>
+        <p:blipFill>
+          <a:blip r:embed="rId3">
+            <a:extLst>
+              <a:ext uri="{BEBA8EAE-BF5A-486C-A8C5-ECC9F3942E4B}">
+                <a14:imgProps xmlns:a14="http://schemas.microsoft.com/office/drawing/2010/main">
+                  <a14:imgLayer r:embed="rId4">
+                    <a14:imgEffect>
+                      <a14:sharpenSoften amount="50000"/>
+                    </a14:imgEffect>
+                  </a14:imgLayer>
+                </a14:imgProps>
+              </a:ext>
+              <a:ext uri="{28A0092B-C50C-407E-A947-70E740481C1C}">
+                <a14:useLocalDpi xmlns:a14="http://schemas.microsoft.com/office/drawing/2010/main" val="0"/>
+              </a:ext>
+            </a:extLst>
+          </a:blip>
+          <a:stretch>
+            <a:fillRect/>
+          </a:stretch>
+        </p:blipFill>
+        <p:spPr>
+          <a:xfrm>
+            <a:off x="6336996" y="439554"/>
+            <a:ext cx="4782218" cy="6030167"/>
+          </a:xfrm>
+          <a:prstGeom prst="rect">
+            <a:avLst/>
+          </a:prstGeom>
+        </p:spPr>
+      </p:pic>
       <p:sp>
         <p:nvSpPr>
           <p:cNvPr id="2" name="Titel 1"/>
@@ -7488,6 +10961,39 @@
               <a:t>| Dominik Meixner | Dominique Cheray |</a:t>
             </a:r>
             <a:endParaRPr lang="en-US" dirty="0"/>
+          </a:p>
+        </p:txBody>
+      </p:sp>
+      <p:sp>
+        <p:nvSpPr>
+          <p:cNvPr id="6" name="Textfeld 5"/>
+          <p:cNvSpPr txBox="1"/>
+          <p:nvPr/>
+        </p:nvSpPr>
+        <p:spPr>
+          <a:xfrm>
+            <a:off x="6336996" y="6469721"/>
+            <a:ext cx="4782218" cy="246221"/>
+          </a:xfrm>
+          <a:prstGeom prst="rect">
+            <a:avLst/>
+          </a:prstGeom>
+          <a:noFill/>
+        </p:spPr>
+        <p:txBody>
+          <a:bodyPr wrap="square" rtlCol="0">
+            <a:spAutoFit/>
+          </a:bodyPr>
+          <a:lstStyle/>
+          <a:p>
+            <a:r>
+              <a:rPr lang="de-DE" sz="1000" dirty="0" smtClean="0"/>
+              <a:t>		http</a:t>
+            </a:r>
+            <a:r>
+              <a:rPr lang="de-DE" sz="1000" dirty="0"/>
+              <a:t>://www.nationale-kohorte.de/content/nationale-kohorte.pdf</a:t>
+            </a:r>
           </a:p>
         </p:txBody>
       </p:sp>
@@ -7508,6 +11014,131 @@
       </p:par>
     </p:tnLst>
   </p:timing>
+</p:sld>
+</file>
+
+<file path=ppt/slides/slide9.xml><?xml version="1.0" encoding="utf-8"?>
+<p:sld xmlns:a="http://schemas.openxmlformats.org/drawingml/2006/main" xmlns:r="http://schemas.openxmlformats.org/officeDocument/2006/relationships" xmlns:p="http://schemas.openxmlformats.org/presentationml/2006/main">
+  <p:cSld>
+    <p:spTree>
+      <p:nvGrpSpPr>
+        <p:cNvPr id="1" name=""/>
+        <p:cNvGrpSpPr/>
+        <p:nvPr/>
+      </p:nvGrpSpPr>
+      <p:grpSpPr>
+        <a:xfrm>
+          <a:off x="0" y="0"/>
+          <a:ext cx="0" cy="0"/>
+          <a:chOff x="0" y="0"/>
+          <a:chExt cx="0" cy="0"/>
+        </a:xfrm>
+      </p:grpSpPr>
+      <p:sp>
+        <p:nvSpPr>
+          <p:cNvPr id="2" name="Titel 1"/>
+          <p:cNvSpPr>
+            <a:spLocks noGrp="1"/>
+          </p:cNvSpPr>
+          <p:nvPr>
+            <p:ph type="title"/>
+          </p:nvPr>
+        </p:nvSpPr>
+        <p:spPr/>
+        <p:txBody>
+          <a:bodyPr/>
+          <a:lstStyle/>
+          <a:p>
+            <a:r>
+              <a:rPr lang="de-DE" dirty="0" smtClean="0"/>
+              <a:t>Studienziele &amp; -aufgaben</a:t>
+            </a:r>
+            <a:endParaRPr lang="de-DE" dirty="0"/>
+          </a:p>
+        </p:txBody>
+      </p:sp>
+      <p:sp>
+        <p:nvSpPr>
+          <p:cNvPr id="3" name="Textplatzhalter 2"/>
+          <p:cNvSpPr>
+            <a:spLocks noGrp="1"/>
+          </p:cNvSpPr>
+          <p:nvPr>
+            <p:ph type="body" idx="1"/>
+          </p:nvPr>
+        </p:nvSpPr>
+        <p:spPr/>
+        <p:txBody>
+          <a:bodyPr/>
+          <a:lstStyle/>
+          <a:p>
+            <a:endParaRPr lang="de-DE"/>
+          </a:p>
+        </p:txBody>
+      </p:sp>
+      <p:sp>
+        <p:nvSpPr>
+          <p:cNvPr id="4" name="Fußzeilenplatzhalter 3"/>
+          <p:cNvSpPr>
+            <a:spLocks noGrp="1"/>
+          </p:cNvSpPr>
+          <p:nvPr>
+            <p:ph type="ftr" sz="quarter" idx="11"/>
+          </p:nvPr>
+        </p:nvSpPr>
+        <p:spPr/>
+        <p:txBody>
+          <a:bodyPr/>
+          <a:lstStyle/>
+          <a:p>
+            <a:r>
+              <a:rPr lang="en-US" smtClean="0"/>
+              <a:t>| Dominik Meixner | Dominique Cheray |</a:t>
+            </a:r>
+            <a:endParaRPr lang="en-US" dirty="0"/>
+          </a:p>
+        </p:txBody>
+      </p:sp>
+      <p:pic>
+        <p:nvPicPr>
+          <p:cNvPr id="5" name="Grafik 4"/>
+          <p:cNvPicPr>
+            <a:picLocks noChangeAspect="1"/>
+          </p:cNvPicPr>
+          <p:nvPr/>
+        </p:nvPicPr>
+        <p:blipFill>
+          <a:blip r:embed="rId2">
+            <a:extLst>
+              <a:ext uri="{28A0092B-C50C-407E-A947-70E740481C1C}">
+                <a14:useLocalDpi xmlns:a14="http://schemas.microsoft.com/office/drawing/2010/main" val="0"/>
+              </a:ext>
+            </a:extLst>
+          </a:blip>
+          <a:stretch>
+            <a:fillRect/>
+          </a:stretch>
+        </p:blipFill>
+        <p:spPr>
+          <a:xfrm>
+            <a:off x="6646586" y="683663"/>
+            <a:ext cx="1838582" cy="1724266"/>
+          </a:xfrm>
+          <a:prstGeom prst="rect">
+            <a:avLst/>
+          </a:prstGeom>
+        </p:spPr>
+      </p:pic>
+    </p:spTree>
+    <p:extLst>
+      <p:ext uri="{BB962C8B-B14F-4D97-AF65-F5344CB8AC3E}">
+        <p14:creationId xmlns:p14="http://schemas.microsoft.com/office/powerpoint/2010/main" val="852178695"/>
+      </p:ext>
+    </p:extLst>
+  </p:cSld>
+  <p:clrMapOvr>
+    <a:masterClrMapping/>
+  </p:clrMapOvr>
 </p:sld>
 </file>
 

--- a/NationaleKohorte/NationaleKohortePraes.pptx
+++ b/NationaleKohorte/NationaleKohortePraes.pptx
@@ -131,7 +131,7 @@
   </p:defaultTextStyle>
   <p:extLst>
     <p:ext uri="{EFAFB233-063F-42B5-8137-9DF3F51BA10A}">
-      <p15:sldGuideLst xmlns="" xmlns:p15="http://schemas.microsoft.com/office/powerpoint/2012/main"/>
+      <p15:sldGuideLst xmlns:p15="http://schemas.microsoft.com/office/powerpoint/2012/main" xmlns=""/>
     </p:ext>
   </p:extLst>
 </p:presentation>
@@ -225,7 +225,7 @@
           <a:p>
             <a:fld id="{FD0E5214-A780-45B3-8C91-E131831524A4}" type="datetimeFigureOut">
               <a:rPr lang="de-DE" smtClean="0"/>
-              <a:t>29.03.2015</a:t>
+              <a:t>02.04.2015</a:t>
             </a:fld>
             <a:endParaRPr lang="de-DE"/>
           </a:p>
@@ -3176,7 +3176,7 @@
           <a:p>
             <a:fld id="{430DCDF4-4212-41DE-881A-86CC5F4C4960}" type="datetime1">
               <a:rPr lang="en-US" smtClean="0"/>
-              <a:t>3/29/2015</a:t>
+              <a:t>4/2/2015</a:t>
             </a:fld>
             <a:endParaRPr lang="en-US" dirty="0"/>
           </a:p>
@@ -3455,7 +3455,7 @@
           <a:p>
             <a:fld id="{7D7F22C2-E00C-402C-9237-97B2DDDB1C1E}" type="datetime1">
               <a:rPr lang="en-US" smtClean="0"/>
-              <a:t>3/29/2015</a:t>
+              <a:t>4/2/2015</a:t>
             </a:fld>
             <a:endParaRPr lang="en-US" dirty="0"/>
           </a:p>
@@ -3750,7 +3750,7 @@
           <a:p>
             <a:fld id="{4751C775-F499-41CA-BB69-5F0CE1DC728B}" type="datetime1">
               <a:rPr lang="en-US" smtClean="0"/>
-              <a:t>3/29/2015</a:t>
+              <a:t>4/2/2015</a:t>
             </a:fld>
             <a:endParaRPr lang="en-US" dirty="0"/>
           </a:p>
@@ -4072,7 +4072,7 @@
           <a:p>
             <a:fld id="{EF0B729F-5E1E-40E7-8D1F-2FBC0AA7C9CD}" type="datetime1">
               <a:rPr lang="en-US" smtClean="0"/>
-              <a:t>3/29/2015</a:t>
+              <a:t>4/2/2015</a:t>
             </a:fld>
             <a:endParaRPr lang="en-US" dirty="0"/>
           </a:p>
@@ -4367,7 +4367,7 @@
           <a:p>
             <a:fld id="{6C610283-F1E1-40D0-ACF0-C635052CA35C}" type="datetime1">
               <a:rPr lang="en-US" smtClean="0"/>
-              <a:t>3/29/2015</a:t>
+              <a:t>4/2/2015</a:t>
             </a:fld>
             <a:endParaRPr lang="en-US" dirty="0"/>
           </a:p>
@@ -4741,7 +4741,7 @@
           <a:p>
             <a:fld id="{DDCC8832-2E28-430A-AD8F-583F9F33222D}" type="datetime1">
               <a:rPr lang="en-US" smtClean="0"/>
-              <a:t>3/29/2015</a:t>
+              <a:t>4/2/2015</a:t>
             </a:fld>
             <a:endParaRPr lang="en-US" dirty="0"/>
           </a:p>
@@ -4899,7 +4899,7 @@
           <a:p>
             <a:fld id="{76E487D9-92EA-4374-B9A8-0C938596B06B}" type="datetime1">
               <a:rPr lang="en-US" smtClean="0"/>
-              <a:t>3/29/2015</a:t>
+              <a:t>4/2/2015</a:t>
             </a:fld>
             <a:endParaRPr lang="en-US" dirty="0"/>
           </a:p>
@@ -5060,7 +5060,7 @@
           <a:p>
             <a:fld id="{03B2E87A-4C56-4FB1-83A8-C433C44AFBA9}" type="datetime1">
               <a:rPr lang="en-US" smtClean="0"/>
-              <a:t>3/29/2015</a:t>
+              <a:t>4/2/2015</a:t>
             </a:fld>
             <a:endParaRPr lang="en-US" dirty="0"/>
           </a:p>
@@ -5240,7 +5240,7 @@
           <a:p>
             <a:fld id="{A5828E15-EAE5-4696-A498-9462A8D07DB3}" type="datetime1">
               <a:rPr lang="en-US" smtClean="0"/>
-              <a:t>3/29/2015</a:t>
+              <a:t>4/2/2015</a:t>
             </a:fld>
             <a:endParaRPr lang="en-US" dirty="0"/>
           </a:p>
@@ -5482,7 +5482,7 @@
           <a:p>
             <a:fld id="{30C89575-A7F9-45D9-8DD0-EEE9ED1F7FA0}" type="datetime1">
               <a:rPr lang="en-US" smtClean="0"/>
-              <a:t>3/29/2015</a:t>
+              <a:t>4/2/2015</a:t>
             </a:fld>
             <a:endParaRPr lang="en-US" dirty="0"/>
           </a:p>
@@ -5702,7 +5702,7 @@
           <a:p>
             <a:fld id="{7A131F54-E68E-47BE-8946-F526F364CBA6}" type="datetime1">
               <a:rPr lang="en-US" smtClean="0"/>
-              <a:t>3/29/2015</a:t>
+              <a:t>4/2/2015</a:t>
             </a:fld>
             <a:endParaRPr lang="en-US" dirty="0"/>
           </a:p>
@@ -6057,7 +6057,7 @@
           <a:p>
             <a:fld id="{54938A4C-ABDD-4D7F-9EE8-D2212DFA111A}" type="datetime1">
               <a:rPr lang="en-US" smtClean="0"/>
-              <a:t>3/29/2015</a:t>
+              <a:t>4/2/2015</a:t>
             </a:fld>
             <a:endParaRPr lang="en-US" dirty="0"/>
           </a:p>
@@ -6161,7 +6161,7 @@
           <a:p>
             <a:fld id="{472087FD-69A5-4863-93C8-147616460B5F}" type="datetime1">
               <a:rPr lang="en-US" smtClean="0"/>
-              <a:t>3/29/2015</a:t>
+              <a:t>4/2/2015</a:t>
             </a:fld>
             <a:endParaRPr lang="en-US" dirty="0"/>
           </a:p>
@@ -6237,7 +6237,7 @@
           <a:p>
             <a:fld id="{DE67AA65-3958-4B15-93E3-62DB88057388}" type="datetime1">
               <a:rPr lang="en-US" smtClean="0"/>
-              <a:t>3/29/2015</a:t>
+              <a:t>4/2/2015</a:t>
             </a:fld>
             <a:endParaRPr lang="en-US" dirty="0"/>
           </a:p>
@@ -6473,7 +6473,7 @@
           <a:p>
             <a:fld id="{3A3AF593-EE7A-4564-A95B-6C86BAEF9839}" type="datetime1">
               <a:rPr lang="en-US" smtClean="0"/>
-              <a:t>3/29/2015</a:t>
+              <a:t>4/2/2015</a:t>
             </a:fld>
             <a:endParaRPr lang="en-US" dirty="0"/>
           </a:p>
@@ -6717,7 +6717,7 @@
           <a:p>
             <a:fld id="{D226D4E0-B61D-4B17-878D-83CEB6B35F48}" type="datetime1">
               <a:rPr lang="en-US" smtClean="0"/>
-              <a:t>3/29/2015</a:t>
+              <a:t>4/2/2015</a:t>
             </a:fld>
             <a:endParaRPr lang="en-US" dirty="0"/>
           </a:p>
@@ -7441,7 +7441,7 @@
           <a:p>
             <a:fld id="{FA7EC809-ED1F-4983-9906-520EA3F002C5}" type="datetime1">
               <a:rPr lang="en-US" smtClean="0"/>
-              <a:t>3/29/2015</a:t>
+              <a:t>4/2/2015</a:t>
             </a:fld>
             <a:endParaRPr lang="en-US" dirty="0"/>
           </a:p>
@@ -8121,7 +8121,7 @@
           <a:p>
             <a:fld id="{B68A97D9-23A2-4961-BD27-93DAEBE0E1E1}" type="datetime2">
               <a:rPr lang="de-DE" smtClean="0"/>
-              <a:t>Sonntag, 29. März 2015</a:t>
+              <a:t>Donnerstag, 2. April 2015</a:t>
             </a:fld>
             <a:endParaRPr lang="de-DE" dirty="0"/>
           </a:p>
@@ -8413,14 +8413,14 @@
           <a:p>
             <a:pPr lvl="0"/>
             <a:r>
-              <a:rPr lang="de-DE"/>
+              <a:rPr lang="de-DE" dirty="0"/>
               <a:t>Evaluation von Markern als effektive Hilfsmittel zur Früherkennung von chronischen </a:t>
             </a:r>
             <a:r>
-              <a:rPr lang="de-DE" smtClean="0"/>
+              <a:rPr lang="de-DE" dirty="0" smtClean="0"/>
               <a:t>Krankheiten</a:t>
             </a:r>
-            <a:endParaRPr lang="de-DE"/>
+            <a:endParaRPr lang="de-DE" dirty="0"/>
           </a:p>
         </p:txBody>
       </p:sp>
@@ -9799,12 +9799,12 @@
               <a:t>Rechtliche Aspekte – </a:t>
             </a:r>
             <a:r>
-              <a:rPr lang="de-DE" dirty="0" err="1" smtClean="0"/>
-              <a:t>Datenschutzbestimmmungen</a:t>
-            </a:r>
-            <a:r>
               <a:rPr lang="de-DE" dirty="0" smtClean="0"/>
-              <a:t> und IT- Sicherheit</a:t>
+              <a:t>Datenschutzbestimmungen </a:t>
+            </a:r>
+            <a:r>
+              <a:rPr lang="de-DE" dirty="0" smtClean="0"/>
+              <a:t>und IT- Sicherheit</a:t>
             </a:r>
             <a:endParaRPr lang="de-DE" dirty="0"/>
           </a:p>
@@ -9868,7 +9868,6 @@
               <a:rPr lang="de-DE" dirty="0"/>
               <a:t>Verwendung der Daten ausschließlich zu wissenschaftlichen Zwecken </a:t>
             </a:r>
-            <a:endParaRPr lang="de-DE" dirty="0"/>
           </a:p>
         </p:txBody>
       </p:sp>
@@ -10370,11 +10369,7 @@
           <a:p>
             <a:r>
               <a:rPr lang="de-DE" dirty="0" smtClean="0"/>
-              <a:t>Eine groß angelegte Langzeit-Bevölkerungsstudie zur Erforschung von Volkskrankheiten, ihrer Früherkennung und </a:t>
-            </a:r>
-            <a:r>
-              <a:rPr lang="de-DE" dirty="0" smtClean="0"/>
-              <a:t>Prävention</a:t>
+              <a:t>Eine groß angelegte Langzeit-Bevölkerungsstudie zur Erforschung von Volkskrankheiten, ihrer Früherkennung und Prävention</a:t>
             </a:r>
           </a:p>
           <a:p>
@@ -11333,7 +11328,7 @@
   <a:extraClrSchemeLst/>
   <a:extLst>
     <a:ext uri="{05A4C25C-085E-4340-85A3-A5531E510DB2}">
-      <thm15:themeFamily xmlns="" xmlns:thm15="http://schemas.microsoft.com/office/thememl/2012/main" name="Facet" id="{C0C680CD-088A-49FC-A102-D699147F32B2}" vid="{CFBC31BA-B70F-4F30-BCAA-4F3011E16C4D}"/>
+      <thm15:themeFamily xmlns:thm15="http://schemas.microsoft.com/office/thememl/2012/main" xmlns="" name="Facet" id="{C0C680CD-088A-49FC-A102-D699147F32B2}" vid="{CFBC31BA-B70F-4F30-BCAA-4F3011E16C4D}"/>
     </a:ext>
   </a:extLst>
 </a:theme>
@@ -11594,7 +11589,7 @@
   <a:extraClrSchemeLst/>
   <a:extLst>
     <a:ext uri="{05A4C25C-085E-4340-85A3-A5531E510DB2}">
-      <thm15:themeFamily xmlns="" xmlns:thm15="http://schemas.microsoft.com/office/thememl/2012/main" name="Office Theme" id="{62F939B6-93AF-4DB8-9C6B-D6C7DFDC589F}" vid="{4A3C46E8-61CC-4603-A589-7422A47A8E4A}"/>
+      <thm15:themeFamily xmlns:thm15="http://schemas.microsoft.com/office/thememl/2012/main" xmlns="" name="Office Theme" id="{62F939B6-93AF-4DB8-9C6B-D6C7DFDC589F}" vid="{4A3C46E8-61CC-4603-A589-7422A47A8E4A}"/>
     </a:ext>
   </a:extLst>
 </a:theme>
